--- a/Python Projects on Optimization (Explanation).pptx
+++ b/Python Projects on Optimization (Explanation).pptx
@@ -4,10 +4,30 @@
   <p:sldMasterIdLst>
     <p:sldMasterId id="2147483648" r:id="rId1"/>
   </p:sldMasterIdLst>
+  <p:notesMasterIdLst>
+    <p:notesMasterId r:id="rId22"/>
+  </p:notesMasterIdLst>
   <p:sldIdLst>
     <p:sldId id="256" r:id="rId2"/>
-    <p:sldId id="257" r:id="rId3"/>
-    <p:sldId id="258" r:id="rId4"/>
+    <p:sldId id="260" r:id="rId3"/>
+    <p:sldId id="259" r:id="rId4"/>
+    <p:sldId id="265" r:id="rId5"/>
+    <p:sldId id="263" r:id="rId6"/>
+    <p:sldId id="264" r:id="rId7"/>
+    <p:sldId id="258" r:id="rId8"/>
+    <p:sldId id="261" r:id="rId9"/>
+    <p:sldId id="257" r:id="rId10"/>
+    <p:sldId id="268" r:id="rId11"/>
+    <p:sldId id="266" r:id="rId12"/>
+    <p:sldId id="267" r:id="rId13"/>
+    <p:sldId id="269" r:id="rId14"/>
+    <p:sldId id="272" r:id="rId15"/>
+    <p:sldId id="270" r:id="rId16"/>
+    <p:sldId id="273" r:id="rId17"/>
+    <p:sldId id="271" r:id="rId18"/>
+    <p:sldId id="275" r:id="rId19"/>
+    <p:sldId id="276" r:id="rId20"/>
+    <p:sldId id="274" r:id="rId21"/>
   </p:sldIdLst>
   <p:sldSz cx="12192000" cy="6858000"/>
   <p:notesSz cx="6858000" cy="9144000"/>
@@ -109,6 +129,608 @@
 </p:presentation>
 </file>
 
+<file path=ppt/notesMasters/notesMaster1.xml><?xml version="1.0" encoding="utf-8"?>
+<p:notesMaster xmlns:a="http://schemas.openxmlformats.org/drawingml/2006/main" xmlns:r="http://schemas.openxmlformats.org/officeDocument/2006/relationships" xmlns:p="http://schemas.openxmlformats.org/presentationml/2006/main">
+  <p:cSld>
+    <p:bg>
+      <p:bgRef idx="1001">
+        <a:schemeClr val="bg1"/>
+      </p:bgRef>
+    </p:bg>
+    <p:spTree>
+      <p:nvGrpSpPr>
+        <p:cNvPr id="1" name=""/>
+        <p:cNvGrpSpPr/>
+        <p:nvPr/>
+      </p:nvGrpSpPr>
+      <p:grpSpPr>
+        <a:xfrm>
+          <a:off x="0" y="0"/>
+          <a:ext cx="0" cy="0"/>
+          <a:chOff x="0" y="0"/>
+          <a:chExt cx="0" cy="0"/>
+        </a:xfrm>
+      </p:grpSpPr>
+      <p:sp>
+        <p:nvSpPr>
+          <p:cNvPr id="2" name="Header Placeholder 1"/>
+          <p:cNvSpPr>
+            <a:spLocks noGrp="1"/>
+          </p:cNvSpPr>
+          <p:nvPr>
+            <p:ph type="hdr" sz="quarter"/>
+          </p:nvPr>
+        </p:nvSpPr>
+        <p:spPr>
+          <a:xfrm>
+            <a:off x="0" y="0"/>
+            <a:ext cx="2971800" cy="458788"/>
+          </a:xfrm>
+          <a:prstGeom prst="rect">
+            <a:avLst/>
+          </a:prstGeom>
+        </p:spPr>
+        <p:txBody>
+          <a:bodyPr vert="horz" lIns="91440" tIns="45720" rIns="91440" bIns="45720" rtlCol="0"/>
+          <a:lstStyle>
+            <a:lvl1pPr algn="l">
+              <a:defRPr sz="1200"/>
+            </a:lvl1pPr>
+          </a:lstStyle>
+          <a:p>
+            <a:endParaRPr lang="en-US"/>
+          </a:p>
+        </p:txBody>
+      </p:sp>
+      <p:sp>
+        <p:nvSpPr>
+          <p:cNvPr id="3" name="Date Placeholder 2"/>
+          <p:cNvSpPr>
+            <a:spLocks noGrp="1"/>
+          </p:cNvSpPr>
+          <p:nvPr>
+            <p:ph type="dt" idx="1"/>
+          </p:nvPr>
+        </p:nvSpPr>
+        <p:spPr>
+          <a:xfrm>
+            <a:off x="3884613" y="0"/>
+            <a:ext cx="2971800" cy="458788"/>
+          </a:xfrm>
+          <a:prstGeom prst="rect">
+            <a:avLst/>
+          </a:prstGeom>
+        </p:spPr>
+        <p:txBody>
+          <a:bodyPr vert="horz" lIns="91440" tIns="45720" rIns="91440" bIns="45720" rtlCol="0"/>
+          <a:lstStyle>
+            <a:lvl1pPr algn="r">
+              <a:defRPr sz="1200"/>
+            </a:lvl1pPr>
+          </a:lstStyle>
+          <a:p>
+            <a:fld id="{52ECE3F6-2306-4A31-9F8B-37D5AE3653FB}" type="datetimeFigureOut">
+              <a:rPr lang="en-US" smtClean="0"/>
+              <a:t>6/8/2018</a:t>
+            </a:fld>
+            <a:endParaRPr lang="en-US"/>
+          </a:p>
+        </p:txBody>
+      </p:sp>
+      <p:sp>
+        <p:nvSpPr>
+          <p:cNvPr id="4" name="Slide Image Placeholder 3"/>
+          <p:cNvSpPr>
+            <a:spLocks noGrp="1" noRot="1" noChangeAspect="1"/>
+          </p:cNvSpPr>
+          <p:nvPr>
+            <p:ph type="sldImg" idx="2"/>
+          </p:nvPr>
+        </p:nvSpPr>
+        <p:spPr>
+          <a:xfrm>
+            <a:off x="685800" y="1143000"/>
+            <a:ext cx="5486400" cy="3086100"/>
+          </a:xfrm>
+          <a:prstGeom prst="rect">
+            <a:avLst/>
+          </a:prstGeom>
+          <a:noFill/>
+          <a:ln w="12700">
+            <a:solidFill>
+              <a:prstClr val="black"/>
+            </a:solidFill>
+          </a:ln>
+        </p:spPr>
+        <p:txBody>
+          <a:bodyPr vert="horz" lIns="91440" tIns="45720" rIns="91440" bIns="45720" rtlCol="0" anchor="ctr"/>
+          <a:lstStyle/>
+          <a:p>
+            <a:endParaRPr lang="en-US"/>
+          </a:p>
+        </p:txBody>
+      </p:sp>
+      <p:sp>
+        <p:nvSpPr>
+          <p:cNvPr id="5" name="Notes Placeholder 4"/>
+          <p:cNvSpPr>
+            <a:spLocks noGrp="1"/>
+          </p:cNvSpPr>
+          <p:nvPr>
+            <p:ph type="body" sz="quarter" idx="3"/>
+          </p:nvPr>
+        </p:nvSpPr>
+        <p:spPr>
+          <a:xfrm>
+            <a:off x="685800" y="4400550"/>
+            <a:ext cx="5486400" cy="3600450"/>
+          </a:xfrm>
+          <a:prstGeom prst="rect">
+            <a:avLst/>
+          </a:prstGeom>
+        </p:spPr>
+        <p:txBody>
+          <a:bodyPr vert="horz" lIns="91440" tIns="45720" rIns="91440" bIns="45720" rtlCol="0"/>
+          <a:lstStyle/>
+          <a:p>
+            <a:pPr lvl="0"/>
+            <a:r>
+              <a:rPr lang="en-US" smtClean="0"/>
+              <a:t>Click to edit Master text styles</a:t>
+            </a:r>
+          </a:p>
+          <a:p>
+            <a:pPr lvl="1"/>
+            <a:r>
+              <a:rPr lang="en-US" smtClean="0"/>
+              <a:t>Second level</a:t>
+            </a:r>
+          </a:p>
+          <a:p>
+            <a:pPr lvl="2"/>
+            <a:r>
+              <a:rPr lang="en-US" smtClean="0"/>
+              <a:t>Third level</a:t>
+            </a:r>
+          </a:p>
+          <a:p>
+            <a:pPr lvl="3"/>
+            <a:r>
+              <a:rPr lang="en-US" smtClean="0"/>
+              <a:t>Fourth level</a:t>
+            </a:r>
+          </a:p>
+          <a:p>
+            <a:pPr lvl="4"/>
+            <a:r>
+              <a:rPr lang="en-US" smtClean="0"/>
+              <a:t>Fifth level</a:t>
+            </a:r>
+            <a:endParaRPr lang="en-US"/>
+          </a:p>
+        </p:txBody>
+      </p:sp>
+      <p:sp>
+        <p:nvSpPr>
+          <p:cNvPr id="6" name="Footer Placeholder 5"/>
+          <p:cNvSpPr>
+            <a:spLocks noGrp="1"/>
+          </p:cNvSpPr>
+          <p:nvPr>
+            <p:ph type="ftr" sz="quarter" idx="4"/>
+          </p:nvPr>
+        </p:nvSpPr>
+        <p:spPr>
+          <a:xfrm>
+            <a:off x="0" y="8685213"/>
+            <a:ext cx="2971800" cy="458787"/>
+          </a:xfrm>
+          <a:prstGeom prst="rect">
+            <a:avLst/>
+          </a:prstGeom>
+        </p:spPr>
+        <p:txBody>
+          <a:bodyPr vert="horz" lIns="91440" tIns="45720" rIns="91440" bIns="45720" rtlCol="0" anchor="b"/>
+          <a:lstStyle>
+            <a:lvl1pPr algn="l">
+              <a:defRPr sz="1200"/>
+            </a:lvl1pPr>
+          </a:lstStyle>
+          <a:p>
+            <a:endParaRPr lang="en-US"/>
+          </a:p>
+        </p:txBody>
+      </p:sp>
+      <p:sp>
+        <p:nvSpPr>
+          <p:cNvPr id="7" name="Slide Number Placeholder 6"/>
+          <p:cNvSpPr>
+            <a:spLocks noGrp="1"/>
+          </p:cNvSpPr>
+          <p:nvPr>
+            <p:ph type="sldNum" sz="quarter" idx="5"/>
+          </p:nvPr>
+        </p:nvSpPr>
+        <p:spPr>
+          <a:xfrm>
+            <a:off x="3884613" y="8685213"/>
+            <a:ext cx="2971800" cy="458787"/>
+          </a:xfrm>
+          <a:prstGeom prst="rect">
+            <a:avLst/>
+          </a:prstGeom>
+        </p:spPr>
+        <p:txBody>
+          <a:bodyPr vert="horz" lIns="91440" tIns="45720" rIns="91440" bIns="45720" rtlCol="0" anchor="b"/>
+          <a:lstStyle>
+            <a:lvl1pPr algn="r">
+              <a:defRPr sz="1200"/>
+            </a:lvl1pPr>
+          </a:lstStyle>
+          <a:p>
+            <a:fld id="{F8C501C4-8207-4971-82F7-925B90ADE693}" type="slidenum">
+              <a:rPr lang="en-US" smtClean="0"/>
+              <a:t>‹#›</a:t>
+            </a:fld>
+            <a:endParaRPr lang="en-US"/>
+          </a:p>
+        </p:txBody>
+      </p:sp>
+    </p:spTree>
+    <p:extLst>
+      <p:ext uri="{BB962C8B-B14F-4D97-AF65-F5344CB8AC3E}">
+        <p14:creationId xmlns:p14="http://schemas.microsoft.com/office/powerpoint/2010/main" val="1974780719"/>
+      </p:ext>
+    </p:extLst>
+  </p:cSld>
+  <p:clrMap bg1="lt1" tx1="dk1" bg2="lt2" tx2="dk2" accent1="accent1" accent2="accent2" accent3="accent3" accent4="accent4" accent5="accent5" accent6="accent6" hlink="hlink" folHlink="folHlink"/>
+  <p:notesStyle>
+    <a:lvl1pPr marL="0" algn="l" defTabSz="914400" rtl="0" eaLnBrk="1" latinLnBrk="0" hangingPunct="1">
+      <a:defRPr sz="1200" kern="1200">
+        <a:solidFill>
+          <a:schemeClr val="tx1"/>
+        </a:solidFill>
+        <a:latin typeface="+mn-lt"/>
+        <a:ea typeface="+mn-ea"/>
+        <a:cs typeface="+mn-cs"/>
+      </a:defRPr>
+    </a:lvl1pPr>
+    <a:lvl2pPr marL="457200" algn="l" defTabSz="914400" rtl="0" eaLnBrk="1" latinLnBrk="0" hangingPunct="1">
+      <a:defRPr sz="1200" kern="1200">
+        <a:solidFill>
+          <a:schemeClr val="tx1"/>
+        </a:solidFill>
+        <a:latin typeface="+mn-lt"/>
+        <a:ea typeface="+mn-ea"/>
+        <a:cs typeface="+mn-cs"/>
+      </a:defRPr>
+    </a:lvl2pPr>
+    <a:lvl3pPr marL="914400" algn="l" defTabSz="914400" rtl="0" eaLnBrk="1" latinLnBrk="0" hangingPunct="1">
+      <a:defRPr sz="1200" kern="1200">
+        <a:solidFill>
+          <a:schemeClr val="tx1"/>
+        </a:solidFill>
+        <a:latin typeface="+mn-lt"/>
+        <a:ea typeface="+mn-ea"/>
+        <a:cs typeface="+mn-cs"/>
+      </a:defRPr>
+    </a:lvl3pPr>
+    <a:lvl4pPr marL="1371600" algn="l" defTabSz="914400" rtl="0" eaLnBrk="1" latinLnBrk="0" hangingPunct="1">
+      <a:defRPr sz="1200" kern="1200">
+        <a:solidFill>
+          <a:schemeClr val="tx1"/>
+        </a:solidFill>
+        <a:latin typeface="+mn-lt"/>
+        <a:ea typeface="+mn-ea"/>
+        <a:cs typeface="+mn-cs"/>
+      </a:defRPr>
+    </a:lvl4pPr>
+    <a:lvl5pPr marL="1828800" algn="l" defTabSz="914400" rtl="0" eaLnBrk="1" latinLnBrk="0" hangingPunct="1">
+      <a:defRPr sz="1200" kern="1200">
+        <a:solidFill>
+          <a:schemeClr val="tx1"/>
+        </a:solidFill>
+        <a:latin typeface="+mn-lt"/>
+        <a:ea typeface="+mn-ea"/>
+        <a:cs typeface="+mn-cs"/>
+      </a:defRPr>
+    </a:lvl5pPr>
+    <a:lvl6pPr marL="2286000" algn="l" defTabSz="914400" rtl="0" eaLnBrk="1" latinLnBrk="0" hangingPunct="1">
+      <a:defRPr sz="1200" kern="1200">
+        <a:solidFill>
+          <a:schemeClr val="tx1"/>
+        </a:solidFill>
+        <a:latin typeface="+mn-lt"/>
+        <a:ea typeface="+mn-ea"/>
+        <a:cs typeface="+mn-cs"/>
+      </a:defRPr>
+    </a:lvl6pPr>
+    <a:lvl7pPr marL="2743200" algn="l" defTabSz="914400" rtl="0" eaLnBrk="1" latinLnBrk="0" hangingPunct="1">
+      <a:defRPr sz="1200" kern="1200">
+        <a:solidFill>
+          <a:schemeClr val="tx1"/>
+        </a:solidFill>
+        <a:latin typeface="+mn-lt"/>
+        <a:ea typeface="+mn-ea"/>
+        <a:cs typeface="+mn-cs"/>
+      </a:defRPr>
+    </a:lvl7pPr>
+    <a:lvl8pPr marL="3200400" algn="l" defTabSz="914400" rtl="0" eaLnBrk="1" latinLnBrk="0" hangingPunct="1">
+      <a:defRPr sz="1200" kern="1200">
+        <a:solidFill>
+          <a:schemeClr val="tx1"/>
+        </a:solidFill>
+        <a:latin typeface="+mn-lt"/>
+        <a:ea typeface="+mn-ea"/>
+        <a:cs typeface="+mn-cs"/>
+      </a:defRPr>
+    </a:lvl8pPr>
+    <a:lvl9pPr marL="3657600" algn="l" defTabSz="914400" rtl="0" eaLnBrk="1" latinLnBrk="0" hangingPunct="1">
+      <a:defRPr sz="1200" kern="1200">
+        <a:solidFill>
+          <a:schemeClr val="tx1"/>
+        </a:solidFill>
+        <a:latin typeface="+mn-lt"/>
+        <a:ea typeface="+mn-ea"/>
+        <a:cs typeface="+mn-cs"/>
+      </a:defRPr>
+    </a:lvl9pPr>
+  </p:notesStyle>
+</p:notesMaster>
+</file>
+
+<file path=ppt/notesSlides/notesSlide1.xml><?xml version="1.0" encoding="utf-8"?>
+<p:notes xmlns:a="http://schemas.openxmlformats.org/drawingml/2006/main" xmlns:r="http://schemas.openxmlformats.org/officeDocument/2006/relationships" xmlns:p="http://schemas.openxmlformats.org/presentationml/2006/main">
+  <p:cSld>
+    <p:spTree>
+      <p:nvGrpSpPr>
+        <p:cNvPr id="1" name=""/>
+        <p:cNvGrpSpPr/>
+        <p:nvPr/>
+      </p:nvGrpSpPr>
+      <p:grpSpPr>
+        <a:xfrm>
+          <a:off x="0" y="0"/>
+          <a:ext cx="0" cy="0"/>
+          <a:chOff x="0" y="0"/>
+          <a:chExt cx="0" cy="0"/>
+        </a:xfrm>
+      </p:grpSpPr>
+      <p:sp>
+        <p:nvSpPr>
+          <p:cNvPr id="2" name="Slide Image Placeholder 1"/>
+          <p:cNvSpPr>
+            <a:spLocks noGrp="1" noRot="1" noChangeAspect="1"/>
+          </p:cNvSpPr>
+          <p:nvPr>
+            <p:ph type="sldImg"/>
+          </p:nvPr>
+        </p:nvSpPr>
+        <p:spPr/>
+      </p:sp>
+      <p:sp>
+        <p:nvSpPr>
+          <p:cNvPr id="3" name="Notes Placeholder 2"/>
+          <p:cNvSpPr>
+            <a:spLocks noGrp="1"/>
+          </p:cNvSpPr>
+          <p:nvPr>
+            <p:ph type="body" idx="1"/>
+          </p:nvPr>
+        </p:nvSpPr>
+        <p:spPr/>
+        <p:txBody>
+          <a:bodyPr/>
+          <a:lstStyle/>
+          <a:p>
+            <a:endParaRPr lang="en-US"/>
+          </a:p>
+        </p:txBody>
+      </p:sp>
+      <p:sp>
+        <p:nvSpPr>
+          <p:cNvPr id="4" name="Slide Number Placeholder 3"/>
+          <p:cNvSpPr>
+            <a:spLocks noGrp="1"/>
+          </p:cNvSpPr>
+          <p:nvPr>
+            <p:ph type="sldNum" sz="quarter" idx="10"/>
+          </p:nvPr>
+        </p:nvSpPr>
+        <p:spPr/>
+        <p:txBody>
+          <a:bodyPr/>
+          <a:lstStyle/>
+          <a:p>
+            <a:fld id="{F8C501C4-8207-4971-82F7-925B90ADE693}" type="slidenum">
+              <a:rPr lang="en-US" smtClean="0"/>
+              <a:t>3</a:t>
+            </a:fld>
+            <a:endParaRPr lang="en-US"/>
+          </a:p>
+        </p:txBody>
+      </p:sp>
+    </p:spTree>
+    <p:extLst>
+      <p:ext uri="{BB962C8B-B14F-4D97-AF65-F5344CB8AC3E}">
+        <p14:creationId xmlns:p14="http://schemas.microsoft.com/office/powerpoint/2010/main" val="1236132316"/>
+      </p:ext>
+    </p:extLst>
+  </p:cSld>
+  <p:clrMapOvr>
+    <a:masterClrMapping/>
+  </p:clrMapOvr>
+</p:notes>
+</file>
+
+<file path=ppt/notesSlides/notesSlide2.xml><?xml version="1.0" encoding="utf-8"?>
+<p:notes xmlns:a="http://schemas.openxmlformats.org/drawingml/2006/main" xmlns:r="http://schemas.openxmlformats.org/officeDocument/2006/relationships" xmlns:p="http://schemas.openxmlformats.org/presentationml/2006/main">
+  <p:cSld>
+    <p:spTree>
+      <p:nvGrpSpPr>
+        <p:cNvPr id="1" name=""/>
+        <p:cNvGrpSpPr/>
+        <p:nvPr/>
+      </p:nvGrpSpPr>
+      <p:grpSpPr>
+        <a:xfrm>
+          <a:off x="0" y="0"/>
+          <a:ext cx="0" cy="0"/>
+          <a:chOff x="0" y="0"/>
+          <a:chExt cx="0" cy="0"/>
+        </a:xfrm>
+      </p:grpSpPr>
+      <p:sp>
+        <p:nvSpPr>
+          <p:cNvPr id="2" name="Slide Image Placeholder 1"/>
+          <p:cNvSpPr>
+            <a:spLocks noGrp="1" noRot="1" noChangeAspect="1"/>
+          </p:cNvSpPr>
+          <p:nvPr>
+            <p:ph type="sldImg"/>
+          </p:nvPr>
+        </p:nvSpPr>
+        <p:spPr/>
+      </p:sp>
+      <p:sp>
+        <p:nvSpPr>
+          <p:cNvPr id="3" name="Notes Placeholder 2"/>
+          <p:cNvSpPr>
+            <a:spLocks noGrp="1"/>
+          </p:cNvSpPr>
+          <p:nvPr>
+            <p:ph type="body" idx="1"/>
+          </p:nvPr>
+        </p:nvSpPr>
+        <p:spPr/>
+        <p:txBody>
+          <a:bodyPr/>
+          <a:lstStyle/>
+          <a:p>
+            <a:endParaRPr lang="en-US"/>
+          </a:p>
+        </p:txBody>
+      </p:sp>
+      <p:sp>
+        <p:nvSpPr>
+          <p:cNvPr id="4" name="Slide Number Placeholder 3"/>
+          <p:cNvSpPr>
+            <a:spLocks noGrp="1"/>
+          </p:cNvSpPr>
+          <p:nvPr>
+            <p:ph type="sldNum" sz="quarter" idx="10"/>
+          </p:nvPr>
+        </p:nvSpPr>
+        <p:spPr/>
+        <p:txBody>
+          <a:bodyPr/>
+          <a:lstStyle/>
+          <a:p>
+            <a:fld id="{F8C501C4-8207-4971-82F7-925B90ADE693}" type="slidenum">
+              <a:rPr lang="en-US" smtClean="0"/>
+              <a:t>7</a:t>
+            </a:fld>
+            <a:endParaRPr lang="en-US"/>
+          </a:p>
+        </p:txBody>
+      </p:sp>
+    </p:spTree>
+    <p:extLst>
+      <p:ext uri="{BB962C8B-B14F-4D97-AF65-F5344CB8AC3E}">
+        <p14:creationId xmlns:p14="http://schemas.microsoft.com/office/powerpoint/2010/main" val="3039937062"/>
+      </p:ext>
+    </p:extLst>
+  </p:cSld>
+  <p:clrMapOvr>
+    <a:masterClrMapping/>
+  </p:clrMapOvr>
+</p:notes>
+</file>
+
+<file path=ppt/notesSlides/notesSlide3.xml><?xml version="1.0" encoding="utf-8"?>
+<p:notes xmlns:a="http://schemas.openxmlformats.org/drawingml/2006/main" xmlns:r="http://schemas.openxmlformats.org/officeDocument/2006/relationships" xmlns:p="http://schemas.openxmlformats.org/presentationml/2006/main">
+  <p:cSld>
+    <p:spTree>
+      <p:nvGrpSpPr>
+        <p:cNvPr id="1" name=""/>
+        <p:cNvGrpSpPr/>
+        <p:nvPr/>
+      </p:nvGrpSpPr>
+      <p:grpSpPr>
+        <a:xfrm>
+          <a:off x="0" y="0"/>
+          <a:ext cx="0" cy="0"/>
+          <a:chOff x="0" y="0"/>
+          <a:chExt cx="0" cy="0"/>
+        </a:xfrm>
+      </p:grpSpPr>
+      <p:sp>
+        <p:nvSpPr>
+          <p:cNvPr id="2" name="Slide Image Placeholder 1"/>
+          <p:cNvSpPr>
+            <a:spLocks noGrp="1" noRot="1" noChangeAspect="1"/>
+          </p:cNvSpPr>
+          <p:nvPr>
+            <p:ph type="sldImg"/>
+          </p:nvPr>
+        </p:nvSpPr>
+        <p:spPr/>
+      </p:sp>
+      <p:sp>
+        <p:nvSpPr>
+          <p:cNvPr id="3" name="Notes Placeholder 2"/>
+          <p:cNvSpPr>
+            <a:spLocks noGrp="1"/>
+          </p:cNvSpPr>
+          <p:nvPr>
+            <p:ph type="body" idx="1"/>
+          </p:nvPr>
+        </p:nvSpPr>
+        <p:spPr/>
+        <p:txBody>
+          <a:bodyPr/>
+          <a:lstStyle/>
+          <a:p>
+            <a:endParaRPr lang="en-US"/>
+          </a:p>
+        </p:txBody>
+      </p:sp>
+      <p:sp>
+        <p:nvSpPr>
+          <p:cNvPr id="4" name="Slide Number Placeholder 3"/>
+          <p:cNvSpPr>
+            <a:spLocks noGrp="1"/>
+          </p:cNvSpPr>
+          <p:nvPr>
+            <p:ph type="sldNum" sz="quarter" idx="10"/>
+          </p:nvPr>
+        </p:nvSpPr>
+        <p:spPr/>
+        <p:txBody>
+          <a:bodyPr/>
+          <a:lstStyle/>
+          <a:p>
+            <a:fld id="{F8C501C4-8207-4971-82F7-925B90ADE693}" type="slidenum">
+              <a:rPr lang="en-US" smtClean="0"/>
+              <a:t>9</a:t>
+            </a:fld>
+            <a:endParaRPr lang="en-US"/>
+          </a:p>
+        </p:txBody>
+      </p:sp>
+    </p:spTree>
+    <p:extLst>
+      <p:ext uri="{BB962C8B-B14F-4D97-AF65-F5344CB8AC3E}">
+        <p14:creationId xmlns:p14="http://schemas.microsoft.com/office/powerpoint/2010/main" val="4120305408"/>
+      </p:ext>
+    </p:extLst>
+  </p:cSld>
+  <p:clrMapOvr>
+    <a:masterClrMapping/>
+  </p:clrMapOvr>
+</p:notes>
+</file>
+
 <file path=ppt/slideLayouts/slideLayout1.xml><?xml version="1.0" encoding="utf-8"?>
 <p:sldLayout xmlns:a="http://schemas.openxmlformats.org/drawingml/2006/main" xmlns:r="http://schemas.openxmlformats.org/officeDocument/2006/relationships" xmlns:p="http://schemas.openxmlformats.org/presentationml/2006/main" type="title" preserve="1">
   <p:cSld name="Title Slide">
@@ -238,7 +860,7 @@
           <a:bodyPr/>
           <a:lstStyle/>
           <a:p>
-            <a:fld id="{E246CD47-52E0-4B9A-AC99-20A28A857964}" type="datetimeFigureOut">
+            <a:fld id="{74941AAD-9C31-4E54-9C97-426683418312}" type="datetime1">
               <a:rPr lang="en-US" smtClean="0"/>
               <a:t>6/8/2018</a:t>
             </a:fld>
@@ -261,6 +883,10 @@
           <a:bodyPr/>
           <a:lstStyle/>
           <a:p>
+            <a:r>
+              <a:rPr lang="en-US" smtClean="0"/>
+              <a:t>Python Projects on Optimization;By Tanmoy Das (Industrial Engineer &amp; Jr. Data Scientist)</a:t>
+            </a:r>
             <a:endParaRPr lang="en-US"/>
           </a:p>
         </p:txBody>
@@ -408,7 +1034,7 @@
           <a:bodyPr/>
           <a:lstStyle/>
           <a:p>
-            <a:fld id="{E246CD47-52E0-4B9A-AC99-20A28A857964}" type="datetimeFigureOut">
+            <a:fld id="{86819BB4-A817-43E4-BEC4-347D72862A4F}" type="datetime1">
               <a:rPr lang="en-US" smtClean="0"/>
               <a:t>6/8/2018</a:t>
             </a:fld>
@@ -431,6 +1057,10 @@
           <a:bodyPr/>
           <a:lstStyle/>
           <a:p>
+            <a:r>
+              <a:rPr lang="en-US" smtClean="0"/>
+              <a:t>Python Projects on Optimization;By Tanmoy Das (Industrial Engineer &amp; Jr. Data Scientist)</a:t>
+            </a:r>
             <a:endParaRPr lang="en-US"/>
           </a:p>
         </p:txBody>
@@ -588,7 +1218,7 @@
           <a:bodyPr/>
           <a:lstStyle/>
           <a:p>
-            <a:fld id="{E246CD47-52E0-4B9A-AC99-20A28A857964}" type="datetimeFigureOut">
+            <a:fld id="{F6D29351-184F-4C80-AD22-69A422D321E9}" type="datetime1">
               <a:rPr lang="en-US" smtClean="0"/>
               <a:t>6/8/2018</a:t>
             </a:fld>
@@ -611,6 +1241,10 @@
           <a:bodyPr/>
           <a:lstStyle/>
           <a:p>
+            <a:r>
+              <a:rPr lang="en-US" smtClean="0"/>
+              <a:t>Python Projects on Optimization;By Tanmoy Das (Industrial Engineer &amp; Jr. Data Scientist)</a:t>
+            </a:r>
             <a:endParaRPr lang="en-US"/>
           </a:p>
         </p:txBody>
@@ -758,7 +1392,7 @@
           <a:bodyPr/>
           <a:lstStyle/>
           <a:p>
-            <a:fld id="{E246CD47-52E0-4B9A-AC99-20A28A857964}" type="datetimeFigureOut">
+            <a:fld id="{473717DC-C70D-4101-9E94-4C7645C1CAD1}" type="datetime1">
               <a:rPr lang="en-US" smtClean="0"/>
               <a:t>6/8/2018</a:t>
             </a:fld>
@@ -781,6 +1415,10 @@
           <a:bodyPr/>
           <a:lstStyle/>
           <a:p>
+            <a:r>
+              <a:rPr lang="en-US" smtClean="0"/>
+              <a:t>Python Projects on Optimization;By Tanmoy Das (Industrial Engineer &amp; Jr. Data Scientist)</a:t>
+            </a:r>
             <a:endParaRPr lang="en-US"/>
           </a:p>
         </p:txBody>
@@ -1004,7 +1642,7 @@
           <a:bodyPr/>
           <a:lstStyle/>
           <a:p>
-            <a:fld id="{E246CD47-52E0-4B9A-AC99-20A28A857964}" type="datetimeFigureOut">
+            <a:fld id="{E450CC88-0526-46B6-934F-3012C4011AEB}" type="datetime1">
               <a:rPr lang="en-US" smtClean="0"/>
               <a:t>6/8/2018</a:t>
             </a:fld>
@@ -1027,6 +1665,10 @@
           <a:bodyPr/>
           <a:lstStyle/>
           <a:p>
+            <a:r>
+              <a:rPr lang="en-US" smtClean="0"/>
+              <a:t>Python Projects on Optimization;By Tanmoy Das (Industrial Engineer &amp; Jr. Data Scientist)</a:t>
+            </a:r>
             <a:endParaRPr lang="en-US"/>
           </a:p>
         </p:txBody>
@@ -1236,7 +1878,7 @@
           <a:bodyPr/>
           <a:lstStyle/>
           <a:p>
-            <a:fld id="{E246CD47-52E0-4B9A-AC99-20A28A857964}" type="datetimeFigureOut">
+            <a:fld id="{1FA795BE-D641-44A6-927A-A6800DD4E8CC}" type="datetime1">
               <a:rPr lang="en-US" smtClean="0"/>
               <a:t>6/8/2018</a:t>
             </a:fld>
@@ -1259,6 +1901,10 @@
           <a:bodyPr/>
           <a:lstStyle/>
           <a:p>
+            <a:r>
+              <a:rPr lang="en-US" smtClean="0"/>
+              <a:t>Python Projects on Optimization;By Tanmoy Das (Industrial Engineer &amp; Jr. Data Scientist)</a:t>
+            </a:r>
             <a:endParaRPr lang="en-US"/>
           </a:p>
         </p:txBody>
@@ -1603,7 +2249,7 @@
           <a:bodyPr/>
           <a:lstStyle/>
           <a:p>
-            <a:fld id="{E246CD47-52E0-4B9A-AC99-20A28A857964}" type="datetimeFigureOut">
+            <a:fld id="{2E3795F2-001E-430E-A782-2EEC654D55DC}" type="datetime1">
               <a:rPr lang="en-US" smtClean="0"/>
               <a:t>6/8/2018</a:t>
             </a:fld>
@@ -1626,6 +2272,10 @@
           <a:bodyPr/>
           <a:lstStyle/>
           <a:p>
+            <a:r>
+              <a:rPr lang="en-US" smtClean="0"/>
+              <a:t>Python Projects on Optimization;By Tanmoy Das (Industrial Engineer &amp; Jr. Data Scientist)</a:t>
+            </a:r>
             <a:endParaRPr lang="en-US"/>
           </a:p>
         </p:txBody>
@@ -1721,7 +2371,7 @@
           <a:bodyPr/>
           <a:lstStyle/>
           <a:p>
-            <a:fld id="{E246CD47-52E0-4B9A-AC99-20A28A857964}" type="datetimeFigureOut">
+            <a:fld id="{37CF460F-A89C-4A80-8239-72162D4F37EA}" type="datetime1">
               <a:rPr lang="en-US" smtClean="0"/>
               <a:t>6/8/2018</a:t>
             </a:fld>
@@ -1744,6 +2394,10 @@
           <a:bodyPr/>
           <a:lstStyle/>
           <a:p>
+            <a:r>
+              <a:rPr lang="en-US" smtClean="0"/>
+              <a:t>Python Projects on Optimization;By Tanmoy Das (Industrial Engineer &amp; Jr. Data Scientist)</a:t>
+            </a:r>
             <a:endParaRPr lang="en-US"/>
           </a:p>
         </p:txBody>
@@ -1816,7 +2470,7 @@
           <a:bodyPr/>
           <a:lstStyle/>
           <a:p>
-            <a:fld id="{E246CD47-52E0-4B9A-AC99-20A28A857964}" type="datetimeFigureOut">
+            <a:fld id="{50AD25C4-8C24-484C-BD52-9AA54EA28EA9}" type="datetime1">
               <a:rPr lang="en-US" smtClean="0"/>
               <a:t>6/8/2018</a:t>
             </a:fld>
@@ -1839,6 +2493,10 @@
           <a:bodyPr/>
           <a:lstStyle/>
           <a:p>
+            <a:r>
+              <a:rPr lang="en-US" smtClean="0"/>
+              <a:t>Python Projects on Optimization;By Tanmoy Das (Industrial Engineer &amp; Jr. Data Scientist)</a:t>
+            </a:r>
             <a:endParaRPr lang="en-US"/>
           </a:p>
         </p:txBody>
@@ -2093,7 +2751,7 @@
           <a:bodyPr/>
           <a:lstStyle/>
           <a:p>
-            <a:fld id="{E246CD47-52E0-4B9A-AC99-20A28A857964}" type="datetimeFigureOut">
+            <a:fld id="{4A24BF9D-0E83-4B80-9ED1-B5707F43BA1C}" type="datetime1">
               <a:rPr lang="en-US" smtClean="0"/>
               <a:t>6/8/2018</a:t>
             </a:fld>
@@ -2116,6 +2774,10 @@
           <a:bodyPr/>
           <a:lstStyle/>
           <a:p>
+            <a:r>
+              <a:rPr lang="en-US" smtClean="0"/>
+              <a:t>Python Projects on Optimization;By Tanmoy Das (Industrial Engineer &amp; Jr. Data Scientist)</a:t>
+            </a:r>
             <a:endParaRPr lang="en-US"/>
           </a:p>
         </p:txBody>
@@ -2346,7 +3008,7 @@
           <a:bodyPr/>
           <a:lstStyle/>
           <a:p>
-            <a:fld id="{E246CD47-52E0-4B9A-AC99-20A28A857964}" type="datetimeFigureOut">
+            <a:fld id="{A6C1B22B-04D8-4112-8FE5-EE7B978D6171}" type="datetime1">
               <a:rPr lang="en-US" smtClean="0"/>
               <a:t>6/8/2018</a:t>
             </a:fld>
@@ -2369,6 +3031,10 @@
           <a:bodyPr/>
           <a:lstStyle/>
           <a:p>
+            <a:r>
+              <a:rPr lang="en-US" smtClean="0"/>
+              <a:t>Python Projects on Optimization;By Tanmoy Das (Industrial Engineer &amp; Jr. Data Scientist)</a:t>
+            </a:r>
             <a:endParaRPr lang="en-US"/>
           </a:p>
         </p:txBody>
@@ -2559,7 +3225,7 @@
             </a:lvl1pPr>
           </a:lstStyle>
           <a:p>
-            <a:fld id="{E246CD47-52E0-4B9A-AC99-20A28A857964}" type="datetimeFigureOut">
+            <a:fld id="{117BF1D6-1247-4AB7-9821-19E5C8C93CFB}" type="datetime1">
               <a:rPr lang="en-US" smtClean="0"/>
               <a:t>6/8/2018</a:t>
             </a:fld>
@@ -2600,6 +3266,10 @@
             </a:lvl1pPr>
           </a:lstStyle>
           <a:p>
+            <a:r>
+              <a:rPr lang="en-US" smtClean="0"/>
+              <a:t>Python Projects on Optimization;By Tanmoy Das (Industrial Engineer &amp; Jr. Data Scientist)</a:t>
+            </a:r>
             <a:endParaRPr lang="en-US"/>
           </a:p>
         </p:txBody>
@@ -2666,6 +3336,7 @@
     <p:sldLayoutId id="2147483658" r:id="rId10"/>
     <p:sldLayoutId id="2147483659" r:id="rId11"/>
   </p:sldLayoutIdLst>
+  <p:hf sldNum="0" hdr="0" dt="0"/>
   <p:txStyles>
     <p:titleStyle>
       <a:lvl1pPr algn="l" defTabSz="914400" rtl="0" eaLnBrk="1" latinLnBrk="0" hangingPunct="1">
@@ -2978,33 +3649,81 @@
         </p:nvSpPr>
         <p:spPr/>
         <p:txBody>
+          <a:bodyPr>
+            <a:normAutofit fontScale="90000"/>
+          </a:bodyPr>
+          <a:lstStyle/>
+          <a:p>
+            <a:r>
+              <a:rPr lang="en-US" dirty="0" smtClean="0"/>
+              <a:t>Python Projects </a:t>
+            </a:r>
+            <a:br>
+              <a:rPr lang="en-US" dirty="0" smtClean="0"/>
+            </a:br>
+            <a:r>
+              <a:rPr lang="en-US" sz="4000" dirty="0" smtClean="0"/>
+              <a:t>on</a:t>
+            </a:r>
+            <a:r>
+              <a:rPr lang="en-US" dirty="0" smtClean="0"/>
+              <a:t> </a:t>
+            </a:r>
+            <a:br>
+              <a:rPr lang="en-US" dirty="0" smtClean="0"/>
+            </a:br>
+            <a:r>
+              <a:rPr lang="en-US" dirty="0" smtClean="0">
+                <a:solidFill>
+                  <a:srgbClr val="7030A0"/>
+                </a:solidFill>
+              </a:rPr>
+              <a:t>Optimization</a:t>
+            </a:r>
+            <a:endParaRPr lang="en-US" dirty="0">
+              <a:solidFill>
+                <a:srgbClr val="7030A0"/>
+              </a:solidFill>
+            </a:endParaRPr>
+          </a:p>
+        </p:txBody>
+      </p:sp>
+      <p:sp>
+        <p:nvSpPr>
+          <p:cNvPr id="3" name="Subtitle 2"/>
+          <p:cNvSpPr>
+            <a:spLocks noGrp="1"/>
+          </p:cNvSpPr>
+          <p:nvPr>
+            <p:ph type="subTitle" idx="1"/>
+          </p:nvPr>
+        </p:nvSpPr>
+        <p:spPr/>
+        <p:txBody>
           <a:bodyPr/>
           <a:lstStyle/>
           <a:p>
+            <a:endParaRPr lang="en-US" dirty="0" smtClean="0"/>
+          </a:p>
+          <a:p>
             <a:r>
               <a:rPr lang="en-US" dirty="0" smtClean="0"/>
-              <a:t>Python Projects on Optimization</a:t>
-            </a:r>
-            <a:endParaRPr lang="en-US" dirty="0"/>
-          </a:p>
-        </p:txBody>
-      </p:sp>
-      <p:sp>
-        <p:nvSpPr>
-          <p:cNvPr id="3" name="Subtitle 2"/>
-          <p:cNvSpPr>
-            <a:spLocks noGrp="1"/>
-          </p:cNvSpPr>
-          <p:nvPr>
-            <p:ph type="subTitle" idx="1"/>
-          </p:nvPr>
-        </p:nvSpPr>
-        <p:spPr/>
-        <p:txBody>
-          <a:bodyPr/>
-          <a:lstStyle/>
-          <a:p>
-            <a:endParaRPr lang="en-US"/>
+              <a:t>By </a:t>
+            </a:r>
+            <a:r>
+              <a:rPr lang="en-US" b="1" dirty="0" smtClean="0">
+                <a:solidFill>
+                  <a:srgbClr val="7030A0"/>
+                </a:solidFill>
+              </a:rPr>
+              <a:t>Tanmoy Das </a:t>
+            </a:r>
+          </a:p>
+          <a:p>
+            <a:r>
+              <a:rPr lang="en-US" dirty="0" smtClean="0"/>
+              <a:t>(Industrial Engineer &amp; Jr. Data Scientist)</a:t>
+            </a:r>
           </a:p>
         </p:txBody>
       </p:sp>
@@ -3018,6 +3737,1723 @@
   <p:clrMapOvr>
     <a:masterClrMapping/>
   </p:clrMapOvr>
+  <p:timing>
+    <p:tnLst>
+      <p:par>
+        <p:cTn id="1" dur="indefinite" restart="never" nodeType="tmRoot"/>
+      </p:par>
+    </p:tnLst>
+  </p:timing>
+</p:sld>
+</file>
+
+<file path=ppt/slides/slide10.xml><?xml version="1.0" encoding="utf-8"?>
+<p:sld xmlns:a="http://schemas.openxmlformats.org/drawingml/2006/main" xmlns:r="http://schemas.openxmlformats.org/officeDocument/2006/relationships" xmlns:p="http://schemas.openxmlformats.org/presentationml/2006/main">
+  <p:cSld>
+    <p:spTree>
+      <p:nvGrpSpPr>
+        <p:cNvPr id="1" name=""/>
+        <p:cNvGrpSpPr/>
+        <p:nvPr/>
+      </p:nvGrpSpPr>
+      <p:grpSpPr>
+        <a:xfrm>
+          <a:off x="0" y="0"/>
+          <a:ext cx="0" cy="0"/>
+          <a:chOff x="0" y="0"/>
+          <a:chExt cx="0" cy="0"/>
+        </a:xfrm>
+      </p:grpSpPr>
+      <p:sp>
+        <p:nvSpPr>
+          <p:cNvPr id="2" name="Title 1"/>
+          <p:cNvSpPr>
+            <a:spLocks noGrp="1"/>
+          </p:cNvSpPr>
+          <p:nvPr>
+            <p:ph type="title"/>
+          </p:nvPr>
+        </p:nvSpPr>
+        <p:spPr>
+          <a:xfrm>
+            <a:off x="838200" y="1646238"/>
+            <a:ext cx="10515600" cy="1325563"/>
+          </a:xfrm>
+        </p:spPr>
+        <p:txBody>
+          <a:bodyPr/>
+          <a:lstStyle/>
+          <a:p>
+            <a:r>
+              <a:rPr lang="en-US" dirty="0" smtClean="0"/>
+              <a:t>Transportation Problem in </a:t>
+            </a:r>
+            <a:br>
+              <a:rPr lang="en-US" dirty="0" smtClean="0"/>
+            </a:br>
+            <a:r>
+              <a:rPr lang="en-US" dirty="0" smtClean="0"/>
+              <a:t>Operations Research (Optimization)</a:t>
+            </a:r>
+            <a:endParaRPr lang="en-US" dirty="0"/>
+          </a:p>
+        </p:txBody>
+      </p:sp>
+      <p:sp>
+        <p:nvSpPr>
+          <p:cNvPr id="4" name="Footer Placeholder 3"/>
+          <p:cNvSpPr>
+            <a:spLocks noGrp="1"/>
+          </p:cNvSpPr>
+          <p:nvPr>
+            <p:ph type="ftr" sz="quarter" idx="11"/>
+          </p:nvPr>
+        </p:nvSpPr>
+        <p:spPr>
+          <a:xfrm>
+            <a:off x="4038600" y="5994400"/>
+            <a:ext cx="4114800" cy="365125"/>
+          </a:xfrm>
+        </p:spPr>
+        <p:txBody>
+          <a:bodyPr/>
+          <a:lstStyle/>
+          <a:p>
+            <a:r>
+              <a:rPr lang="en-US" dirty="0" smtClean="0"/>
+              <a:t>Python Projects on Optimization; By Tanmoy Das (Industrial Engineer &amp; Jr. Data Scientist)</a:t>
+            </a:r>
+            <a:endParaRPr lang="en-US" dirty="0"/>
+          </a:p>
+        </p:txBody>
+      </p:sp>
+    </p:spTree>
+    <p:extLst>
+      <p:ext uri="{BB962C8B-B14F-4D97-AF65-F5344CB8AC3E}">
+        <p14:creationId xmlns:p14="http://schemas.microsoft.com/office/powerpoint/2010/main" val="2283120170"/>
+      </p:ext>
+    </p:extLst>
+  </p:cSld>
+  <p:clrMapOvr>
+    <a:masterClrMapping/>
+  </p:clrMapOvr>
+  <p:timing>
+    <p:tnLst>
+      <p:par>
+        <p:cTn id="1" dur="indefinite" restart="never" nodeType="tmRoot"/>
+      </p:par>
+    </p:tnLst>
+  </p:timing>
+</p:sld>
+</file>
+
+<file path=ppt/slides/slide11.xml><?xml version="1.0" encoding="utf-8"?>
+<p:sld xmlns:a="http://schemas.openxmlformats.org/drawingml/2006/main" xmlns:r="http://schemas.openxmlformats.org/officeDocument/2006/relationships" xmlns:p="http://schemas.openxmlformats.org/presentationml/2006/main">
+  <p:cSld>
+    <p:spTree>
+      <p:nvGrpSpPr>
+        <p:cNvPr id="1" name=""/>
+        <p:cNvGrpSpPr/>
+        <p:nvPr/>
+      </p:nvGrpSpPr>
+      <p:grpSpPr>
+        <a:xfrm>
+          <a:off x="0" y="0"/>
+          <a:ext cx="0" cy="0"/>
+          <a:chOff x="0" y="0"/>
+          <a:chExt cx="0" cy="0"/>
+        </a:xfrm>
+      </p:grpSpPr>
+      <p:sp>
+        <p:nvSpPr>
+          <p:cNvPr id="2" name="Title 1"/>
+          <p:cNvSpPr>
+            <a:spLocks noGrp="1"/>
+          </p:cNvSpPr>
+          <p:nvPr>
+            <p:ph type="title"/>
+          </p:nvPr>
+        </p:nvSpPr>
+        <p:spPr>
+          <a:xfrm>
+            <a:off x="838200" y="0"/>
+            <a:ext cx="10515600" cy="1325563"/>
+          </a:xfrm>
+        </p:spPr>
+        <p:txBody>
+          <a:bodyPr/>
+          <a:lstStyle/>
+          <a:p>
+            <a:pPr algn="ctr"/>
+            <a:r>
+              <a:rPr lang="en-US" dirty="0" smtClean="0"/>
+              <a:t>Transportation</a:t>
+            </a:r>
+            <a:endParaRPr lang="en-US" dirty="0"/>
+          </a:p>
+        </p:txBody>
+      </p:sp>
+      <p:sp>
+        <p:nvSpPr>
+          <p:cNvPr id="3" name="Content Placeholder 2"/>
+          <p:cNvSpPr>
+            <a:spLocks noGrp="1"/>
+          </p:cNvSpPr>
+          <p:nvPr>
+            <p:ph idx="1"/>
+          </p:nvPr>
+        </p:nvSpPr>
+        <p:spPr>
+          <a:xfrm>
+            <a:off x="838200" y="1825625"/>
+            <a:ext cx="2803634" cy="4351338"/>
+          </a:xfrm>
+        </p:spPr>
+        <p:txBody>
+          <a:bodyPr/>
+          <a:lstStyle/>
+          <a:p>
+            <a:r>
+              <a:rPr lang="en-US" dirty="0" smtClean="0"/>
+              <a:t>Solving a Transportation problem</a:t>
+            </a:r>
+            <a:endParaRPr lang="en-US" dirty="0"/>
+          </a:p>
+        </p:txBody>
+      </p:sp>
+      <p:sp>
+        <p:nvSpPr>
+          <p:cNvPr id="4" name="Footer Placeholder 3"/>
+          <p:cNvSpPr>
+            <a:spLocks noGrp="1"/>
+          </p:cNvSpPr>
+          <p:nvPr>
+            <p:ph type="ftr" sz="quarter" idx="11"/>
+          </p:nvPr>
+        </p:nvSpPr>
+        <p:spPr>
+          <a:xfrm>
+            <a:off x="2825969" y="6176963"/>
+            <a:ext cx="6540062" cy="208071"/>
+          </a:xfrm>
+        </p:spPr>
+        <p:txBody>
+          <a:bodyPr/>
+          <a:lstStyle/>
+          <a:p>
+            <a:r>
+              <a:rPr lang="en-US" dirty="0" smtClean="0"/>
+              <a:t>Python Projects on Optimization; By Tanmoy Das (Industrial Engineer &amp; Jr. Data Scientist)</a:t>
+            </a:r>
+            <a:endParaRPr lang="en-US" dirty="0"/>
+          </a:p>
+        </p:txBody>
+      </p:sp>
+      <p:pic>
+        <p:nvPicPr>
+          <p:cNvPr id="7" name="Picture 6"/>
+          <p:cNvPicPr>
+            <a:picLocks noChangeAspect="1"/>
+          </p:cNvPicPr>
+          <p:nvPr/>
+        </p:nvPicPr>
+        <p:blipFill>
+          <a:blip r:embed="rId2"/>
+          <a:stretch>
+            <a:fillRect/>
+          </a:stretch>
+        </p:blipFill>
+        <p:spPr>
+          <a:xfrm>
+            <a:off x="3641834" y="1062038"/>
+            <a:ext cx="7943850" cy="5114925"/>
+          </a:xfrm>
+          <a:prstGeom prst="rect">
+            <a:avLst/>
+          </a:prstGeom>
+        </p:spPr>
+      </p:pic>
+    </p:spTree>
+    <p:extLst>
+      <p:ext uri="{BB962C8B-B14F-4D97-AF65-F5344CB8AC3E}">
+        <p14:creationId xmlns:p14="http://schemas.microsoft.com/office/powerpoint/2010/main" val="4228292645"/>
+      </p:ext>
+    </p:extLst>
+  </p:cSld>
+  <p:clrMapOvr>
+    <a:masterClrMapping/>
+  </p:clrMapOvr>
+  <p:timing>
+    <p:tnLst>
+      <p:par>
+        <p:cTn id="1" dur="indefinite" restart="never" nodeType="tmRoot"/>
+      </p:par>
+    </p:tnLst>
+  </p:timing>
+</p:sld>
+</file>
+
+<file path=ppt/slides/slide12.xml><?xml version="1.0" encoding="utf-8"?>
+<p:sld xmlns:a="http://schemas.openxmlformats.org/drawingml/2006/main" xmlns:r="http://schemas.openxmlformats.org/officeDocument/2006/relationships" xmlns:p="http://schemas.openxmlformats.org/presentationml/2006/main">
+  <p:cSld>
+    <p:spTree>
+      <p:nvGrpSpPr>
+        <p:cNvPr id="1" name=""/>
+        <p:cNvGrpSpPr/>
+        <p:nvPr/>
+      </p:nvGrpSpPr>
+      <p:grpSpPr>
+        <a:xfrm>
+          <a:off x="0" y="0"/>
+          <a:ext cx="0" cy="0"/>
+          <a:chOff x="0" y="0"/>
+          <a:chExt cx="0" cy="0"/>
+        </a:xfrm>
+      </p:grpSpPr>
+      <mc:AlternateContent xmlns:mc="http://schemas.openxmlformats.org/markup-compatibility/2006">
+        <mc:Choice xmlns:a14="http://schemas.microsoft.com/office/drawing/2010/main" Requires="a14">
+          <p:sp>
+            <p:nvSpPr>
+              <p:cNvPr id="2" name="Title 1"/>
+              <p:cNvSpPr>
+                <a:spLocks noGrp="1"/>
+              </p:cNvSpPr>
+              <p:nvPr>
+                <p:ph type="title"/>
+              </p:nvPr>
+            </p:nvSpPr>
+            <p:spPr/>
+            <p:txBody>
+              <a:bodyPr>
+                <a:normAutofit fontScale="90000"/>
+              </a:bodyPr>
+              <a:lstStyle/>
+              <a:p>
+                <a:r>
+                  <a:rPr lang="en-US" sz="3200" b="1" dirty="0" smtClean="0"/>
+                  <a:t>Linear Programming:</a:t>
+                </a:r>
+                <a:br>
+                  <a:rPr lang="en-US" sz="3200" b="1" dirty="0" smtClean="0"/>
+                </a:br>
+                <a:r>
+                  <a:rPr lang="en-US" sz="3200" dirty="0" smtClean="0"/>
+                  <a:t>Minimize Z</a:t>
+                </a:r>
+                <a:br>
+                  <a:rPr lang="en-US" sz="3200" dirty="0" smtClean="0"/>
+                </a:br>
+                <a:r>
+                  <a:rPr lang="en-US" sz="3200" dirty="0" err="1" smtClean="0"/>
+                  <a:t>s.t.</a:t>
+                </a:r>
+                <a:r>
+                  <a:rPr lang="en-US" sz="3200" dirty="0" smtClean="0"/>
+                  <a:t> </a:t>
+                </a:r>
+                <a14:m>
+                  <m:oMath xmlns:m="http://schemas.openxmlformats.org/officeDocument/2006/math">
+                    <m:sSub>
+                      <m:sSubPr>
+                        <m:ctrlPr>
+                          <a:rPr lang="en-US" sz="3200" b="0" i="1" smtClean="0">
+                            <a:latin typeface="Cambria Math" panose="02040503050406030204" pitchFamily="18" charset="0"/>
+                          </a:rPr>
+                        </m:ctrlPr>
+                      </m:sSubPr>
+                      <m:e>
+                        <m:r>
+                          <a:rPr lang="en-US" sz="3200" b="0" i="1" smtClean="0">
+                            <a:latin typeface="Cambria Math" panose="02040503050406030204" pitchFamily="18" charset="0"/>
+                          </a:rPr>
+                          <m:t>𝑋</m:t>
+                        </m:r>
+                      </m:e>
+                      <m:sub>
+                        <m:r>
+                          <a:rPr lang="en-US" sz="3200" b="0" i="1" smtClean="0">
+                            <a:latin typeface="Cambria Math" panose="02040503050406030204" pitchFamily="18" charset="0"/>
+                          </a:rPr>
+                          <m:t>1</m:t>
+                        </m:r>
+                      </m:sub>
+                    </m:sSub>
+                    <m:r>
+                      <a:rPr lang="en-US" sz="3200" b="0" i="1" smtClean="0">
+                        <a:latin typeface="Cambria Math" panose="02040503050406030204" pitchFamily="18" charset="0"/>
+                      </a:rPr>
+                      <m:t>≥1000;</m:t>
+                    </m:r>
+                    <m:sSub>
+                      <m:sSubPr>
+                        <m:ctrlPr>
+                          <a:rPr lang="en-US" sz="3200" b="0" i="1" smtClean="0">
+                            <a:latin typeface="Cambria Math" panose="02040503050406030204" pitchFamily="18" charset="0"/>
+                          </a:rPr>
+                        </m:ctrlPr>
+                      </m:sSubPr>
+                      <m:e>
+                        <m:r>
+                          <a:rPr lang="en-US" sz="3200" b="0" i="1" smtClean="0">
+                            <a:latin typeface="Cambria Math" panose="02040503050406030204" pitchFamily="18" charset="0"/>
+                          </a:rPr>
+                          <m:t>𝑋</m:t>
+                        </m:r>
+                      </m:e>
+                      <m:sub>
+                        <m:r>
+                          <a:rPr lang="en-US" sz="3200" b="0" i="1" smtClean="0">
+                            <a:latin typeface="Cambria Math" panose="02040503050406030204" pitchFamily="18" charset="0"/>
+                          </a:rPr>
+                          <m:t>2</m:t>
+                        </m:r>
+                      </m:sub>
+                    </m:sSub>
+                    <m:r>
+                      <a:rPr lang="en-US" sz="3200" b="0" i="1" smtClean="0">
+                        <a:latin typeface="Cambria Math" panose="02040503050406030204" pitchFamily="18" charset="0"/>
+                      </a:rPr>
+                      <m:t>≥1800 </m:t>
+                    </m:r>
+                    <m:r>
+                      <a:rPr lang="en-US" sz="3200" b="0" i="1" smtClean="0">
+                        <a:latin typeface="Cambria Math" panose="02040503050406030204" pitchFamily="18" charset="0"/>
+                      </a:rPr>
+                      <m:t>𝑎𝑛𝑑</m:t>
+                    </m:r>
+                    <m:r>
+                      <a:rPr lang="en-US" sz="3200" b="0" i="1" smtClean="0">
+                        <a:latin typeface="Cambria Math" panose="02040503050406030204" pitchFamily="18" charset="0"/>
+                      </a:rPr>
+                      <m:t> </m:t>
+                    </m:r>
+                    <m:r>
+                      <a:rPr lang="en-US" sz="3200" b="0" i="1" smtClean="0">
+                        <a:latin typeface="Cambria Math" panose="02040503050406030204" pitchFamily="18" charset="0"/>
+                      </a:rPr>
+                      <m:t>𝑠𝑜</m:t>
+                    </m:r>
+                    <m:r>
+                      <a:rPr lang="en-US" sz="3200" b="0" i="1" smtClean="0">
+                        <a:latin typeface="Cambria Math" panose="02040503050406030204" pitchFamily="18" charset="0"/>
+                      </a:rPr>
+                      <m:t> </m:t>
+                    </m:r>
+                    <m:r>
+                      <a:rPr lang="en-US" sz="3200" b="0" i="1" smtClean="0">
+                        <a:latin typeface="Cambria Math" panose="02040503050406030204" pitchFamily="18" charset="0"/>
+                      </a:rPr>
+                      <m:t>𝑜𝑛</m:t>
+                    </m:r>
+                  </m:oMath>
+                </a14:m>
+                <a:endParaRPr lang="en-US" sz="3200" dirty="0"/>
+              </a:p>
+            </p:txBody>
+          </p:sp>
+        </mc:Choice>
+        <mc:Fallback>
+          <p:sp>
+            <p:nvSpPr>
+              <p:cNvPr id="2" name="Title 1"/>
+              <p:cNvSpPr>
+                <a:spLocks noGrp="1" noRot="1" noChangeAspect="1" noMove="1" noResize="1" noEditPoints="1" noAdjustHandles="1" noChangeArrowheads="1" noChangeShapeType="1" noTextEdit="1"/>
+              </p:cNvSpPr>
+              <p:nvPr>
+                <p:ph type="title"/>
+              </p:nvPr>
+            </p:nvSpPr>
+            <p:spPr>
+              <a:blipFill rotWithShape="0">
+                <a:blip r:embed="rId2"/>
+                <a:stretch>
+                  <a:fillRect l="-1275" t="-6912" b="-11521"/>
+                </a:stretch>
+              </a:blipFill>
+            </p:spPr>
+            <p:txBody>
+              <a:bodyPr/>
+              <a:lstStyle/>
+              <a:p>
+                <a:r>
+                  <a:rPr lang="en-US">
+                    <a:noFill/>
+                  </a:rPr>
+                  <a:t> </a:t>
+                </a:r>
+              </a:p>
+            </p:txBody>
+          </p:sp>
+        </mc:Fallback>
+      </mc:AlternateContent>
+      <mc:AlternateContent xmlns:mc="http://schemas.openxmlformats.org/markup-compatibility/2006">
+        <mc:Choice xmlns:a14="http://schemas.microsoft.com/office/drawing/2010/main" Requires="a14">
+          <p:sp>
+            <p:nvSpPr>
+              <p:cNvPr id="3" name="Content Placeholder 2"/>
+              <p:cNvSpPr>
+                <a:spLocks noGrp="1"/>
+              </p:cNvSpPr>
+              <p:nvPr>
+                <p:ph idx="1"/>
+              </p:nvPr>
+            </p:nvSpPr>
+            <p:spPr>
+              <a:xfrm>
+                <a:off x="838200" y="2499135"/>
+                <a:ext cx="10515600" cy="2809438"/>
+              </a:xfrm>
+            </p:spPr>
+            <p:txBody>
+              <a:bodyPr/>
+              <a:lstStyle/>
+              <a:p>
+                <a:pPr marL="0" indent="0">
+                  <a:buNone/>
+                </a:pPr>
+                <a:r>
+                  <a:rPr lang="en-US" b="1" dirty="0" smtClean="0"/>
+                  <a:t>Objective function: 	</a:t>
+                </a:r>
+                <a14:m>
+                  <m:oMath xmlns:m="http://schemas.openxmlformats.org/officeDocument/2006/math">
+                    <m:r>
+                      <a:rPr lang="en-US" b="1" i="1" smtClean="0">
+                        <a:latin typeface="Cambria Math" panose="02040503050406030204" pitchFamily="18" charset="0"/>
+                      </a:rPr>
+                      <m:t>𝑴𝒊𝒏𝒊𝒎𝒊𝒛𝒆</m:t>
+                    </m:r>
+                    <m:r>
+                      <a:rPr lang="en-US" b="0" i="1" smtClean="0">
+                        <a:latin typeface="Cambria Math" panose="02040503050406030204" pitchFamily="18" charset="0"/>
+                      </a:rPr>
+                      <m:t>,  </m:t>
+                    </m:r>
+                    <m:r>
+                      <a:rPr lang="en-US" i="1" smtClean="0">
+                        <a:latin typeface="Cambria Math" panose="02040503050406030204" pitchFamily="18" charset="0"/>
+                      </a:rPr>
+                      <m:t>𝑆𝑢𝑚</m:t>
+                    </m:r>
+                    <m:r>
+                      <a:rPr lang="en-US" i="1" smtClean="0">
+                        <a:latin typeface="Cambria Math" panose="02040503050406030204" pitchFamily="18" charset="0"/>
+                      </a:rPr>
+                      <m:t>_</m:t>
+                    </m:r>
+                    <m:r>
+                      <a:rPr lang="en-US" i="1" smtClean="0">
+                        <a:latin typeface="Cambria Math" panose="02040503050406030204" pitchFamily="18" charset="0"/>
+                      </a:rPr>
+                      <m:t>𝑜𝑓</m:t>
+                    </m:r>
+                    <m:r>
+                      <a:rPr lang="en-US" i="1" smtClean="0">
+                        <a:latin typeface="Cambria Math" panose="02040503050406030204" pitchFamily="18" charset="0"/>
+                      </a:rPr>
+                      <m:t>_</m:t>
+                    </m:r>
+                    <m:r>
+                      <a:rPr lang="en-US" i="1" smtClean="0">
+                        <a:latin typeface="Cambria Math" panose="02040503050406030204" pitchFamily="18" charset="0"/>
+                      </a:rPr>
+                      <m:t>𝑇𝑟𝑎𝑛𝑠𝑝𝑜𝑟𝑡𝑖𝑛𝑔</m:t>
+                    </m:r>
+                    <m:r>
+                      <a:rPr lang="en-US" i="1" smtClean="0">
+                        <a:latin typeface="Cambria Math" panose="02040503050406030204" pitchFamily="18" charset="0"/>
+                      </a:rPr>
+                      <m:t>_</m:t>
+                    </m:r>
+                    <m:r>
+                      <a:rPr lang="en-US" i="1" smtClean="0">
+                        <a:latin typeface="Cambria Math" panose="02040503050406030204" pitchFamily="18" charset="0"/>
+                      </a:rPr>
+                      <m:t>𝐶𝑜𝑠𝑡𝑠</m:t>
+                    </m:r>
+                  </m:oMath>
+                </a14:m>
+                <a:endParaRPr lang="en-US" dirty="0" smtClean="0"/>
+              </a:p>
+              <a:p>
+                <a:pPr marL="0" indent="0">
+                  <a:buNone/>
+                </a:pPr>
+                <a:r>
+                  <a:rPr lang="en-US" dirty="0" smtClean="0"/>
+                  <a:t>	Subject to, </a:t>
+                </a:r>
+                <a:endParaRPr lang="en-US" i="1" dirty="0" smtClean="0">
+                  <a:latin typeface="Cambria Math" panose="02040503050406030204" pitchFamily="18" charset="0"/>
+                </a:endParaRPr>
+              </a:p>
+              <a:p>
+                <a:pPr marL="457200" lvl="1" indent="0">
+                  <a:buNone/>
+                </a:pPr>
+                <a14:m>
+                  <m:oMathPara xmlns:m="http://schemas.openxmlformats.org/officeDocument/2006/math">
+                    <m:oMathParaPr>
+                      <m:jc m:val="centerGroup"/>
+                    </m:oMathParaPr>
+                    <m:oMath xmlns:m="http://schemas.openxmlformats.org/officeDocument/2006/math">
+                      <m:r>
+                        <a:rPr lang="en-US" i="1" dirty="0" smtClean="0">
+                          <a:latin typeface="Cambria Math" panose="02040503050406030204" pitchFamily="18" charset="0"/>
+                        </a:rPr>
+                        <m:t>𝑆𝑢𝑚</m:t>
+                      </m:r>
+                      <m:r>
+                        <a:rPr lang="en-US" i="1" dirty="0" smtClean="0">
+                          <a:latin typeface="Cambria Math" panose="02040503050406030204" pitchFamily="18" charset="0"/>
+                        </a:rPr>
+                        <m:t>_</m:t>
+                      </m:r>
+                      <m:r>
+                        <a:rPr lang="en-US" i="1" dirty="0" smtClean="0">
+                          <a:latin typeface="Cambria Math" panose="02040503050406030204" pitchFamily="18" charset="0"/>
+                        </a:rPr>
+                        <m:t>𝑜𝑓</m:t>
+                      </m:r>
+                      <m:r>
+                        <a:rPr lang="en-US" i="1" dirty="0" smtClean="0">
+                          <a:latin typeface="Cambria Math" panose="02040503050406030204" pitchFamily="18" charset="0"/>
+                        </a:rPr>
+                        <m:t>_</m:t>
+                      </m:r>
+                      <m:r>
+                        <a:rPr lang="en-US" i="1" dirty="0" smtClean="0">
+                          <a:latin typeface="Cambria Math" panose="02040503050406030204" pitchFamily="18" charset="0"/>
+                        </a:rPr>
+                        <m:t>𝑃𝑟𝑜𝑑𝑢𝑐𝑡𝑠</m:t>
+                      </m:r>
+                      <m:r>
+                        <a:rPr lang="en-US" i="1" dirty="0" smtClean="0">
+                          <a:latin typeface="Cambria Math" panose="02040503050406030204" pitchFamily="18" charset="0"/>
+                        </a:rPr>
+                        <m:t>_</m:t>
+                      </m:r>
+                      <m:r>
+                        <a:rPr lang="en-US" i="1" dirty="0" smtClean="0">
+                          <a:latin typeface="Cambria Math" panose="02040503050406030204" pitchFamily="18" charset="0"/>
+                        </a:rPr>
+                        <m:t>𝑖𝑛𝑡𝑜</m:t>
+                      </m:r>
+                      <m:r>
+                        <a:rPr lang="en-US" i="1" dirty="0" smtClean="0">
+                          <a:latin typeface="Cambria Math" panose="02040503050406030204" pitchFamily="18" charset="0"/>
+                        </a:rPr>
+                        <m:t>_</m:t>
+                      </m:r>
+                      <m:r>
+                        <a:rPr lang="en-US" i="1" dirty="0" smtClean="0">
+                          <a:latin typeface="Cambria Math" panose="02040503050406030204" pitchFamily="18" charset="0"/>
+                        </a:rPr>
+                        <m:t>𝑐𝑢𝑠𝑡𝑜𝑚𝑒</m:t>
+                      </m:r>
+                      <m:sSub>
+                        <m:sSubPr>
+                          <m:ctrlPr>
+                            <a:rPr lang="en-US" i="1" dirty="0" smtClean="0">
+                              <a:latin typeface="Cambria Math" panose="02040503050406030204" pitchFamily="18" charset="0"/>
+                            </a:rPr>
+                          </m:ctrlPr>
+                        </m:sSubPr>
+                        <m:e>
+                          <m:r>
+                            <a:rPr lang="en-US" i="1" dirty="0" smtClean="0">
+                              <a:latin typeface="Cambria Math" panose="02040503050406030204" pitchFamily="18" charset="0"/>
+                            </a:rPr>
+                            <m:t>𝑟</m:t>
+                          </m:r>
+                        </m:e>
+                        <m:sub>
+                          <m:r>
+                            <a:rPr lang="en-US" i="1" dirty="0" smtClean="0">
+                              <a:latin typeface="Cambria Math" panose="02040503050406030204" pitchFamily="18" charset="0"/>
+                            </a:rPr>
+                            <m:t>1</m:t>
+                          </m:r>
+                        </m:sub>
+                      </m:sSub>
+                      <m:r>
+                        <a:rPr lang="en-US" i="1" dirty="0" smtClean="0">
+                          <a:latin typeface="Cambria Math" panose="02040503050406030204" pitchFamily="18" charset="0"/>
+                        </a:rPr>
+                        <m:t> ≥ 1000</m:t>
+                      </m:r>
+                    </m:oMath>
+                  </m:oMathPara>
+                </a14:m>
+                <a:endParaRPr lang="en-US" dirty="0" smtClean="0"/>
+              </a:p>
+              <a:p>
+                <a:pPr marL="457200" lvl="1" indent="0">
+                  <a:buNone/>
+                </a:pPr>
+                <a:r>
+                  <a:rPr lang="en-US" dirty="0" smtClean="0"/>
+                  <a:t>		</a:t>
+                </a:r>
+                <a14:m>
+                  <m:oMath xmlns:m="http://schemas.openxmlformats.org/officeDocument/2006/math">
+                    <m:r>
+                      <a:rPr lang="en-US" i="1" dirty="0" smtClean="0">
+                        <a:latin typeface="Cambria Math" panose="02040503050406030204" pitchFamily="18" charset="0"/>
+                      </a:rPr>
+                      <m:t>𝑆𝑢𝑚</m:t>
+                    </m:r>
+                    <m:r>
+                      <a:rPr lang="en-US" i="1" dirty="0" smtClean="0">
+                        <a:latin typeface="Cambria Math" panose="02040503050406030204" pitchFamily="18" charset="0"/>
+                      </a:rPr>
+                      <m:t>_</m:t>
+                    </m:r>
+                    <m:r>
+                      <a:rPr lang="en-US" i="1" dirty="0" smtClean="0">
+                        <a:latin typeface="Cambria Math" panose="02040503050406030204" pitchFamily="18" charset="0"/>
+                      </a:rPr>
+                      <m:t>𝑜𝑓</m:t>
+                    </m:r>
+                    <m:r>
+                      <a:rPr lang="en-US" i="1" dirty="0" smtClean="0">
+                        <a:latin typeface="Cambria Math" panose="02040503050406030204" pitchFamily="18" charset="0"/>
+                      </a:rPr>
+                      <m:t>_</m:t>
+                    </m:r>
+                    <m:r>
+                      <a:rPr lang="en-US" i="1" dirty="0" smtClean="0">
+                        <a:latin typeface="Cambria Math" panose="02040503050406030204" pitchFamily="18" charset="0"/>
+                      </a:rPr>
+                      <m:t>𝑃𝑟𝑜𝑑𝑢𝑐𝑡𝑠</m:t>
+                    </m:r>
+                    <m:r>
+                      <a:rPr lang="en-US" i="1" dirty="0" smtClean="0">
+                        <a:latin typeface="Cambria Math" panose="02040503050406030204" pitchFamily="18" charset="0"/>
+                      </a:rPr>
+                      <m:t>_</m:t>
+                    </m:r>
+                    <m:r>
+                      <a:rPr lang="en-US" i="1" dirty="0" smtClean="0">
+                        <a:latin typeface="Cambria Math" panose="02040503050406030204" pitchFamily="18" charset="0"/>
+                      </a:rPr>
+                      <m:t>𝑖𝑛𝑡𝑜</m:t>
+                    </m:r>
+                    <m:r>
+                      <a:rPr lang="en-US" i="1" dirty="0" smtClean="0">
+                        <a:latin typeface="Cambria Math" panose="02040503050406030204" pitchFamily="18" charset="0"/>
+                      </a:rPr>
+                      <m:t>_</m:t>
+                    </m:r>
+                    <m:r>
+                      <a:rPr lang="en-US" i="1" dirty="0" smtClean="0">
+                        <a:latin typeface="Cambria Math" panose="02040503050406030204" pitchFamily="18" charset="0"/>
+                      </a:rPr>
+                      <m:t>𝑐𝑢𝑠𝑡𝑜𝑚𝑒</m:t>
+                    </m:r>
+                    <m:sSub>
+                      <m:sSubPr>
+                        <m:ctrlPr>
+                          <a:rPr lang="en-US" i="1" dirty="0" smtClean="0">
+                            <a:latin typeface="Cambria Math" panose="02040503050406030204" pitchFamily="18" charset="0"/>
+                          </a:rPr>
+                        </m:ctrlPr>
+                      </m:sSubPr>
+                      <m:e>
+                        <m:r>
+                          <a:rPr lang="en-US" i="1" dirty="0" smtClean="0">
+                            <a:latin typeface="Cambria Math" panose="02040503050406030204" pitchFamily="18" charset="0"/>
+                          </a:rPr>
+                          <m:t>𝑟</m:t>
+                        </m:r>
+                      </m:e>
+                      <m:sub>
+                        <m:r>
+                          <a:rPr lang="en-US" i="1" dirty="0" smtClean="0">
+                            <a:latin typeface="Cambria Math" panose="02040503050406030204" pitchFamily="18" charset="0"/>
+                          </a:rPr>
+                          <m:t>2</m:t>
+                        </m:r>
+                      </m:sub>
+                    </m:sSub>
+                    <m:r>
+                      <a:rPr lang="en-US" i="1" dirty="0" smtClean="0">
+                        <a:latin typeface="Cambria Math" panose="02040503050406030204" pitchFamily="18" charset="0"/>
+                      </a:rPr>
+                      <m:t>≥ 1800</m:t>
+                    </m:r>
+                  </m:oMath>
+                </a14:m>
+                <a:r>
+                  <a:rPr lang="en-US" dirty="0" smtClean="0"/>
+                  <a:t> </a:t>
+                </a:r>
+              </a:p>
+              <a:p>
+                <a:pPr marL="457200" lvl="1" indent="0">
+                  <a:buNone/>
+                </a:pPr>
+                <a:r>
+                  <a:rPr lang="en-US" dirty="0" smtClean="0"/>
+                  <a:t>		 Add other constraints accordingly! </a:t>
+                </a:r>
+                <a:endParaRPr lang="en-US" dirty="0"/>
+              </a:p>
+            </p:txBody>
+          </p:sp>
+        </mc:Choice>
+        <mc:Fallback>
+          <p:sp>
+            <p:nvSpPr>
+              <p:cNvPr id="3" name="Content Placeholder 2"/>
+              <p:cNvSpPr>
+                <a:spLocks noGrp="1" noRot="1" noChangeAspect="1" noMove="1" noResize="1" noEditPoints="1" noAdjustHandles="1" noChangeArrowheads="1" noChangeShapeType="1" noTextEdit="1"/>
+              </p:cNvSpPr>
+              <p:nvPr>
+                <p:ph idx="1"/>
+              </p:nvPr>
+            </p:nvSpPr>
+            <p:spPr>
+              <a:xfrm>
+                <a:off x="838200" y="2499135"/>
+                <a:ext cx="10515600" cy="2809438"/>
+              </a:xfrm>
+              <a:blipFill rotWithShape="0">
+                <a:blip r:embed="rId3"/>
+                <a:stretch>
+                  <a:fillRect l="-1217" t="-3905"/>
+                </a:stretch>
+              </a:blipFill>
+            </p:spPr>
+            <p:txBody>
+              <a:bodyPr/>
+              <a:lstStyle/>
+              <a:p>
+                <a:r>
+                  <a:rPr lang="en-US">
+                    <a:noFill/>
+                  </a:rPr>
+                  <a:t> </a:t>
+                </a:r>
+              </a:p>
+            </p:txBody>
+          </p:sp>
+        </mc:Fallback>
+      </mc:AlternateContent>
+      <p:sp>
+        <p:nvSpPr>
+          <p:cNvPr id="4" name="Footer Placeholder 3"/>
+          <p:cNvSpPr>
+            <a:spLocks noGrp="1"/>
+          </p:cNvSpPr>
+          <p:nvPr>
+            <p:ph type="ftr" sz="quarter" idx="11"/>
+          </p:nvPr>
+        </p:nvSpPr>
+        <p:spPr>
+          <a:xfrm>
+            <a:off x="2959976" y="6117021"/>
+            <a:ext cx="6272048" cy="139043"/>
+          </a:xfrm>
+        </p:spPr>
+        <p:txBody>
+          <a:bodyPr/>
+          <a:lstStyle/>
+          <a:p>
+            <a:r>
+              <a:rPr lang="en-US" dirty="0" smtClean="0"/>
+              <a:t>Python Projects on Optimization; By Tanmoy Das (Industrial Engineer &amp; Jr. Data Scientist)</a:t>
+            </a:r>
+            <a:endParaRPr lang="en-US" dirty="0"/>
+          </a:p>
+        </p:txBody>
+      </p:sp>
+    </p:spTree>
+    <p:extLst>
+      <p:ext uri="{BB962C8B-B14F-4D97-AF65-F5344CB8AC3E}">
+        <p14:creationId xmlns:p14="http://schemas.microsoft.com/office/powerpoint/2010/main" val="3900423132"/>
+      </p:ext>
+    </p:extLst>
+  </p:cSld>
+  <p:clrMapOvr>
+    <a:masterClrMapping/>
+  </p:clrMapOvr>
+  <p:timing>
+    <p:tnLst>
+      <p:par>
+        <p:cTn id="1" dur="indefinite" restart="never" nodeType="tmRoot"/>
+      </p:par>
+    </p:tnLst>
+  </p:timing>
+</p:sld>
+</file>
+
+<file path=ppt/slides/slide13.xml><?xml version="1.0" encoding="utf-8"?>
+<p:sld xmlns:a="http://schemas.openxmlformats.org/drawingml/2006/main" xmlns:r="http://schemas.openxmlformats.org/officeDocument/2006/relationships" xmlns:p="http://schemas.openxmlformats.org/presentationml/2006/main">
+  <p:cSld>
+    <p:spTree>
+      <p:nvGrpSpPr>
+        <p:cNvPr id="1" name=""/>
+        <p:cNvGrpSpPr/>
+        <p:nvPr/>
+      </p:nvGrpSpPr>
+      <p:grpSpPr>
+        <a:xfrm>
+          <a:off x="0" y="0"/>
+          <a:ext cx="0" cy="0"/>
+          <a:chOff x="0" y="0"/>
+          <a:chExt cx="0" cy="0"/>
+        </a:xfrm>
+      </p:grpSpPr>
+      <p:sp>
+        <p:nvSpPr>
+          <p:cNvPr id="2" name="Title 1"/>
+          <p:cNvSpPr>
+            <a:spLocks noGrp="1"/>
+          </p:cNvSpPr>
+          <p:nvPr>
+            <p:ph type="title"/>
+          </p:nvPr>
+        </p:nvSpPr>
+        <p:spPr/>
+        <p:txBody>
+          <a:bodyPr/>
+          <a:lstStyle/>
+          <a:p>
+            <a:r>
+              <a:rPr lang="en-US" b="1" dirty="0" smtClean="0">
+                <a:solidFill>
+                  <a:srgbClr val="7030A0"/>
+                </a:solidFill>
+              </a:rPr>
+              <a:t>Linear Regression </a:t>
+            </a:r>
+            <a:r>
+              <a:rPr lang="en-US" dirty="0" smtClean="0">
+                <a:solidFill>
+                  <a:srgbClr val="7030A0"/>
+                </a:solidFill>
+              </a:rPr>
+              <a:t>in Machine Learning</a:t>
+            </a:r>
+            <a:endParaRPr lang="en-US" dirty="0">
+              <a:solidFill>
+                <a:srgbClr val="7030A0"/>
+              </a:solidFill>
+            </a:endParaRPr>
+          </a:p>
+        </p:txBody>
+      </p:sp>
+      <p:sp>
+        <p:nvSpPr>
+          <p:cNvPr id="3" name="Content Placeholder 2"/>
+          <p:cNvSpPr>
+            <a:spLocks noGrp="1"/>
+          </p:cNvSpPr>
+          <p:nvPr>
+            <p:ph idx="1"/>
+          </p:nvPr>
+        </p:nvSpPr>
+        <p:spPr/>
+        <p:txBody>
+          <a:bodyPr>
+            <a:normAutofit/>
+          </a:bodyPr>
+          <a:lstStyle/>
+          <a:p>
+            <a:r>
+              <a:rPr lang="en-US" sz="4400" dirty="0" smtClean="0"/>
+              <a:t>Import libraries</a:t>
+            </a:r>
+          </a:p>
+          <a:p>
+            <a:r>
+              <a:rPr lang="en-US" sz="4400" dirty="0" smtClean="0"/>
+              <a:t>Load the dataset</a:t>
+            </a:r>
+          </a:p>
+          <a:p>
+            <a:r>
+              <a:rPr lang="en-US" sz="4400" dirty="0" smtClean="0"/>
+              <a:t>Create linear regression object</a:t>
+            </a:r>
+          </a:p>
+          <a:p>
+            <a:r>
+              <a:rPr lang="en-US" sz="4400" dirty="0" smtClean="0"/>
+              <a:t>Train the model using the training sets</a:t>
+            </a:r>
+          </a:p>
+          <a:p>
+            <a:r>
+              <a:rPr lang="en-US" sz="4400" dirty="0" smtClean="0"/>
+              <a:t>Make predictions using the testing set</a:t>
+            </a:r>
+          </a:p>
+        </p:txBody>
+      </p:sp>
+      <p:sp>
+        <p:nvSpPr>
+          <p:cNvPr id="4" name="Footer Placeholder 3"/>
+          <p:cNvSpPr>
+            <a:spLocks noGrp="1"/>
+          </p:cNvSpPr>
+          <p:nvPr>
+            <p:ph type="ftr" sz="quarter" idx="11"/>
+          </p:nvPr>
+        </p:nvSpPr>
+        <p:spPr>
+          <a:xfrm>
+            <a:off x="2745827" y="6040766"/>
+            <a:ext cx="6524297" cy="271134"/>
+          </a:xfrm>
+        </p:spPr>
+        <p:txBody>
+          <a:bodyPr/>
+          <a:lstStyle/>
+          <a:p>
+            <a:r>
+              <a:rPr lang="en-US" smtClean="0"/>
+              <a:t>Python Projects on Optimization;By Tanmoy Das (Industrial Engineer &amp; Jr. Data Scientist)</a:t>
+            </a:r>
+            <a:endParaRPr lang="en-US"/>
+          </a:p>
+        </p:txBody>
+      </p:sp>
+    </p:spTree>
+    <p:extLst>
+      <p:ext uri="{BB962C8B-B14F-4D97-AF65-F5344CB8AC3E}">
+        <p14:creationId xmlns:p14="http://schemas.microsoft.com/office/powerpoint/2010/main" val="552703572"/>
+      </p:ext>
+    </p:extLst>
+  </p:cSld>
+  <p:clrMapOvr>
+    <a:masterClrMapping/>
+  </p:clrMapOvr>
+  <p:timing>
+    <p:tnLst>
+      <p:par>
+        <p:cTn id="1" dur="indefinite" restart="never" nodeType="tmRoot"/>
+      </p:par>
+    </p:tnLst>
+  </p:timing>
+</p:sld>
+</file>
+
+<file path=ppt/slides/slide14.xml><?xml version="1.0" encoding="utf-8"?>
+<p:sld xmlns:a="http://schemas.openxmlformats.org/drawingml/2006/main" xmlns:r="http://schemas.openxmlformats.org/officeDocument/2006/relationships" xmlns:p="http://schemas.openxmlformats.org/presentationml/2006/main">
+  <p:cSld>
+    <p:spTree>
+      <p:nvGrpSpPr>
+        <p:cNvPr id="1" name=""/>
+        <p:cNvGrpSpPr/>
+        <p:nvPr/>
+      </p:nvGrpSpPr>
+      <p:grpSpPr>
+        <a:xfrm>
+          <a:off x="0" y="0"/>
+          <a:ext cx="0" cy="0"/>
+          <a:chOff x="0" y="0"/>
+          <a:chExt cx="0" cy="0"/>
+        </a:xfrm>
+      </p:grpSpPr>
+      <p:sp>
+        <p:nvSpPr>
+          <p:cNvPr id="2" name="Title 1"/>
+          <p:cNvSpPr>
+            <a:spLocks noGrp="1"/>
+          </p:cNvSpPr>
+          <p:nvPr>
+            <p:ph type="title"/>
+          </p:nvPr>
+        </p:nvSpPr>
+        <p:spPr/>
+        <p:txBody>
+          <a:bodyPr/>
+          <a:lstStyle/>
+          <a:p>
+            <a:endParaRPr lang="en-US"/>
+          </a:p>
+        </p:txBody>
+      </p:sp>
+      <p:sp>
+        <p:nvSpPr>
+          <p:cNvPr id="3" name="Content Placeholder 2"/>
+          <p:cNvSpPr>
+            <a:spLocks noGrp="1"/>
+          </p:cNvSpPr>
+          <p:nvPr>
+            <p:ph idx="1"/>
+          </p:nvPr>
+        </p:nvSpPr>
+        <p:spPr/>
+        <p:txBody>
+          <a:bodyPr/>
+          <a:lstStyle/>
+          <a:p>
+            <a:endParaRPr lang="en-US"/>
+          </a:p>
+        </p:txBody>
+      </p:sp>
+      <p:sp>
+        <p:nvSpPr>
+          <p:cNvPr id="4" name="Footer Placeholder 3"/>
+          <p:cNvSpPr>
+            <a:spLocks noGrp="1"/>
+          </p:cNvSpPr>
+          <p:nvPr>
+            <p:ph type="ftr" sz="quarter" idx="11"/>
+          </p:nvPr>
+        </p:nvSpPr>
+        <p:spPr/>
+        <p:txBody>
+          <a:bodyPr/>
+          <a:lstStyle/>
+          <a:p>
+            <a:r>
+              <a:rPr lang="en-US" smtClean="0"/>
+              <a:t>Python Projects on Optimization;By Tanmoy Das (Industrial Engineer &amp; Jr. Data Scientist)</a:t>
+            </a:r>
+            <a:endParaRPr lang="en-US"/>
+          </a:p>
+        </p:txBody>
+      </p:sp>
+      <p:pic>
+        <p:nvPicPr>
+          <p:cNvPr id="5" name="Picture 4"/>
+          <p:cNvPicPr>
+            <a:picLocks noChangeAspect="1"/>
+          </p:cNvPicPr>
+          <p:nvPr/>
+        </p:nvPicPr>
+        <p:blipFill>
+          <a:blip r:embed="rId2"/>
+          <a:stretch>
+            <a:fillRect/>
+          </a:stretch>
+        </p:blipFill>
+        <p:spPr>
+          <a:xfrm>
+            <a:off x="1592318" y="-70281"/>
+            <a:ext cx="9761482" cy="6525935"/>
+          </a:xfrm>
+          <a:prstGeom prst="rect">
+            <a:avLst/>
+          </a:prstGeom>
+        </p:spPr>
+      </p:pic>
+    </p:spTree>
+    <p:extLst>
+      <p:ext uri="{BB962C8B-B14F-4D97-AF65-F5344CB8AC3E}">
+        <p14:creationId xmlns:p14="http://schemas.microsoft.com/office/powerpoint/2010/main" val="2166836848"/>
+      </p:ext>
+    </p:extLst>
+  </p:cSld>
+  <p:clrMapOvr>
+    <a:masterClrMapping/>
+  </p:clrMapOvr>
+  <p:timing>
+    <p:tnLst>
+      <p:par>
+        <p:cTn id="1" dur="indefinite" restart="never" nodeType="tmRoot"/>
+      </p:par>
+    </p:tnLst>
+  </p:timing>
+</p:sld>
+</file>
+
+<file path=ppt/slides/slide15.xml><?xml version="1.0" encoding="utf-8"?>
+<p:sld xmlns:a="http://schemas.openxmlformats.org/drawingml/2006/main" xmlns:r="http://schemas.openxmlformats.org/officeDocument/2006/relationships" xmlns:p="http://schemas.openxmlformats.org/presentationml/2006/main">
+  <p:cSld>
+    <p:spTree>
+      <p:nvGrpSpPr>
+        <p:cNvPr id="1" name=""/>
+        <p:cNvGrpSpPr/>
+        <p:nvPr/>
+      </p:nvGrpSpPr>
+      <p:grpSpPr>
+        <a:xfrm>
+          <a:off x="0" y="0"/>
+          <a:ext cx="0" cy="0"/>
+          <a:chOff x="0" y="0"/>
+          <a:chExt cx="0" cy="0"/>
+        </a:xfrm>
+      </p:grpSpPr>
+      <p:sp>
+        <p:nvSpPr>
+          <p:cNvPr id="2" name="Title 1"/>
+          <p:cNvSpPr>
+            <a:spLocks noGrp="1"/>
+          </p:cNvSpPr>
+          <p:nvPr>
+            <p:ph type="title"/>
+          </p:nvPr>
+        </p:nvSpPr>
+        <p:spPr>
+          <a:xfrm>
+            <a:off x="838200" y="0"/>
+            <a:ext cx="10515600" cy="1325563"/>
+          </a:xfrm>
+        </p:spPr>
+        <p:txBody>
+          <a:bodyPr>
+            <a:normAutofit fontScale="90000"/>
+          </a:bodyPr>
+          <a:lstStyle/>
+          <a:p>
+            <a:r>
+              <a:rPr lang="en-US" sz="4800" b="1" dirty="0" smtClean="0"/>
+              <a:t>Robust Regression in Machine Learning</a:t>
+            </a:r>
+            <a:endParaRPr lang="en-US" sz="4800" b="1" dirty="0"/>
+          </a:p>
+        </p:txBody>
+      </p:sp>
+      <p:sp>
+        <p:nvSpPr>
+          <p:cNvPr id="3" name="Content Placeholder 2"/>
+          <p:cNvSpPr>
+            <a:spLocks noGrp="1"/>
+          </p:cNvSpPr>
+          <p:nvPr>
+            <p:ph idx="1"/>
+          </p:nvPr>
+        </p:nvSpPr>
+        <p:spPr/>
+        <p:txBody>
+          <a:bodyPr/>
+          <a:lstStyle/>
+          <a:p>
+            <a:endParaRPr lang="en-US" dirty="0"/>
+          </a:p>
+        </p:txBody>
+      </p:sp>
+      <p:pic>
+        <p:nvPicPr>
+          <p:cNvPr id="6" name="Picture 5"/>
+          <p:cNvPicPr>
+            <a:picLocks noChangeAspect="1"/>
+          </p:cNvPicPr>
+          <p:nvPr/>
+        </p:nvPicPr>
+        <p:blipFill>
+          <a:blip r:embed="rId2"/>
+          <a:stretch>
+            <a:fillRect/>
+          </a:stretch>
+        </p:blipFill>
+        <p:spPr>
+          <a:xfrm>
+            <a:off x="2065282" y="1185095"/>
+            <a:ext cx="7646275" cy="4991868"/>
+          </a:xfrm>
+          <a:prstGeom prst="rect">
+            <a:avLst/>
+          </a:prstGeom>
+        </p:spPr>
+      </p:pic>
+    </p:spTree>
+    <p:extLst>
+      <p:ext uri="{BB962C8B-B14F-4D97-AF65-F5344CB8AC3E}">
+        <p14:creationId xmlns:p14="http://schemas.microsoft.com/office/powerpoint/2010/main" val="2867236074"/>
+      </p:ext>
+    </p:extLst>
+  </p:cSld>
+  <p:clrMapOvr>
+    <a:masterClrMapping/>
+  </p:clrMapOvr>
+  <p:timing>
+    <p:tnLst>
+      <p:par>
+        <p:cTn id="1" dur="indefinite" restart="never" nodeType="tmRoot"/>
+      </p:par>
+    </p:tnLst>
+  </p:timing>
+</p:sld>
+</file>
+
+<file path=ppt/slides/slide16.xml><?xml version="1.0" encoding="utf-8"?>
+<p:sld xmlns:a="http://schemas.openxmlformats.org/drawingml/2006/main" xmlns:r="http://schemas.openxmlformats.org/officeDocument/2006/relationships" xmlns:p="http://schemas.openxmlformats.org/presentationml/2006/main">
+  <p:cSld>
+    <p:spTree>
+      <p:nvGrpSpPr>
+        <p:cNvPr id="1" name=""/>
+        <p:cNvGrpSpPr/>
+        <p:nvPr/>
+      </p:nvGrpSpPr>
+      <p:grpSpPr>
+        <a:xfrm>
+          <a:off x="0" y="0"/>
+          <a:ext cx="0" cy="0"/>
+          <a:chOff x="0" y="0"/>
+          <a:chExt cx="0" cy="0"/>
+        </a:xfrm>
+      </p:grpSpPr>
+      <p:sp>
+        <p:nvSpPr>
+          <p:cNvPr id="2" name="Title 1"/>
+          <p:cNvSpPr>
+            <a:spLocks noGrp="1"/>
+          </p:cNvSpPr>
+          <p:nvPr>
+            <p:ph type="title"/>
+          </p:nvPr>
+        </p:nvSpPr>
+        <p:spPr/>
+        <p:txBody>
+          <a:bodyPr/>
+          <a:lstStyle/>
+          <a:p>
+            <a:endParaRPr lang="en-US"/>
+          </a:p>
+        </p:txBody>
+      </p:sp>
+      <p:sp>
+        <p:nvSpPr>
+          <p:cNvPr id="3" name="Content Placeholder 2"/>
+          <p:cNvSpPr>
+            <a:spLocks noGrp="1"/>
+          </p:cNvSpPr>
+          <p:nvPr>
+            <p:ph idx="1"/>
+          </p:nvPr>
+        </p:nvSpPr>
+        <p:spPr/>
+        <p:txBody>
+          <a:bodyPr/>
+          <a:lstStyle/>
+          <a:p>
+            <a:endParaRPr lang="en-US"/>
+          </a:p>
+        </p:txBody>
+      </p:sp>
+      <p:sp>
+        <p:nvSpPr>
+          <p:cNvPr id="4" name="Footer Placeholder 3"/>
+          <p:cNvSpPr>
+            <a:spLocks noGrp="1"/>
+          </p:cNvSpPr>
+          <p:nvPr>
+            <p:ph type="ftr" sz="quarter" idx="11"/>
+          </p:nvPr>
+        </p:nvSpPr>
+        <p:spPr/>
+        <p:txBody>
+          <a:bodyPr/>
+          <a:lstStyle/>
+          <a:p>
+            <a:r>
+              <a:rPr lang="en-US" smtClean="0"/>
+              <a:t>Python Projects on Optimization;By Tanmoy Das (Industrial Engineer &amp; Jr. Data Scientist)</a:t>
+            </a:r>
+            <a:endParaRPr lang="en-US"/>
+          </a:p>
+        </p:txBody>
+      </p:sp>
+      <p:pic>
+        <p:nvPicPr>
+          <p:cNvPr id="5" name="Picture 4"/>
+          <p:cNvPicPr>
+            <a:picLocks noChangeAspect="1"/>
+          </p:cNvPicPr>
+          <p:nvPr/>
+        </p:nvPicPr>
+        <p:blipFill>
+          <a:blip r:embed="rId2"/>
+          <a:stretch>
+            <a:fillRect/>
+          </a:stretch>
+        </p:blipFill>
+        <p:spPr>
+          <a:xfrm>
+            <a:off x="646743" y="236484"/>
+            <a:ext cx="9317064" cy="6195848"/>
+          </a:xfrm>
+          <a:prstGeom prst="rect">
+            <a:avLst/>
+          </a:prstGeom>
+        </p:spPr>
+      </p:pic>
+    </p:spTree>
+    <p:extLst>
+      <p:ext uri="{BB962C8B-B14F-4D97-AF65-F5344CB8AC3E}">
+        <p14:creationId xmlns:p14="http://schemas.microsoft.com/office/powerpoint/2010/main" val="1959164952"/>
+      </p:ext>
+    </p:extLst>
+  </p:cSld>
+  <p:clrMapOvr>
+    <a:masterClrMapping/>
+  </p:clrMapOvr>
+  <p:timing>
+    <p:tnLst>
+      <p:par>
+        <p:cTn id="1" dur="indefinite" restart="never" nodeType="tmRoot"/>
+      </p:par>
+    </p:tnLst>
+  </p:timing>
+</p:sld>
+</file>
+
+<file path=ppt/slides/slide17.xml><?xml version="1.0" encoding="utf-8"?>
+<p:sld xmlns:a="http://schemas.openxmlformats.org/drawingml/2006/main" xmlns:r="http://schemas.openxmlformats.org/officeDocument/2006/relationships" xmlns:p="http://schemas.openxmlformats.org/presentationml/2006/main">
+  <p:cSld>
+    <p:spTree>
+      <p:nvGrpSpPr>
+        <p:cNvPr id="1" name=""/>
+        <p:cNvGrpSpPr/>
+        <p:nvPr/>
+      </p:nvGrpSpPr>
+      <p:grpSpPr>
+        <a:xfrm>
+          <a:off x="0" y="0"/>
+          <a:ext cx="0" cy="0"/>
+          <a:chOff x="0" y="0"/>
+          <a:chExt cx="0" cy="0"/>
+        </a:xfrm>
+      </p:grpSpPr>
+      <p:sp>
+        <p:nvSpPr>
+          <p:cNvPr id="2" name="Title 1"/>
+          <p:cNvSpPr>
+            <a:spLocks noGrp="1"/>
+          </p:cNvSpPr>
+          <p:nvPr>
+            <p:ph type="title"/>
+          </p:nvPr>
+        </p:nvSpPr>
+        <p:spPr>
+          <a:xfrm>
+            <a:off x="838200" y="-16322"/>
+            <a:ext cx="10938641" cy="1325563"/>
+          </a:xfrm>
+        </p:spPr>
+        <p:txBody>
+          <a:bodyPr/>
+          <a:lstStyle/>
+          <a:p>
+            <a:r>
+              <a:rPr lang="en-US" dirty="0" smtClean="0"/>
+              <a:t>Support Vector Machine in Machine Learning</a:t>
+            </a:r>
+            <a:endParaRPr lang="en-US" dirty="0"/>
+          </a:p>
+        </p:txBody>
+      </p:sp>
+      <p:sp>
+        <p:nvSpPr>
+          <p:cNvPr id="3" name="Content Placeholder 2"/>
+          <p:cNvSpPr>
+            <a:spLocks noGrp="1"/>
+          </p:cNvSpPr>
+          <p:nvPr>
+            <p:ph idx="1"/>
+          </p:nvPr>
+        </p:nvSpPr>
+        <p:spPr/>
+        <p:txBody>
+          <a:bodyPr/>
+          <a:lstStyle/>
+          <a:p>
+            <a:endParaRPr lang="en-US" dirty="0"/>
+          </a:p>
+        </p:txBody>
+      </p:sp>
+      <p:pic>
+        <p:nvPicPr>
+          <p:cNvPr id="5" name="Picture 4"/>
+          <p:cNvPicPr>
+            <a:picLocks noChangeAspect="1"/>
+          </p:cNvPicPr>
+          <p:nvPr/>
+        </p:nvPicPr>
+        <p:blipFill>
+          <a:blip r:embed="rId2"/>
+          <a:stretch>
+            <a:fillRect/>
+          </a:stretch>
+        </p:blipFill>
+        <p:spPr>
+          <a:xfrm>
+            <a:off x="2233200" y="1165418"/>
+            <a:ext cx="8148640" cy="5361507"/>
+          </a:xfrm>
+          <a:prstGeom prst="rect">
+            <a:avLst/>
+          </a:prstGeom>
+        </p:spPr>
+      </p:pic>
+    </p:spTree>
+    <p:extLst>
+      <p:ext uri="{BB962C8B-B14F-4D97-AF65-F5344CB8AC3E}">
+        <p14:creationId xmlns:p14="http://schemas.microsoft.com/office/powerpoint/2010/main" val="3624049441"/>
+      </p:ext>
+    </p:extLst>
+  </p:cSld>
+  <p:clrMapOvr>
+    <a:masterClrMapping/>
+  </p:clrMapOvr>
+  <p:timing>
+    <p:tnLst>
+      <p:par>
+        <p:cTn id="1" dur="indefinite" restart="never" nodeType="tmRoot">
+          <p:childTnLst>
+            <p:seq concurrent="1" nextAc="seek">
+              <p:cTn id="2" dur="indefinite" nodeType="mainSeq">
+                <p:childTnLst>
+                  <p:par>
+                    <p:cTn id="3" fill="hold">
+                      <p:stCondLst>
+                        <p:cond delay="indefinite"/>
+                      </p:stCondLst>
+                      <p:childTnLst>
+                        <p:par>
+                          <p:cTn id="4" fill="hold">
+                            <p:stCondLst>
+                              <p:cond delay="0"/>
+                            </p:stCondLst>
+                            <p:childTnLst>
+                              <p:par>
+                                <p:cTn id="5" presetID="16" presetClass="entr" presetSubtype="21" fill="hold" nodeType="clickEffect">
+                                  <p:stCondLst>
+                                    <p:cond delay="0"/>
+                                  </p:stCondLst>
+                                  <p:childTnLst>
+                                    <p:set>
+                                      <p:cBhvr>
+                                        <p:cTn id="6" dur="1" fill="hold">
+                                          <p:stCondLst>
+                                            <p:cond delay="0"/>
+                                          </p:stCondLst>
+                                        </p:cTn>
+                                        <p:tgtEl>
+                                          <p:spTgt spid="5"/>
+                                        </p:tgtEl>
+                                        <p:attrNameLst>
+                                          <p:attrName>style.visibility</p:attrName>
+                                        </p:attrNameLst>
+                                      </p:cBhvr>
+                                      <p:to>
+                                        <p:strVal val="visible"/>
+                                      </p:to>
+                                    </p:set>
+                                    <p:animEffect transition="in" filter="barn(inVertical)">
+                                      <p:cBhvr>
+                                        <p:cTn id="7" dur="500"/>
+                                        <p:tgtEl>
+                                          <p:spTgt spid="5"/>
+                                        </p:tgtEl>
+                                      </p:cBhvr>
+                                    </p:animEffect>
+                                  </p:childTnLst>
+                                </p:cTn>
+                              </p:par>
+                            </p:childTnLst>
+                          </p:cTn>
+                        </p:par>
+                      </p:childTnLst>
+                    </p:cTn>
+                  </p:par>
+                </p:childTnLst>
+              </p:cTn>
+              <p:prevCondLst>
+                <p:cond evt="onPrev" delay="0">
+                  <p:tgtEl>
+                    <p:sldTgt/>
+                  </p:tgtEl>
+                </p:cond>
+              </p:prevCondLst>
+              <p:nextCondLst>
+                <p:cond evt="onNext" delay="0">
+                  <p:tgtEl>
+                    <p:sldTgt/>
+                  </p:tgtEl>
+                </p:cond>
+              </p:nextCondLst>
+            </p:seq>
+          </p:childTnLst>
+        </p:cTn>
+      </p:par>
+    </p:tnLst>
+  </p:timing>
+</p:sld>
+</file>
+
+<file path=ppt/slides/slide18.xml><?xml version="1.0" encoding="utf-8"?>
+<p:sld xmlns:a="http://schemas.openxmlformats.org/drawingml/2006/main" xmlns:r="http://schemas.openxmlformats.org/officeDocument/2006/relationships" xmlns:p="http://schemas.openxmlformats.org/presentationml/2006/main">
+  <p:cSld>
+    <p:spTree>
+      <p:nvGrpSpPr>
+        <p:cNvPr id="1" name=""/>
+        <p:cNvGrpSpPr/>
+        <p:nvPr/>
+      </p:nvGrpSpPr>
+      <p:grpSpPr>
+        <a:xfrm>
+          <a:off x="0" y="0"/>
+          <a:ext cx="0" cy="0"/>
+          <a:chOff x="0" y="0"/>
+          <a:chExt cx="0" cy="0"/>
+        </a:xfrm>
+      </p:grpSpPr>
+      <p:sp>
+        <p:nvSpPr>
+          <p:cNvPr id="2" name="Title 1"/>
+          <p:cNvSpPr>
+            <a:spLocks noGrp="1"/>
+          </p:cNvSpPr>
+          <p:nvPr>
+            <p:ph type="title"/>
+          </p:nvPr>
+        </p:nvSpPr>
+        <p:spPr/>
+        <p:txBody>
+          <a:bodyPr/>
+          <a:lstStyle/>
+          <a:p>
+            <a:endParaRPr lang="en-US"/>
+          </a:p>
+        </p:txBody>
+      </p:sp>
+      <p:sp>
+        <p:nvSpPr>
+          <p:cNvPr id="3" name="Content Placeholder 2"/>
+          <p:cNvSpPr>
+            <a:spLocks noGrp="1"/>
+          </p:cNvSpPr>
+          <p:nvPr>
+            <p:ph idx="1"/>
+          </p:nvPr>
+        </p:nvSpPr>
+        <p:spPr/>
+        <p:txBody>
+          <a:bodyPr/>
+          <a:lstStyle/>
+          <a:p>
+            <a:endParaRPr lang="en-US"/>
+          </a:p>
+        </p:txBody>
+      </p:sp>
+      <p:pic>
+        <p:nvPicPr>
+          <p:cNvPr id="5" name="Picture 4"/>
+          <p:cNvPicPr>
+            <a:picLocks noChangeAspect="1"/>
+          </p:cNvPicPr>
+          <p:nvPr/>
+        </p:nvPicPr>
+        <p:blipFill>
+          <a:blip r:embed="rId2"/>
+          <a:stretch>
+            <a:fillRect/>
+          </a:stretch>
+        </p:blipFill>
+        <p:spPr>
+          <a:xfrm>
+            <a:off x="1545021" y="442420"/>
+            <a:ext cx="8828689" cy="5793827"/>
+          </a:xfrm>
+          <a:prstGeom prst="rect">
+            <a:avLst/>
+          </a:prstGeom>
+        </p:spPr>
+      </p:pic>
+    </p:spTree>
+    <p:extLst>
+      <p:ext uri="{BB962C8B-B14F-4D97-AF65-F5344CB8AC3E}">
+        <p14:creationId xmlns:p14="http://schemas.microsoft.com/office/powerpoint/2010/main" val="2534988166"/>
+      </p:ext>
+    </p:extLst>
+  </p:cSld>
+  <p:clrMapOvr>
+    <a:masterClrMapping/>
+  </p:clrMapOvr>
+  <p:timing>
+    <p:tnLst>
+      <p:par>
+        <p:cTn id="1" dur="indefinite" restart="never" nodeType="tmRoot"/>
+      </p:par>
+    </p:tnLst>
+  </p:timing>
+</p:sld>
+</file>
+
+<file path=ppt/slides/slide19.xml><?xml version="1.0" encoding="utf-8"?>
+<p:sld xmlns:a="http://schemas.openxmlformats.org/drawingml/2006/main" xmlns:r="http://schemas.openxmlformats.org/officeDocument/2006/relationships" xmlns:p="http://schemas.openxmlformats.org/presentationml/2006/main">
+  <p:cSld>
+    <p:spTree>
+      <p:nvGrpSpPr>
+        <p:cNvPr id="1" name=""/>
+        <p:cNvGrpSpPr/>
+        <p:nvPr/>
+      </p:nvGrpSpPr>
+      <p:grpSpPr>
+        <a:xfrm>
+          <a:off x="0" y="0"/>
+          <a:ext cx="0" cy="0"/>
+          <a:chOff x="0" y="0"/>
+          <a:chExt cx="0" cy="0"/>
+        </a:xfrm>
+      </p:grpSpPr>
+      <p:sp>
+        <p:nvSpPr>
+          <p:cNvPr id="2" name="Title 1"/>
+          <p:cNvSpPr>
+            <a:spLocks noGrp="1"/>
+          </p:cNvSpPr>
+          <p:nvPr>
+            <p:ph type="title"/>
+          </p:nvPr>
+        </p:nvSpPr>
+        <p:spPr/>
+        <p:txBody>
+          <a:bodyPr/>
+          <a:lstStyle/>
+          <a:p>
+            <a:endParaRPr lang="en-US"/>
+          </a:p>
+        </p:txBody>
+      </p:sp>
+      <p:pic>
+        <p:nvPicPr>
+          <p:cNvPr id="5" name="Picture 4"/>
+          <p:cNvPicPr>
+            <a:picLocks noChangeAspect="1"/>
+          </p:cNvPicPr>
+          <p:nvPr/>
+        </p:nvPicPr>
+        <p:blipFill>
+          <a:blip r:embed="rId2"/>
+          <a:stretch>
+            <a:fillRect/>
+          </a:stretch>
+        </p:blipFill>
+        <p:spPr>
+          <a:xfrm>
+            <a:off x="1954924" y="365125"/>
+            <a:ext cx="8809837" cy="5781455"/>
+          </a:xfrm>
+          <a:prstGeom prst="rect">
+            <a:avLst/>
+          </a:prstGeom>
+        </p:spPr>
+      </p:pic>
+    </p:spTree>
+    <p:extLst>
+      <p:ext uri="{BB962C8B-B14F-4D97-AF65-F5344CB8AC3E}">
+        <p14:creationId xmlns:p14="http://schemas.microsoft.com/office/powerpoint/2010/main" val="3442975752"/>
+      </p:ext>
+    </p:extLst>
+  </p:cSld>
+  <p:clrMapOvr>
+    <a:masterClrMapping/>
+  </p:clrMapOvr>
+  <p:timing>
+    <p:tnLst>
+      <p:par>
+        <p:cTn id="1" dur="indefinite" restart="never" nodeType="tmRoot"/>
+      </p:par>
+    </p:tnLst>
+  </p:timing>
 </p:sld>
 </file>
 
@@ -3045,43 +5481,13 @@
             <a:spLocks noGrp="1"/>
           </p:cNvSpPr>
           <p:nvPr>
-            <p:ph type="title"/>
+            <p:ph type="ctrTitle"/>
           </p:nvPr>
         </p:nvSpPr>
         <p:spPr>
           <a:xfrm>
-            <a:off x="838200" y="0"/>
-            <a:ext cx="10515600" cy="1325563"/>
-          </a:xfrm>
-        </p:spPr>
-        <p:txBody>
-          <a:bodyPr>
-            <a:normAutofit/>
-          </a:bodyPr>
-          <a:lstStyle/>
-          <a:p>
-            <a:r>
-              <a:rPr lang="en-US" sz="4000" dirty="0" smtClean="0"/>
-              <a:t>Network Optimization: Draw a Simple Network</a:t>
-            </a:r>
-            <a:endParaRPr lang="en-US" sz="4000" dirty="0"/>
-          </a:p>
-        </p:txBody>
-      </p:sp>
-      <p:sp>
-        <p:nvSpPr>
-          <p:cNvPr id="3" name="Content Placeholder 2"/>
-          <p:cNvSpPr>
-            <a:spLocks noGrp="1"/>
-          </p:cNvSpPr>
-          <p:nvPr>
-            <p:ph idx="1"/>
-          </p:nvPr>
-        </p:nvSpPr>
-        <p:spPr>
-          <a:xfrm>
-            <a:off x="838200" y="1220714"/>
-            <a:ext cx="10515600" cy="4351338"/>
+            <a:off x="1332931" y="2364309"/>
+            <a:ext cx="9144000" cy="2387600"/>
           </a:xfrm>
         </p:spPr>
         <p:txBody>
@@ -3091,137 +5497,154 @@
           <a:lstStyle/>
           <a:p>
             <a:r>
-              <a:rPr lang="en-US" dirty="0" smtClean="0"/>
-              <a:t>Import </a:t>
-            </a:r>
-            <a:r>
-              <a:rPr lang="en-US" dirty="0" err="1" smtClean="0"/>
-              <a:t>networkx</a:t>
-            </a:r>
-            <a:r>
-              <a:rPr lang="en-US" dirty="0" smtClean="0"/>
-              <a:t> package</a:t>
-            </a:r>
-          </a:p>
-          <a:p>
-            <a:r>
-              <a:rPr lang="en-US" dirty="0" smtClean="0">
-                <a:solidFill>
-                  <a:srgbClr val="FF0000"/>
-                </a:solidFill>
-              </a:rPr>
-              <a:t>Explore the Network Optimization algorithms in </a:t>
-            </a:r>
-            <a:r>
-              <a:rPr lang="en-US" dirty="0" err="1" smtClean="0">
-                <a:solidFill>
-                  <a:srgbClr val="FF0000"/>
-                </a:solidFill>
-              </a:rPr>
-              <a:t>NetworkX</a:t>
-            </a:r>
-            <a:r>
-              <a:rPr lang="en-US" dirty="0" smtClean="0">
-                <a:solidFill>
-                  <a:srgbClr val="FF0000"/>
-                </a:solidFill>
-              </a:rPr>
-              <a:t> (e.g. </a:t>
-            </a:r>
-            <a:r>
-              <a:rPr lang="en-US" dirty="0" err="1" smtClean="0">
-                <a:solidFill>
-                  <a:srgbClr val="FF0000"/>
-                </a:solidFill>
-              </a:rPr>
-              <a:t>Dijsktra</a:t>
-            </a:r>
-            <a:r>
-              <a:rPr lang="en-US" dirty="0" smtClean="0">
-                <a:solidFill>
-                  <a:srgbClr val="FF0000"/>
-                </a:solidFill>
-              </a:rPr>
-              <a:t>, Min Cost Flow, MST)</a:t>
-            </a:r>
-          </a:p>
-          <a:p>
-            <a:r>
-              <a:rPr lang="en-US" dirty="0" smtClean="0"/>
-              <a:t>Draw an empty graph</a:t>
-            </a:r>
-          </a:p>
-          <a:p>
-            <a:r>
-              <a:rPr lang="en-US" dirty="0" smtClean="0"/>
-              <a:t>Add the edges &amp; their properties</a:t>
-            </a:r>
-          </a:p>
-          <a:p>
-            <a:r>
-              <a:rPr lang="en-US" dirty="0" smtClean="0"/>
-              <a:t>color &amp; display stuffs</a:t>
-            </a:r>
-          </a:p>
-          <a:p>
-            <a:r>
-              <a:rPr lang="en-US" dirty="0" smtClean="0"/>
-              <a:t>Draw the Network</a:t>
-            </a:r>
-            <a:endParaRPr lang="en-US" dirty="0"/>
-          </a:p>
-          <a:p>
-            <a:r>
-              <a:rPr lang="en-US" dirty="0" smtClean="0">
+              <a:rPr lang="en-US" sz="11500" b="1" dirty="0" smtClean="0"/>
+              <a:t>Network</a:t>
+            </a:r>
+            <a:br>
+              <a:rPr lang="en-US" sz="11500" b="1" dirty="0" smtClean="0"/>
+            </a:br>
+            <a:r>
+              <a:rPr lang="en-US" sz="11500" b="1" dirty="0" smtClean="0">
                 <a:solidFill>
                   <a:srgbClr val="7030A0"/>
                 </a:solidFill>
               </a:rPr>
-              <a:t>This explanation is ran on Spider IDE in Anaconda distribution</a:t>
-            </a:r>
-            <a:endParaRPr lang="en-US" dirty="0" smtClean="0">
+              <a:t>Optimization</a:t>
+            </a:r>
+            <a:endParaRPr lang="en-US" sz="11500" b="1" dirty="0">
               <a:solidFill>
                 <a:srgbClr val="7030A0"/>
               </a:solidFill>
             </a:endParaRPr>
           </a:p>
-          <a:p>
-            <a:r>
-              <a:rPr lang="en-US" dirty="0" smtClean="0">
-                <a:solidFill>
-                  <a:srgbClr val="7030A0"/>
-                </a:solidFill>
-              </a:rPr>
-              <a:t>IF you don’t see the expected variables in the </a:t>
-            </a:r>
-            <a:r>
-              <a:rPr lang="en-US" b="1" dirty="0" smtClean="0">
-                <a:solidFill>
-                  <a:srgbClr val="7030A0"/>
-                </a:solidFill>
-              </a:rPr>
-              <a:t>variable explorer </a:t>
-            </a:r>
-            <a:r>
-              <a:rPr lang="en-US" dirty="0" smtClean="0">
-                <a:solidFill>
-                  <a:srgbClr val="7030A0"/>
-                </a:solidFill>
-              </a:rPr>
-              <a:t>tab, click option in the variable explorer tab, &amp; click “exclude unsupported data type” or others.</a:t>
-            </a:r>
-            <a:endParaRPr lang="en-US" dirty="0">
-              <a:solidFill>
-                <a:srgbClr val="7030A0"/>
-              </a:solidFill>
-            </a:endParaRPr>
-          </a:p>
         </p:txBody>
       </p:sp>
     </p:spTree>
     <p:extLst>
       <p:ext uri="{BB962C8B-B14F-4D97-AF65-F5344CB8AC3E}">
-        <p14:creationId xmlns:p14="http://schemas.microsoft.com/office/powerpoint/2010/main" val="34152566"/>
+        <p14:creationId xmlns:p14="http://schemas.microsoft.com/office/powerpoint/2010/main" val="4016889927"/>
+      </p:ext>
+    </p:extLst>
+  </p:cSld>
+  <p:clrMapOvr>
+    <a:masterClrMapping/>
+  </p:clrMapOvr>
+  <p:timing>
+    <p:tnLst>
+      <p:par>
+        <p:cTn id="1" dur="indefinite" restart="never" nodeType="tmRoot"/>
+      </p:par>
+    </p:tnLst>
+  </p:timing>
+</p:sld>
+</file>
+
+<file path=ppt/slides/slide20.xml><?xml version="1.0" encoding="utf-8"?>
+<p:sld xmlns:a="http://schemas.openxmlformats.org/drawingml/2006/main" xmlns:r="http://schemas.openxmlformats.org/officeDocument/2006/relationships" xmlns:p="http://schemas.openxmlformats.org/presentationml/2006/main">
+  <p:cSld>
+    <p:spTree>
+      <p:nvGrpSpPr>
+        <p:cNvPr id="1" name=""/>
+        <p:cNvGrpSpPr/>
+        <p:nvPr/>
+      </p:nvGrpSpPr>
+      <p:grpSpPr>
+        <a:xfrm>
+          <a:off x="0" y="0"/>
+          <a:ext cx="0" cy="0"/>
+          <a:chOff x="0" y="0"/>
+          <a:chExt cx="0" cy="0"/>
+        </a:xfrm>
+      </p:grpSpPr>
+      <p:sp>
+        <p:nvSpPr>
+          <p:cNvPr id="2" name="Title 1"/>
+          <p:cNvSpPr>
+            <a:spLocks noGrp="1"/>
+          </p:cNvSpPr>
+          <p:nvPr>
+            <p:ph type="title"/>
+          </p:nvPr>
+        </p:nvSpPr>
+        <p:spPr/>
+        <p:txBody>
+          <a:bodyPr/>
+          <a:lstStyle/>
+          <a:p>
+            <a:endParaRPr lang="en-US"/>
+          </a:p>
+        </p:txBody>
+      </p:sp>
+      <p:sp>
+        <p:nvSpPr>
+          <p:cNvPr id="3" name="Content Placeholder 2"/>
+          <p:cNvSpPr>
+            <a:spLocks noGrp="1"/>
+          </p:cNvSpPr>
+          <p:nvPr>
+            <p:ph idx="1"/>
+          </p:nvPr>
+        </p:nvSpPr>
+        <p:spPr/>
+        <p:txBody>
+          <a:bodyPr/>
+          <a:lstStyle/>
+          <a:p>
+            <a:endParaRPr lang="en-US"/>
+          </a:p>
+        </p:txBody>
+      </p:sp>
+      <p:sp>
+        <p:nvSpPr>
+          <p:cNvPr id="4" name="Footer Placeholder 3"/>
+          <p:cNvSpPr>
+            <a:spLocks noGrp="1"/>
+          </p:cNvSpPr>
+          <p:nvPr>
+            <p:ph type="ftr" sz="quarter" idx="11"/>
+          </p:nvPr>
+        </p:nvSpPr>
+        <p:spPr/>
+        <p:txBody>
+          <a:bodyPr/>
+          <a:lstStyle/>
+          <a:p>
+            <a:r>
+              <a:rPr lang="en-US" smtClean="0"/>
+              <a:t>Python Projects on Optimization;By Tanmoy Das (Industrial Engineer &amp; Jr. Data Scientist)</a:t>
+            </a:r>
+            <a:endParaRPr lang="en-US"/>
+          </a:p>
+        </p:txBody>
+      </p:sp>
+      <p:pic>
+        <p:nvPicPr>
+          <p:cNvPr id="5" name="Picture 4"/>
+          <p:cNvPicPr>
+            <a:picLocks noChangeAspect="1"/>
+          </p:cNvPicPr>
+          <p:nvPr/>
+        </p:nvPicPr>
+        <p:blipFill>
+          <a:blip r:embed="rId2"/>
+          <a:stretch>
+            <a:fillRect/>
+          </a:stretch>
+        </p:blipFill>
+        <p:spPr>
+          <a:xfrm>
+            <a:off x="1709590" y="349359"/>
+            <a:ext cx="8320544" cy="5811838"/>
+          </a:xfrm>
+          <a:prstGeom prst="rect">
+            <a:avLst/>
+          </a:prstGeom>
+        </p:spPr>
+      </p:pic>
+    </p:spTree>
+    <p:extLst>
+      <p:ext uri="{BB962C8B-B14F-4D97-AF65-F5344CB8AC3E}">
+        <p14:creationId xmlns:p14="http://schemas.microsoft.com/office/powerpoint/2010/main" val="2347109011"/>
       </p:ext>
     </p:extLst>
   </p:cSld>
@@ -3239,6 +5662,3150 @@
 </file>
 
 <file path=ppt/slides/slide3.xml><?xml version="1.0" encoding="utf-8"?>
+<p:sld xmlns:a="http://schemas.openxmlformats.org/drawingml/2006/main" xmlns:r="http://schemas.openxmlformats.org/officeDocument/2006/relationships" xmlns:p="http://schemas.openxmlformats.org/presentationml/2006/main">
+  <p:cSld>
+    <p:spTree>
+      <p:nvGrpSpPr>
+        <p:cNvPr id="1" name=""/>
+        <p:cNvGrpSpPr/>
+        <p:nvPr/>
+      </p:nvGrpSpPr>
+      <p:grpSpPr>
+        <a:xfrm>
+          <a:off x="0" y="0"/>
+          <a:ext cx="0" cy="0"/>
+          <a:chOff x="0" y="0"/>
+          <a:chExt cx="0" cy="0"/>
+        </a:xfrm>
+      </p:grpSpPr>
+      <p:sp>
+        <p:nvSpPr>
+          <p:cNvPr id="2" name="Title 1"/>
+          <p:cNvSpPr>
+            <a:spLocks noGrp="1"/>
+          </p:cNvSpPr>
+          <p:nvPr>
+            <p:ph type="title"/>
+          </p:nvPr>
+        </p:nvSpPr>
+        <p:spPr>
+          <a:xfrm>
+            <a:off x="742665" y="1607071"/>
+            <a:ext cx="10515600" cy="1325563"/>
+          </a:xfrm>
+        </p:spPr>
+        <p:txBody>
+          <a:bodyPr>
+            <a:noAutofit/>
+          </a:bodyPr>
+          <a:lstStyle/>
+          <a:p>
+            <a:pPr algn="ctr"/>
+            <a:r>
+              <a:rPr lang="en-US" sz="8000" b="1" dirty="0" smtClean="0">
+                <a:solidFill>
+                  <a:srgbClr val="FF0000"/>
+                </a:solidFill>
+              </a:rPr>
+              <a:t>Travelling Salesman Problem</a:t>
+            </a:r>
+            <a:endParaRPr lang="en-US" sz="8000" b="1" dirty="0">
+              <a:solidFill>
+                <a:srgbClr val="FF0000"/>
+              </a:solidFill>
+            </a:endParaRPr>
+          </a:p>
+        </p:txBody>
+      </p:sp>
+      <p:sp>
+        <p:nvSpPr>
+          <p:cNvPr id="4" name="Footer Placeholder 3"/>
+          <p:cNvSpPr>
+            <a:spLocks noGrp="1"/>
+          </p:cNvSpPr>
+          <p:nvPr>
+            <p:ph type="ftr" sz="quarter" idx="11"/>
+          </p:nvPr>
+        </p:nvSpPr>
+        <p:spPr>
+          <a:xfrm>
+            <a:off x="2881383" y="6015156"/>
+            <a:ext cx="6429233" cy="365125"/>
+          </a:xfrm>
+        </p:spPr>
+        <p:txBody>
+          <a:bodyPr/>
+          <a:lstStyle/>
+          <a:p>
+            <a:r>
+              <a:rPr lang="en-US" dirty="0" smtClean="0"/>
+              <a:t>Python Projects on Optimization; By Tanmoy Das (Industrial Engineer &amp; Jr. Data Scientist)</a:t>
+            </a:r>
+            <a:endParaRPr lang="en-US" dirty="0"/>
+          </a:p>
+        </p:txBody>
+      </p:sp>
+    </p:spTree>
+    <p:extLst>
+      <p:ext uri="{BB962C8B-B14F-4D97-AF65-F5344CB8AC3E}">
+        <p14:creationId xmlns:p14="http://schemas.microsoft.com/office/powerpoint/2010/main" val="1136382376"/>
+      </p:ext>
+    </p:extLst>
+  </p:cSld>
+  <p:clrMapOvr>
+    <a:masterClrMapping/>
+  </p:clrMapOvr>
+  <p:timing>
+    <p:tnLst>
+      <p:par>
+        <p:cTn id="1" dur="indefinite" restart="never" nodeType="tmRoot"/>
+      </p:par>
+    </p:tnLst>
+  </p:timing>
+</p:sld>
+</file>
+
+<file path=ppt/slides/slide4.xml><?xml version="1.0" encoding="utf-8"?>
+<p:sld xmlns:a="http://schemas.openxmlformats.org/drawingml/2006/main" xmlns:r="http://schemas.openxmlformats.org/officeDocument/2006/relationships" xmlns:p="http://schemas.openxmlformats.org/presentationml/2006/main">
+  <p:cSld>
+    <p:spTree>
+      <p:nvGrpSpPr>
+        <p:cNvPr id="1" name=""/>
+        <p:cNvGrpSpPr/>
+        <p:nvPr/>
+      </p:nvGrpSpPr>
+      <p:grpSpPr>
+        <a:xfrm>
+          <a:off x="0" y="0"/>
+          <a:ext cx="0" cy="0"/>
+          <a:chOff x="0" y="0"/>
+          <a:chExt cx="0" cy="0"/>
+        </a:xfrm>
+      </p:grpSpPr>
+      <p:sp>
+        <p:nvSpPr>
+          <p:cNvPr id="2" name="Title 1"/>
+          <p:cNvSpPr>
+            <a:spLocks noGrp="1"/>
+          </p:cNvSpPr>
+          <p:nvPr>
+            <p:ph type="title"/>
+          </p:nvPr>
+        </p:nvSpPr>
+        <p:spPr/>
+        <p:txBody>
+          <a:bodyPr/>
+          <a:lstStyle/>
+          <a:p>
+            <a:endParaRPr lang="en-US"/>
+          </a:p>
+        </p:txBody>
+      </p:sp>
+      <p:pic>
+        <p:nvPicPr>
+          <p:cNvPr id="5" name="Content Placeholder 4"/>
+          <p:cNvPicPr>
+            <a:picLocks noGrp="1" noChangeAspect="1"/>
+          </p:cNvPicPr>
+          <p:nvPr>
+            <p:ph idx="1"/>
+          </p:nvPr>
+        </p:nvPicPr>
+        <p:blipFill>
+          <a:blip r:embed="rId2">
+            <a:extLst>
+              <a:ext uri="{28A0092B-C50C-407E-A947-70E740481C1C}">
+                <a14:useLocalDpi xmlns:a14="http://schemas.microsoft.com/office/drawing/2010/main" val="0"/>
+              </a:ext>
+            </a:extLst>
+          </a:blip>
+          <a:stretch>
+            <a:fillRect/>
+          </a:stretch>
+        </p:blipFill>
+        <p:spPr>
+          <a:xfrm>
+            <a:off x="1665027" y="13526"/>
+            <a:ext cx="8869340" cy="6844474"/>
+          </a:xfrm>
+        </p:spPr>
+      </p:pic>
+      <p:sp>
+        <p:nvSpPr>
+          <p:cNvPr id="4" name="Footer Placeholder 3"/>
+          <p:cNvSpPr>
+            <a:spLocks noGrp="1"/>
+          </p:cNvSpPr>
+          <p:nvPr>
+            <p:ph type="ftr" sz="quarter" idx="11"/>
+          </p:nvPr>
+        </p:nvSpPr>
+        <p:spPr/>
+        <p:txBody>
+          <a:bodyPr/>
+          <a:lstStyle/>
+          <a:p>
+            <a:r>
+              <a:rPr lang="en-US" smtClean="0"/>
+              <a:t>Python Projects on Optimization;By Tanmoy Das (Industrial Engineer &amp; Jr. Data Scientist)</a:t>
+            </a:r>
+            <a:endParaRPr lang="en-US"/>
+          </a:p>
+        </p:txBody>
+      </p:sp>
+    </p:spTree>
+    <p:extLst>
+      <p:ext uri="{BB962C8B-B14F-4D97-AF65-F5344CB8AC3E}">
+        <p14:creationId xmlns:p14="http://schemas.microsoft.com/office/powerpoint/2010/main" val="2742363501"/>
+      </p:ext>
+    </p:extLst>
+  </p:cSld>
+  <p:clrMapOvr>
+    <a:masterClrMapping/>
+  </p:clrMapOvr>
+  <p:timing>
+    <p:tnLst>
+      <p:par>
+        <p:cTn id="1" dur="indefinite" restart="never" nodeType="tmRoot"/>
+      </p:par>
+    </p:tnLst>
+  </p:timing>
+</p:sld>
+</file>
+
+<file path=ppt/slides/slide5.xml><?xml version="1.0" encoding="utf-8"?>
+<p:sld xmlns:a="http://schemas.openxmlformats.org/drawingml/2006/main" xmlns:r="http://schemas.openxmlformats.org/officeDocument/2006/relationships" xmlns:p="http://schemas.openxmlformats.org/presentationml/2006/main">
+  <p:cSld>
+    <p:spTree>
+      <p:nvGrpSpPr>
+        <p:cNvPr id="1" name=""/>
+        <p:cNvGrpSpPr/>
+        <p:nvPr/>
+      </p:nvGrpSpPr>
+      <p:grpSpPr>
+        <a:xfrm>
+          <a:off x="0" y="0"/>
+          <a:ext cx="0" cy="0"/>
+          <a:chOff x="0" y="0"/>
+          <a:chExt cx="0" cy="0"/>
+        </a:xfrm>
+      </p:grpSpPr>
+      <p:sp>
+        <p:nvSpPr>
+          <p:cNvPr id="2" name="Title 1"/>
+          <p:cNvSpPr>
+            <a:spLocks noGrp="1"/>
+          </p:cNvSpPr>
+          <p:nvPr>
+            <p:ph type="title"/>
+          </p:nvPr>
+        </p:nvSpPr>
+        <p:spPr/>
+        <p:txBody>
+          <a:bodyPr/>
+          <a:lstStyle/>
+          <a:p>
+            <a:endParaRPr lang="en-US"/>
+          </a:p>
+        </p:txBody>
+      </p:sp>
+      <p:sp>
+        <p:nvSpPr>
+          <p:cNvPr id="3" name="Content Placeholder 2"/>
+          <p:cNvSpPr>
+            <a:spLocks noGrp="1"/>
+          </p:cNvSpPr>
+          <p:nvPr>
+            <p:ph idx="1"/>
+          </p:nvPr>
+        </p:nvSpPr>
+        <p:spPr/>
+        <p:txBody>
+          <a:bodyPr/>
+          <a:lstStyle/>
+          <a:p>
+            <a:endParaRPr lang="en-US" dirty="0"/>
+          </a:p>
+        </p:txBody>
+      </p:sp>
+      <p:pic>
+        <p:nvPicPr>
+          <p:cNvPr id="4" name="Picture 3"/>
+          <p:cNvPicPr>
+            <a:picLocks noChangeAspect="1"/>
+          </p:cNvPicPr>
+          <p:nvPr/>
+        </p:nvPicPr>
+        <p:blipFill>
+          <a:blip r:embed="rId2"/>
+          <a:stretch>
+            <a:fillRect/>
+          </a:stretch>
+        </p:blipFill>
+        <p:spPr>
+          <a:xfrm>
+            <a:off x="1652566" y="-736979"/>
+            <a:ext cx="9841876" cy="7594979"/>
+          </a:xfrm>
+          <a:prstGeom prst="rect">
+            <a:avLst/>
+          </a:prstGeom>
+        </p:spPr>
+      </p:pic>
+      <p:sp>
+        <p:nvSpPr>
+          <p:cNvPr id="5" name="Oval 4"/>
+          <p:cNvSpPr/>
+          <p:nvPr/>
+        </p:nvSpPr>
+        <p:spPr>
+          <a:xfrm>
+            <a:off x="8379725" y="3630304"/>
+            <a:ext cx="805218" cy="709684"/>
+          </a:xfrm>
+          <a:prstGeom prst="ellipse">
+            <a:avLst/>
+          </a:prstGeom>
+          <a:solidFill>
+            <a:srgbClr val="FF0000"/>
+          </a:solidFill>
+        </p:spPr>
+        <p:style>
+          <a:lnRef idx="1">
+            <a:schemeClr val="accent4"/>
+          </a:lnRef>
+          <a:fillRef idx="2">
+            <a:schemeClr val="accent4"/>
+          </a:fillRef>
+          <a:effectRef idx="1">
+            <a:schemeClr val="accent4"/>
+          </a:effectRef>
+          <a:fontRef idx="minor">
+            <a:schemeClr val="dk1"/>
+          </a:fontRef>
+        </p:style>
+        <p:txBody>
+          <a:bodyPr rtlCol="0" anchor="ctr"/>
+          <a:lstStyle/>
+          <a:p>
+            <a:pPr algn="ctr"/>
+            <a:r>
+              <a:rPr lang="en-US" sz="1600" b="1" dirty="0" err="1" smtClean="0">
+                <a:solidFill>
+                  <a:schemeClr val="bg1"/>
+                </a:solidFill>
+              </a:rPr>
+              <a:t>Dhk</a:t>
+            </a:r>
+            <a:endParaRPr lang="en-US" sz="1600" b="1" dirty="0">
+              <a:solidFill>
+                <a:schemeClr val="bg1"/>
+              </a:solidFill>
+            </a:endParaRPr>
+          </a:p>
+        </p:txBody>
+      </p:sp>
+      <p:sp>
+        <p:nvSpPr>
+          <p:cNvPr id="6" name="Oval 5"/>
+          <p:cNvSpPr/>
+          <p:nvPr/>
+        </p:nvSpPr>
+        <p:spPr>
+          <a:xfrm>
+            <a:off x="6669038" y="2792792"/>
+            <a:ext cx="805218" cy="709684"/>
+          </a:xfrm>
+          <a:prstGeom prst="ellipse">
+            <a:avLst/>
+          </a:prstGeom>
+          <a:solidFill>
+            <a:srgbClr val="FF0000"/>
+          </a:solidFill>
+        </p:spPr>
+        <p:style>
+          <a:lnRef idx="1">
+            <a:schemeClr val="accent4"/>
+          </a:lnRef>
+          <a:fillRef idx="2">
+            <a:schemeClr val="accent4"/>
+          </a:fillRef>
+          <a:effectRef idx="1">
+            <a:schemeClr val="accent4"/>
+          </a:effectRef>
+          <a:fontRef idx="minor">
+            <a:schemeClr val="dk1"/>
+          </a:fontRef>
+        </p:style>
+        <p:txBody>
+          <a:bodyPr rtlCol="0" anchor="ctr"/>
+          <a:lstStyle/>
+          <a:p>
+            <a:pPr algn="ctr"/>
+            <a:r>
+              <a:rPr lang="en-US" b="1" dirty="0" smtClean="0">
+                <a:solidFill>
+                  <a:schemeClr val="bg1"/>
+                </a:solidFill>
+              </a:rPr>
+              <a:t>Raj</a:t>
+            </a:r>
+            <a:endParaRPr lang="en-US" b="1" dirty="0">
+              <a:solidFill>
+                <a:schemeClr val="bg1"/>
+              </a:solidFill>
+            </a:endParaRPr>
+          </a:p>
+        </p:txBody>
+      </p:sp>
+      <p:sp>
+        <p:nvSpPr>
+          <p:cNvPr id="7" name="Oval 6"/>
+          <p:cNvSpPr/>
+          <p:nvPr/>
+        </p:nvSpPr>
+        <p:spPr>
+          <a:xfrm>
+            <a:off x="6669038" y="1599525"/>
+            <a:ext cx="805218" cy="709684"/>
+          </a:xfrm>
+          <a:prstGeom prst="ellipse">
+            <a:avLst/>
+          </a:prstGeom>
+          <a:solidFill>
+            <a:srgbClr val="FF0000"/>
+          </a:solidFill>
+        </p:spPr>
+        <p:style>
+          <a:lnRef idx="1">
+            <a:schemeClr val="accent4"/>
+          </a:lnRef>
+          <a:fillRef idx="2">
+            <a:schemeClr val="accent4"/>
+          </a:fillRef>
+          <a:effectRef idx="1">
+            <a:schemeClr val="accent4"/>
+          </a:effectRef>
+          <a:fontRef idx="minor">
+            <a:schemeClr val="dk1"/>
+          </a:fontRef>
+        </p:style>
+        <p:txBody>
+          <a:bodyPr rtlCol="0" anchor="ctr"/>
+          <a:lstStyle/>
+          <a:p>
+            <a:pPr algn="ctr"/>
+            <a:r>
+              <a:rPr lang="en-US" b="1" dirty="0" err="1" smtClean="0">
+                <a:solidFill>
+                  <a:schemeClr val="bg1"/>
+                </a:solidFill>
+              </a:rPr>
+              <a:t>Dnj</a:t>
+            </a:r>
+            <a:endParaRPr lang="en-US" b="1" dirty="0">
+              <a:solidFill>
+                <a:schemeClr val="bg1"/>
+              </a:solidFill>
+            </a:endParaRPr>
+          </a:p>
+        </p:txBody>
+      </p:sp>
+      <p:sp>
+        <p:nvSpPr>
+          <p:cNvPr id="8" name="Oval 7"/>
+          <p:cNvSpPr/>
+          <p:nvPr/>
+        </p:nvSpPr>
+        <p:spPr>
+          <a:xfrm>
+            <a:off x="7574507" y="4724399"/>
+            <a:ext cx="805218" cy="709684"/>
+          </a:xfrm>
+          <a:prstGeom prst="ellipse">
+            <a:avLst/>
+          </a:prstGeom>
+          <a:solidFill>
+            <a:srgbClr val="FF0000"/>
+          </a:solidFill>
+        </p:spPr>
+        <p:style>
+          <a:lnRef idx="1">
+            <a:schemeClr val="accent4"/>
+          </a:lnRef>
+          <a:fillRef idx="2">
+            <a:schemeClr val="accent4"/>
+          </a:fillRef>
+          <a:effectRef idx="1">
+            <a:schemeClr val="accent4"/>
+          </a:effectRef>
+          <a:fontRef idx="minor">
+            <a:schemeClr val="dk1"/>
+          </a:fontRef>
+        </p:style>
+        <p:txBody>
+          <a:bodyPr rtlCol="0" anchor="ctr"/>
+          <a:lstStyle/>
+          <a:p>
+            <a:pPr algn="ctr"/>
+            <a:r>
+              <a:rPr lang="en-US" b="1" dirty="0" err="1" smtClean="0">
+                <a:solidFill>
+                  <a:schemeClr val="bg1"/>
+                </a:solidFill>
+              </a:rPr>
+              <a:t>Jsr</a:t>
+            </a:r>
+            <a:endParaRPr lang="en-US" b="1" dirty="0">
+              <a:solidFill>
+                <a:schemeClr val="bg1"/>
+              </a:solidFill>
+            </a:endParaRPr>
+          </a:p>
+        </p:txBody>
+      </p:sp>
+      <p:sp>
+        <p:nvSpPr>
+          <p:cNvPr id="9" name="Oval 8"/>
+          <p:cNvSpPr/>
+          <p:nvPr/>
+        </p:nvSpPr>
+        <p:spPr>
+          <a:xfrm>
+            <a:off x="10356936" y="5957058"/>
+            <a:ext cx="805218" cy="709684"/>
+          </a:xfrm>
+          <a:prstGeom prst="ellipse">
+            <a:avLst/>
+          </a:prstGeom>
+          <a:solidFill>
+            <a:srgbClr val="FF0000"/>
+          </a:solidFill>
+        </p:spPr>
+        <p:style>
+          <a:lnRef idx="1">
+            <a:schemeClr val="accent4"/>
+          </a:lnRef>
+          <a:fillRef idx="2">
+            <a:schemeClr val="accent4"/>
+          </a:fillRef>
+          <a:effectRef idx="1">
+            <a:schemeClr val="accent4"/>
+          </a:effectRef>
+          <a:fontRef idx="minor">
+            <a:schemeClr val="dk1"/>
+          </a:fontRef>
+        </p:style>
+        <p:txBody>
+          <a:bodyPr rtlCol="0" anchor="ctr"/>
+          <a:lstStyle/>
+          <a:p>
+            <a:pPr algn="ctr"/>
+            <a:r>
+              <a:rPr lang="en-US" b="1" dirty="0" smtClean="0">
+                <a:solidFill>
+                  <a:schemeClr val="bg1"/>
+                </a:solidFill>
+              </a:rPr>
+              <a:t>Cox</a:t>
+            </a:r>
+            <a:endParaRPr lang="en-US" b="1" dirty="0">
+              <a:solidFill>
+                <a:schemeClr val="bg1"/>
+              </a:solidFill>
+            </a:endParaRPr>
+          </a:p>
+        </p:txBody>
+      </p:sp>
+      <p:sp>
+        <p:nvSpPr>
+          <p:cNvPr id="10" name="Oval 9"/>
+          <p:cNvSpPr/>
+          <p:nvPr/>
+        </p:nvSpPr>
+        <p:spPr>
+          <a:xfrm>
+            <a:off x="10356936" y="4921179"/>
+            <a:ext cx="805218" cy="709684"/>
+          </a:xfrm>
+          <a:prstGeom prst="ellipse">
+            <a:avLst/>
+          </a:prstGeom>
+          <a:solidFill>
+            <a:srgbClr val="FF0000"/>
+          </a:solidFill>
+        </p:spPr>
+        <p:style>
+          <a:lnRef idx="1">
+            <a:schemeClr val="accent4"/>
+          </a:lnRef>
+          <a:fillRef idx="2">
+            <a:schemeClr val="accent4"/>
+          </a:fillRef>
+          <a:effectRef idx="1">
+            <a:schemeClr val="accent4"/>
+          </a:effectRef>
+          <a:fontRef idx="minor">
+            <a:schemeClr val="dk1"/>
+          </a:fontRef>
+        </p:style>
+        <p:txBody>
+          <a:bodyPr rtlCol="0" anchor="ctr"/>
+          <a:lstStyle/>
+          <a:p>
+            <a:pPr algn="ctr"/>
+            <a:r>
+              <a:rPr lang="en-US" b="1" dirty="0" err="1" smtClean="0">
+                <a:solidFill>
+                  <a:schemeClr val="bg1"/>
+                </a:solidFill>
+              </a:rPr>
+              <a:t>Cht</a:t>
+            </a:r>
+            <a:endParaRPr lang="en-US" b="1" dirty="0">
+              <a:solidFill>
+                <a:schemeClr val="bg1"/>
+              </a:solidFill>
+            </a:endParaRPr>
+          </a:p>
+        </p:txBody>
+      </p:sp>
+      <p:sp>
+        <p:nvSpPr>
+          <p:cNvPr id="11" name="Oval 10"/>
+          <p:cNvSpPr/>
+          <p:nvPr/>
+        </p:nvSpPr>
+        <p:spPr>
+          <a:xfrm>
+            <a:off x="10072248" y="2246692"/>
+            <a:ext cx="805218" cy="709684"/>
+          </a:xfrm>
+          <a:prstGeom prst="ellipse">
+            <a:avLst/>
+          </a:prstGeom>
+          <a:solidFill>
+            <a:srgbClr val="FF0000"/>
+          </a:solidFill>
+        </p:spPr>
+        <p:style>
+          <a:lnRef idx="1">
+            <a:schemeClr val="accent4"/>
+          </a:lnRef>
+          <a:fillRef idx="2">
+            <a:schemeClr val="accent4"/>
+          </a:fillRef>
+          <a:effectRef idx="1">
+            <a:schemeClr val="accent4"/>
+          </a:effectRef>
+          <a:fontRef idx="minor">
+            <a:schemeClr val="dk1"/>
+          </a:fontRef>
+        </p:style>
+        <p:txBody>
+          <a:bodyPr rtlCol="0" anchor="ctr"/>
+          <a:lstStyle/>
+          <a:p>
+            <a:pPr algn="ctr"/>
+            <a:r>
+              <a:rPr lang="en-US" b="1" dirty="0" err="1" smtClean="0">
+                <a:solidFill>
+                  <a:schemeClr val="bg1"/>
+                </a:solidFill>
+              </a:rPr>
+              <a:t>Slt</a:t>
+            </a:r>
+            <a:endParaRPr lang="en-US" b="1" dirty="0">
+              <a:solidFill>
+                <a:schemeClr val="bg1"/>
+              </a:solidFill>
+            </a:endParaRPr>
+          </a:p>
+        </p:txBody>
+      </p:sp>
+      <p:sp>
+        <p:nvSpPr>
+          <p:cNvPr id="12" name="Oval 11"/>
+          <p:cNvSpPr/>
+          <p:nvPr/>
+        </p:nvSpPr>
+        <p:spPr>
+          <a:xfrm>
+            <a:off x="9464153" y="3291610"/>
+            <a:ext cx="805218" cy="709684"/>
+          </a:xfrm>
+          <a:prstGeom prst="ellipse">
+            <a:avLst/>
+          </a:prstGeom>
+          <a:solidFill>
+            <a:srgbClr val="FF0000"/>
+          </a:solidFill>
+        </p:spPr>
+        <p:style>
+          <a:lnRef idx="1">
+            <a:schemeClr val="accent4"/>
+          </a:lnRef>
+          <a:fillRef idx="2">
+            <a:schemeClr val="accent4"/>
+          </a:fillRef>
+          <a:effectRef idx="1">
+            <a:schemeClr val="accent4"/>
+          </a:effectRef>
+          <a:fontRef idx="minor">
+            <a:schemeClr val="dk1"/>
+          </a:fontRef>
+        </p:style>
+        <p:txBody>
+          <a:bodyPr rtlCol="0" anchor="ctr"/>
+          <a:lstStyle/>
+          <a:p>
+            <a:pPr algn="ctr"/>
+            <a:r>
+              <a:rPr lang="en-US" sz="1600" b="1" dirty="0" err="1" smtClean="0">
+                <a:solidFill>
+                  <a:schemeClr val="bg1"/>
+                </a:solidFill>
+              </a:rPr>
+              <a:t>Nsd</a:t>
+            </a:r>
+            <a:endParaRPr lang="en-US" sz="1600" b="1" dirty="0">
+              <a:solidFill>
+                <a:schemeClr val="bg1"/>
+              </a:solidFill>
+            </a:endParaRPr>
+          </a:p>
+        </p:txBody>
+      </p:sp>
+      <p:cxnSp>
+        <p:nvCxnSpPr>
+          <p:cNvPr id="14" name="Straight Arrow Connector 13"/>
+          <p:cNvCxnSpPr>
+            <a:endCxn id="6" idx="5"/>
+          </p:cNvCxnSpPr>
+          <p:nvPr/>
+        </p:nvCxnSpPr>
+        <p:spPr>
+          <a:xfrm flipH="1" flipV="1">
+            <a:off x="7356335" y="3398545"/>
+            <a:ext cx="1068037" cy="488342"/>
+          </a:xfrm>
+          <a:prstGeom prst="straightConnector1">
+            <a:avLst/>
+          </a:prstGeom>
+          <a:ln w="76200">
+            <a:solidFill>
+              <a:srgbClr val="FF0000"/>
+            </a:solidFill>
+            <a:tailEnd type="triangle"/>
+          </a:ln>
+        </p:spPr>
+        <p:style>
+          <a:lnRef idx="3">
+            <a:schemeClr val="dk1"/>
+          </a:lnRef>
+          <a:fillRef idx="0">
+            <a:schemeClr val="dk1"/>
+          </a:fillRef>
+          <a:effectRef idx="2">
+            <a:schemeClr val="dk1"/>
+          </a:effectRef>
+          <a:fontRef idx="minor">
+            <a:schemeClr val="tx1"/>
+          </a:fontRef>
+        </p:style>
+      </p:cxnSp>
+      <p:cxnSp>
+        <p:nvCxnSpPr>
+          <p:cNvPr id="16" name="Straight Arrow Connector 15"/>
+          <p:cNvCxnSpPr/>
+          <p:nvPr/>
+        </p:nvCxnSpPr>
+        <p:spPr>
+          <a:xfrm flipH="1" flipV="1">
+            <a:off x="6921260" y="2266694"/>
+            <a:ext cx="89299" cy="513330"/>
+          </a:xfrm>
+          <a:prstGeom prst="straightConnector1">
+            <a:avLst/>
+          </a:prstGeom>
+          <a:ln w="76200">
+            <a:solidFill>
+              <a:srgbClr val="FF0000"/>
+            </a:solidFill>
+            <a:tailEnd type="triangle"/>
+          </a:ln>
+        </p:spPr>
+        <p:style>
+          <a:lnRef idx="3">
+            <a:schemeClr val="dk1"/>
+          </a:lnRef>
+          <a:fillRef idx="0">
+            <a:schemeClr val="dk1"/>
+          </a:fillRef>
+          <a:effectRef idx="2">
+            <a:schemeClr val="dk1"/>
+          </a:effectRef>
+          <a:fontRef idx="minor">
+            <a:schemeClr val="tx1"/>
+          </a:fontRef>
+        </p:style>
+      </p:cxnSp>
+      <p:cxnSp>
+        <p:nvCxnSpPr>
+          <p:cNvPr id="17" name="Straight Arrow Connector 16"/>
+          <p:cNvCxnSpPr/>
+          <p:nvPr/>
+        </p:nvCxnSpPr>
+        <p:spPr>
+          <a:xfrm>
+            <a:off x="7165972" y="2246656"/>
+            <a:ext cx="472841" cy="2523489"/>
+          </a:xfrm>
+          <a:prstGeom prst="straightConnector1">
+            <a:avLst/>
+          </a:prstGeom>
+          <a:ln w="76200">
+            <a:solidFill>
+              <a:srgbClr val="FF0000"/>
+            </a:solidFill>
+            <a:tailEnd type="triangle"/>
+          </a:ln>
+        </p:spPr>
+        <p:style>
+          <a:lnRef idx="3">
+            <a:schemeClr val="dk1"/>
+          </a:lnRef>
+          <a:fillRef idx="0">
+            <a:schemeClr val="dk1"/>
+          </a:fillRef>
+          <a:effectRef idx="2">
+            <a:schemeClr val="dk1"/>
+          </a:effectRef>
+          <a:fontRef idx="minor">
+            <a:schemeClr val="tx1"/>
+          </a:fontRef>
+        </p:style>
+      </p:cxnSp>
+      <p:cxnSp>
+        <p:nvCxnSpPr>
+          <p:cNvPr id="18" name="Straight Arrow Connector 17"/>
+          <p:cNvCxnSpPr>
+            <a:stCxn id="8" idx="5"/>
+          </p:cNvCxnSpPr>
+          <p:nvPr/>
+        </p:nvCxnSpPr>
+        <p:spPr>
+          <a:xfrm>
+            <a:off x="8261804" y="5330152"/>
+            <a:ext cx="2095132" cy="1224652"/>
+          </a:xfrm>
+          <a:prstGeom prst="straightConnector1">
+            <a:avLst/>
+          </a:prstGeom>
+          <a:ln w="76200">
+            <a:solidFill>
+              <a:srgbClr val="FF0000"/>
+            </a:solidFill>
+            <a:tailEnd type="triangle"/>
+          </a:ln>
+        </p:spPr>
+        <p:style>
+          <a:lnRef idx="3">
+            <a:schemeClr val="dk1"/>
+          </a:lnRef>
+          <a:fillRef idx="0">
+            <a:schemeClr val="dk1"/>
+          </a:fillRef>
+          <a:effectRef idx="2">
+            <a:schemeClr val="dk1"/>
+          </a:effectRef>
+          <a:fontRef idx="minor">
+            <a:schemeClr val="tx1"/>
+          </a:fontRef>
+        </p:style>
+      </p:cxnSp>
+      <p:cxnSp>
+        <p:nvCxnSpPr>
+          <p:cNvPr id="19" name="Straight Arrow Connector 18"/>
+          <p:cNvCxnSpPr>
+            <a:endCxn id="10" idx="3"/>
+          </p:cNvCxnSpPr>
+          <p:nvPr/>
+        </p:nvCxnSpPr>
+        <p:spPr>
+          <a:xfrm flipH="1" flipV="1">
+            <a:off x="10474857" y="5526932"/>
+            <a:ext cx="169151" cy="512904"/>
+          </a:xfrm>
+          <a:prstGeom prst="straightConnector1">
+            <a:avLst/>
+          </a:prstGeom>
+          <a:ln w="76200">
+            <a:solidFill>
+              <a:srgbClr val="FF0000"/>
+            </a:solidFill>
+            <a:tailEnd type="triangle"/>
+          </a:ln>
+        </p:spPr>
+        <p:style>
+          <a:lnRef idx="3">
+            <a:schemeClr val="dk1"/>
+          </a:lnRef>
+          <a:fillRef idx="0">
+            <a:schemeClr val="dk1"/>
+          </a:fillRef>
+          <a:effectRef idx="2">
+            <a:schemeClr val="dk1"/>
+          </a:effectRef>
+          <a:fontRef idx="minor">
+            <a:schemeClr val="tx1"/>
+          </a:fontRef>
+        </p:style>
+      </p:cxnSp>
+      <p:cxnSp>
+        <p:nvCxnSpPr>
+          <p:cNvPr id="20" name="Straight Arrow Connector 19"/>
+          <p:cNvCxnSpPr/>
+          <p:nvPr/>
+        </p:nvCxnSpPr>
+        <p:spPr>
+          <a:xfrm flipV="1">
+            <a:off x="10356936" y="2727965"/>
+            <a:ext cx="0" cy="2351079"/>
+          </a:xfrm>
+          <a:prstGeom prst="straightConnector1">
+            <a:avLst/>
+          </a:prstGeom>
+          <a:ln w="76200">
+            <a:solidFill>
+              <a:srgbClr val="FF0000"/>
+            </a:solidFill>
+            <a:tailEnd type="triangle"/>
+          </a:ln>
+        </p:spPr>
+        <p:style>
+          <a:lnRef idx="3">
+            <a:schemeClr val="dk1"/>
+          </a:lnRef>
+          <a:fillRef idx="0">
+            <a:schemeClr val="dk1"/>
+          </a:fillRef>
+          <a:effectRef idx="2">
+            <a:schemeClr val="dk1"/>
+          </a:effectRef>
+          <a:fontRef idx="minor">
+            <a:schemeClr val="tx1"/>
+          </a:fontRef>
+        </p:style>
+      </p:cxnSp>
+      <p:cxnSp>
+        <p:nvCxnSpPr>
+          <p:cNvPr id="21" name="Straight Arrow Connector 20"/>
+          <p:cNvCxnSpPr/>
+          <p:nvPr/>
+        </p:nvCxnSpPr>
+        <p:spPr>
+          <a:xfrm flipH="1">
+            <a:off x="9309371" y="2792792"/>
+            <a:ext cx="1015619" cy="849925"/>
+          </a:xfrm>
+          <a:prstGeom prst="straightConnector1">
+            <a:avLst/>
+          </a:prstGeom>
+          <a:ln w="76200">
+            <a:solidFill>
+              <a:srgbClr val="FF0000"/>
+            </a:solidFill>
+            <a:tailEnd type="triangle"/>
+          </a:ln>
+        </p:spPr>
+        <p:style>
+          <a:lnRef idx="3">
+            <a:schemeClr val="dk1"/>
+          </a:lnRef>
+          <a:fillRef idx="0">
+            <a:schemeClr val="dk1"/>
+          </a:fillRef>
+          <a:effectRef idx="2">
+            <a:schemeClr val="dk1"/>
+          </a:effectRef>
+          <a:fontRef idx="minor">
+            <a:schemeClr val="tx1"/>
+          </a:fontRef>
+        </p:style>
+      </p:cxnSp>
+      <p:cxnSp>
+        <p:nvCxnSpPr>
+          <p:cNvPr id="22" name="Straight Arrow Connector 21"/>
+          <p:cNvCxnSpPr>
+            <a:endCxn id="5" idx="7"/>
+          </p:cNvCxnSpPr>
+          <p:nvPr/>
+        </p:nvCxnSpPr>
+        <p:spPr>
+          <a:xfrm flipH="1">
+            <a:off x="9067022" y="3625097"/>
+            <a:ext cx="348714" cy="109138"/>
+          </a:xfrm>
+          <a:prstGeom prst="straightConnector1">
+            <a:avLst/>
+          </a:prstGeom>
+          <a:ln w="76200">
+            <a:solidFill>
+              <a:srgbClr val="FF0000"/>
+            </a:solidFill>
+            <a:tailEnd type="triangle"/>
+          </a:ln>
+        </p:spPr>
+        <p:style>
+          <a:lnRef idx="3">
+            <a:schemeClr val="dk1"/>
+          </a:lnRef>
+          <a:fillRef idx="0">
+            <a:schemeClr val="dk1"/>
+          </a:fillRef>
+          <a:effectRef idx="2">
+            <a:schemeClr val="dk1"/>
+          </a:effectRef>
+          <a:fontRef idx="minor">
+            <a:schemeClr val="tx1"/>
+          </a:fontRef>
+        </p:style>
+      </p:cxnSp>
+    </p:spTree>
+    <p:extLst>
+      <p:ext uri="{BB962C8B-B14F-4D97-AF65-F5344CB8AC3E}">
+        <p14:creationId xmlns:p14="http://schemas.microsoft.com/office/powerpoint/2010/main" val="718182677"/>
+      </p:ext>
+    </p:extLst>
+  </p:cSld>
+  <p:clrMapOvr>
+    <a:masterClrMapping/>
+  </p:clrMapOvr>
+  <p:timing>
+    <p:tnLst>
+      <p:par>
+        <p:cTn id="1" dur="indefinite" restart="never" nodeType="tmRoot">
+          <p:childTnLst>
+            <p:seq concurrent="1" nextAc="seek">
+              <p:cTn id="2" dur="indefinite" nodeType="mainSeq">
+                <p:childTnLst>
+                  <p:par>
+                    <p:cTn id="3" fill="hold">
+                      <p:stCondLst>
+                        <p:cond delay="indefinite"/>
+                      </p:stCondLst>
+                      <p:childTnLst>
+                        <p:par>
+                          <p:cTn id="4" fill="hold">
+                            <p:stCondLst>
+                              <p:cond delay="0"/>
+                            </p:stCondLst>
+                            <p:childTnLst>
+                              <p:par>
+                                <p:cTn id="5" presetID="53" presetClass="entr" presetSubtype="16" fill="hold" grpId="0" nodeType="clickEffect">
+                                  <p:stCondLst>
+                                    <p:cond delay="0"/>
+                                  </p:stCondLst>
+                                  <p:childTnLst>
+                                    <p:set>
+                                      <p:cBhvr>
+                                        <p:cTn id="6" dur="1" fill="hold">
+                                          <p:stCondLst>
+                                            <p:cond delay="0"/>
+                                          </p:stCondLst>
+                                        </p:cTn>
+                                        <p:tgtEl>
+                                          <p:spTgt spid="5"/>
+                                        </p:tgtEl>
+                                        <p:attrNameLst>
+                                          <p:attrName>style.visibility</p:attrName>
+                                        </p:attrNameLst>
+                                      </p:cBhvr>
+                                      <p:to>
+                                        <p:strVal val="visible"/>
+                                      </p:to>
+                                    </p:set>
+                                    <p:anim calcmode="lin" valueType="num">
+                                      <p:cBhvr>
+                                        <p:cTn id="7" dur="500" fill="hold"/>
+                                        <p:tgtEl>
+                                          <p:spTgt spid="5"/>
+                                        </p:tgtEl>
+                                        <p:attrNameLst>
+                                          <p:attrName>ppt_w</p:attrName>
+                                        </p:attrNameLst>
+                                      </p:cBhvr>
+                                      <p:tavLst>
+                                        <p:tav tm="0">
+                                          <p:val>
+                                            <p:fltVal val="0"/>
+                                          </p:val>
+                                        </p:tav>
+                                        <p:tav tm="100000">
+                                          <p:val>
+                                            <p:strVal val="#ppt_w"/>
+                                          </p:val>
+                                        </p:tav>
+                                      </p:tavLst>
+                                    </p:anim>
+                                    <p:anim calcmode="lin" valueType="num">
+                                      <p:cBhvr>
+                                        <p:cTn id="8" dur="500" fill="hold"/>
+                                        <p:tgtEl>
+                                          <p:spTgt spid="5"/>
+                                        </p:tgtEl>
+                                        <p:attrNameLst>
+                                          <p:attrName>ppt_h</p:attrName>
+                                        </p:attrNameLst>
+                                      </p:cBhvr>
+                                      <p:tavLst>
+                                        <p:tav tm="0">
+                                          <p:val>
+                                            <p:fltVal val="0"/>
+                                          </p:val>
+                                        </p:tav>
+                                        <p:tav tm="100000">
+                                          <p:val>
+                                            <p:strVal val="#ppt_h"/>
+                                          </p:val>
+                                        </p:tav>
+                                      </p:tavLst>
+                                    </p:anim>
+                                    <p:animEffect transition="in" filter="fade">
+                                      <p:cBhvr>
+                                        <p:cTn id="9" dur="500"/>
+                                        <p:tgtEl>
+                                          <p:spTgt spid="5"/>
+                                        </p:tgtEl>
+                                      </p:cBhvr>
+                                    </p:animEffect>
+                                  </p:childTnLst>
+                                </p:cTn>
+                              </p:par>
+                            </p:childTnLst>
+                          </p:cTn>
+                        </p:par>
+                      </p:childTnLst>
+                    </p:cTn>
+                  </p:par>
+                  <p:par>
+                    <p:cTn id="10" fill="hold">
+                      <p:stCondLst>
+                        <p:cond delay="indefinite"/>
+                      </p:stCondLst>
+                      <p:childTnLst>
+                        <p:par>
+                          <p:cTn id="11" fill="hold">
+                            <p:stCondLst>
+                              <p:cond delay="0"/>
+                            </p:stCondLst>
+                            <p:childTnLst>
+                              <p:par>
+                                <p:cTn id="12" presetID="53" presetClass="entr" presetSubtype="16" fill="hold" grpId="0" nodeType="clickEffect">
+                                  <p:stCondLst>
+                                    <p:cond delay="0"/>
+                                  </p:stCondLst>
+                                  <p:childTnLst>
+                                    <p:set>
+                                      <p:cBhvr>
+                                        <p:cTn id="13" dur="1" fill="hold">
+                                          <p:stCondLst>
+                                            <p:cond delay="0"/>
+                                          </p:stCondLst>
+                                        </p:cTn>
+                                        <p:tgtEl>
+                                          <p:spTgt spid="6"/>
+                                        </p:tgtEl>
+                                        <p:attrNameLst>
+                                          <p:attrName>style.visibility</p:attrName>
+                                        </p:attrNameLst>
+                                      </p:cBhvr>
+                                      <p:to>
+                                        <p:strVal val="visible"/>
+                                      </p:to>
+                                    </p:set>
+                                    <p:anim calcmode="lin" valueType="num">
+                                      <p:cBhvr>
+                                        <p:cTn id="14" dur="500" fill="hold"/>
+                                        <p:tgtEl>
+                                          <p:spTgt spid="6"/>
+                                        </p:tgtEl>
+                                        <p:attrNameLst>
+                                          <p:attrName>ppt_w</p:attrName>
+                                        </p:attrNameLst>
+                                      </p:cBhvr>
+                                      <p:tavLst>
+                                        <p:tav tm="0">
+                                          <p:val>
+                                            <p:fltVal val="0"/>
+                                          </p:val>
+                                        </p:tav>
+                                        <p:tav tm="100000">
+                                          <p:val>
+                                            <p:strVal val="#ppt_w"/>
+                                          </p:val>
+                                        </p:tav>
+                                      </p:tavLst>
+                                    </p:anim>
+                                    <p:anim calcmode="lin" valueType="num">
+                                      <p:cBhvr>
+                                        <p:cTn id="15" dur="500" fill="hold"/>
+                                        <p:tgtEl>
+                                          <p:spTgt spid="6"/>
+                                        </p:tgtEl>
+                                        <p:attrNameLst>
+                                          <p:attrName>ppt_h</p:attrName>
+                                        </p:attrNameLst>
+                                      </p:cBhvr>
+                                      <p:tavLst>
+                                        <p:tav tm="0">
+                                          <p:val>
+                                            <p:fltVal val="0"/>
+                                          </p:val>
+                                        </p:tav>
+                                        <p:tav tm="100000">
+                                          <p:val>
+                                            <p:strVal val="#ppt_h"/>
+                                          </p:val>
+                                        </p:tav>
+                                      </p:tavLst>
+                                    </p:anim>
+                                    <p:animEffect transition="in" filter="fade">
+                                      <p:cBhvr>
+                                        <p:cTn id="16" dur="500"/>
+                                        <p:tgtEl>
+                                          <p:spTgt spid="6"/>
+                                        </p:tgtEl>
+                                      </p:cBhvr>
+                                    </p:animEffect>
+                                  </p:childTnLst>
+                                </p:cTn>
+                              </p:par>
+                            </p:childTnLst>
+                          </p:cTn>
+                        </p:par>
+                      </p:childTnLst>
+                    </p:cTn>
+                  </p:par>
+                  <p:par>
+                    <p:cTn id="17" fill="hold">
+                      <p:stCondLst>
+                        <p:cond delay="indefinite"/>
+                      </p:stCondLst>
+                      <p:childTnLst>
+                        <p:par>
+                          <p:cTn id="18" fill="hold">
+                            <p:stCondLst>
+                              <p:cond delay="0"/>
+                            </p:stCondLst>
+                            <p:childTnLst>
+                              <p:par>
+                                <p:cTn id="19" presetID="53" presetClass="entr" presetSubtype="16" fill="hold" grpId="0" nodeType="clickEffect">
+                                  <p:stCondLst>
+                                    <p:cond delay="0"/>
+                                  </p:stCondLst>
+                                  <p:childTnLst>
+                                    <p:set>
+                                      <p:cBhvr>
+                                        <p:cTn id="20" dur="1" fill="hold">
+                                          <p:stCondLst>
+                                            <p:cond delay="0"/>
+                                          </p:stCondLst>
+                                        </p:cTn>
+                                        <p:tgtEl>
+                                          <p:spTgt spid="7"/>
+                                        </p:tgtEl>
+                                        <p:attrNameLst>
+                                          <p:attrName>style.visibility</p:attrName>
+                                        </p:attrNameLst>
+                                      </p:cBhvr>
+                                      <p:to>
+                                        <p:strVal val="visible"/>
+                                      </p:to>
+                                    </p:set>
+                                    <p:anim calcmode="lin" valueType="num">
+                                      <p:cBhvr>
+                                        <p:cTn id="21" dur="500" fill="hold"/>
+                                        <p:tgtEl>
+                                          <p:spTgt spid="7"/>
+                                        </p:tgtEl>
+                                        <p:attrNameLst>
+                                          <p:attrName>ppt_w</p:attrName>
+                                        </p:attrNameLst>
+                                      </p:cBhvr>
+                                      <p:tavLst>
+                                        <p:tav tm="0">
+                                          <p:val>
+                                            <p:fltVal val="0"/>
+                                          </p:val>
+                                        </p:tav>
+                                        <p:tav tm="100000">
+                                          <p:val>
+                                            <p:strVal val="#ppt_w"/>
+                                          </p:val>
+                                        </p:tav>
+                                      </p:tavLst>
+                                    </p:anim>
+                                    <p:anim calcmode="lin" valueType="num">
+                                      <p:cBhvr>
+                                        <p:cTn id="22" dur="500" fill="hold"/>
+                                        <p:tgtEl>
+                                          <p:spTgt spid="7"/>
+                                        </p:tgtEl>
+                                        <p:attrNameLst>
+                                          <p:attrName>ppt_h</p:attrName>
+                                        </p:attrNameLst>
+                                      </p:cBhvr>
+                                      <p:tavLst>
+                                        <p:tav tm="0">
+                                          <p:val>
+                                            <p:fltVal val="0"/>
+                                          </p:val>
+                                        </p:tav>
+                                        <p:tav tm="100000">
+                                          <p:val>
+                                            <p:strVal val="#ppt_h"/>
+                                          </p:val>
+                                        </p:tav>
+                                      </p:tavLst>
+                                    </p:anim>
+                                    <p:animEffect transition="in" filter="fade">
+                                      <p:cBhvr>
+                                        <p:cTn id="23" dur="500"/>
+                                        <p:tgtEl>
+                                          <p:spTgt spid="7"/>
+                                        </p:tgtEl>
+                                      </p:cBhvr>
+                                    </p:animEffect>
+                                  </p:childTnLst>
+                                </p:cTn>
+                              </p:par>
+                            </p:childTnLst>
+                          </p:cTn>
+                        </p:par>
+                      </p:childTnLst>
+                    </p:cTn>
+                  </p:par>
+                  <p:par>
+                    <p:cTn id="24" fill="hold">
+                      <p:stCondLst>
+                        <p:cond delay="indefinite"/>
+                      </p:stCondLst>
+                      <p:childTnLst>
+                        <p:par>
+                          <p:cTn id="25" fill="hold">
+                            <p:stCondLst>
+                              <p:cond delay="0"/>
+                            </p:stCondLst>
+                            <p:childTnLst>
+                              <p:par>
+                                <p:cTn id="26" presetID="53" presetClass="entr" presetSubtype="16" fill="hold" grpId="0" nodeType="clickEffect">
+                                  <p:stCondLst>
+                                    <p:cond delay="0"/>
+                                  </p:stCondLst>
+                                  <p:childTnLst>
+                                    <p:set>
+                                      <p:cBhvr>
+                                        <p:cTn id="27" dur="1" fill="hold">
+                                          <p:stCondLst>
+                                            <p:cond delay="0"/>
+                                          </p:stCondLst>
+                                        </p:cTn>
+                                        <p:tgtEl>
+                                          <p:spTgt spid="8"/>
+                                        </p:tgtEl>
+                                        <p:attrNameLst>
+                                          <p:attrName>style.visibility</p:attrName>
+                                        </p:attrNameLst>
+                                      </p:cBhvr>
+                                      <p:to>
+                                        <p:strVal val="visible"/>
+                                      </p:to>
+                                    </p:set>
+                                    <p:anim calcmode="lin" valueType="num">
+                                      <p:cBhvr>
+                                        <p:cTn id="28" dur="500" fill="hold"/>
+                                        <p:tgtEl>
+                                          <p:spTgt spid="8"/>
+                                        </p:tgtEl>
+                                        <p:attrNameLst>
+                                          <p:attrName>ppt_w</p:attrName>
+                                        </p:attrNameLst>
+                                      </p:cBhvr>
+                                      <p:tavLst>
+                                        <p:tav tm="0">
+                                          <p:val>
+                                            <p:fltVal val="0"/>
+                                          </p:val>
+                                        </p:tav>
+                                        <p:tav tm="100000">
+                                          <p:val>
+                                            <p:strVal val="#ppt_w"/>
+                                          </p:val>
+                                        </p:tav>
+                                      </p:tavLst>
+                                    </p:anim>
+                                    <p:anim calcmode="lin" valueType="num">
+                                      <p:cBhvr>
+                                        <p:cTn id="29" dur="500" fill="hold"/>
+                                        <p:tgtEl>
+                                          <p:spTgt spid="8"/>
+                                        </p:tgtEl>
+                                        <p:attrNameLst>
+                                          <p:attrName>ppt_h</p:attrName>
+                                        </p:attrNameLst>
+                                      </p:cBhvr>
+                                      <p:tavLst>
+                                        <p:tav tm="0">
+                                          <p:val>
+                                            <p:fltVal val="0"/>
+                                          </p:val>
+                                        </p:tav>
+                                        <p:tav tm="100000">
+                                          <p:val>
+                                            <p:strVal val="#ppt_h"/>
+                                          </p:val>
+                                        </p:tav>
+                                      </p:tavLst>
+                                    </p:anim>
+                                    <p:animEffect transition="in" filter="fade">
+                                      <p:cBhvr>
+                                        <p:cTn id="30" dur="500"/>
+                                        <p:tgtEl>
+                                          <p:spTgt spid="8"/>
+                                        </p:tgtEl>
+                                      </p:cBhvr>
+                                    </p:animEffect>
+                                  </p:childTnLst>
+                                </p:cTn>
+                              </p:par>
+                            </p:childTnLst>
+                          </p:cTn>
+                        </p:par>
+                      </p:childTnLst>
+                    </p:cTn>
+                  </p:par>
+                  <p:par>
+                    <p:cTn id="31" fill="hold">
+                      <p:stCondLst>
+                        <p:cond delay="indefinite"/>
+                      </p:stCondLst>
+                      <p:childTnLst>
+                        <p:par>
+                          <p:cTn id="32" fill="hold">
+                            <p:stCondLst>
+                              <p:cond delay="0"/>
+                            </p:stCondLst>
+                            <p:childTnLst>
+                              <p:par>
+                                <p:cTn id="33" presetID="53" presetClass="entr" presetSubtype="16" fill="hold" grpId="0" nodeType="clickEffect">
+                                  <p:stCondLst>
+                                    <p:cond delay="0"/>
+                                  </p:stCondLst>
+                                  <p:childTnLst>
+                                    <p:set>
+                                      <p:cBhvr>
+                                        <p:cTn id="34" dur="1" fill="hold">
+                                          <p:stCondLst>
+                                            <p:cond delay="0"/>
+                                          </p:stCondLst>
+                                        </p:cTn>
+                                        <p:tgtEl>
+                                          <p:spTgt spid="9"/>
+                                        </p:tgtEl>
+                                        <p:attrNameLst>
+                                          <p:attrName>style.visibility</p:attrName>
+                                        </p:attrNameLst>
+                                      </p:cBhvr>
+                                      <p:to>
+                                        <p:strVal val="visible"/>
+                                      </p:to>
+                                    </p:set>
+                                    <p:anim calcmode="lin" valueType="num">
+                                      <p:cBhvr>
+                                        <p:cTn id="35" dur="500" fill="hold"/>
+                                        <p:tgtEl>
+                                          <p:spTgt spid="9"/>
+                                        </p:tgtEl>
+                                        <p:attrNameLst>
+                                          <p:attrName>ppt_w</p:attrName>
+                                        </p:attrNameLst>
+                                      </p:cBhvr>
+                                      <p:tavLst>
+                                        <p:tav tm="0">
+                                          <p:val>
+                                            <p:fltVal val="0"/>
+                                          </p:val>
+                                        </p:tav>
+                                        <p:tav tm="100000">
+                                          <p:val>
+                                            <p:strVal val="#ppt_w"/>
+                                          </p:val>
+                                        </p:tav>
+                                      </p:tavLst>
+                                    </p:anim>
+                                    <p:anim calcmode="lin" valueType="num">
+                                      <p:cBhvr>
+                                        <p:cTn id="36" dur="500" fill="hold"/>
+                                        <p:tgtEl>
+                                          <p:spTgt spid="9"/>
+                                        </p:tgtEl>
+                                        <p:attrNameLst>
+                                          <p:attrName>ppt_h</p:attrName>
+                                        </p:attrNameLst>
+                                      </p:cBhvr>
+                                      <p:tavLst>
+                                        <p:tav tm="0">
+                                          <p:val>
+                                            <p:fltVal val="0"/>
+                                          </p:val>
+                                        </p:tav>
+                                        <p:tav tm="100000">
+                                          <p:val>
+                                            <p:strVal val="#ppt_h"/>
+                                          </p:val>
+                                        </p:tav>
+                                      </p:tavLst>
+                                    </p:anim>
+                                    <p:animEffect transition="in" filter="fade">
+                                      <p:cBhvr>
+                                        <p:cTn id="37" dur="500"/>
+                                        <p:tgtEl>
+                                          <p:spTgt spid="9"/>
+                                        </p:tgtEl>
+                                      </p:cBhvr>
+                                    </p:animEffect>
+                                  </p:childTnLst>
+                                </p:cTn>
+                              </p:par>
+                            </p:childTnLst>
+                          </p:cTn>
+                        </p:par>
+                      </p:childTnLst>
+                    </p:cTn>
+                  </p:par>
+                  <p:par>
+                    <p:cTn id="38" fill="hold">
+                      <p:stCondLst>
+                        <p:cond delay="indefinite"/>
+                      </p:stCondLst>
+                      <p:childTnLst>
+                        <p:par>
+                          <p:cTn id="39" fill="hold">
+                            <p:stCondLst>
+                              <p:cond delay="0"/>
+                            </p:stCondLst>
+                            <p:childTnLst>
+                              <p:par>
+                                <p:cTn id="40" presetID="53" presetClass="entr" presetSubtype="16" fill="hold" grpId="0" nodeType="clickEffect">
+                                  <p:stCondLst>
+                                    <p:cond delay="0"/>
+                                  </p:stCondLst>
+                                  <p:childTnLst>
+                                    <p:set>
+                                      <p:cBhvr>
+                                        <p:cTn id="41" dur="1" fill="hold">
+                                          <p:stCondLst>
+                                            <p:cond delay="0"/>
+                                          </p:stCondLst>
+                                        </p:cTn>
+                                        <p:tgtEl>
+                                          <p:spTgt spid="10"/>
+                                        </p:tgtEl>
+                                        <p:attrNameLst>
+                                          <p:attrName>style.visibility</p:attrName>
+                                        </p:attrNameLst>
+                                      </p:cBhvr>
+                                      <p:to>
+                                        <p:strVal val="visible"/>
+                                      </p:to>
+                                    </p:set>
+                                    <p:anim calcmode="lin" valueType="num">
+                                      <p:cBhvr>
+                                        <p:cTn id="42" dur="500" fill="hold"/>
+                                        <p:tgtEl>
+                                          <p:spTgt spid="10"/>
+                                        </p:tgtEl>
+                                        <p:attrNameLst>
+                                          <p:attrName>ppt_w</p:attrName>
+                                        </p:attrNameLst>
+                                      </p:cBhvr>
+                                      <p:tavLst>
+                                        <p:tav tm="0">
+                                          <p:val>
+                                            <p:fltVal val="0"/>
+                                          </p:val>
+                                        </p:tav>
+                                        <p:tav tm="100000">
+                                          <p:val>
+                                            <p:strVal val="#ppt_w"/>
+                                          </p:val>
+                                        </p:tav>
+                                      </p:tavLst>
+                                    </p:anim>
+                                    <p:anim calcmode="lin" valueType="num">
+                                      <p:cBhvr>
+                                        <p:cTn id="43" dur="500" fill="hold"/>
+                                        <p:tgtEl>
+                                          <p:spTgt spid="10"/>
+                                        </p:tgtEl>
+                                        <p:attrNameLst>
+                                          <p:attrName>ppt_h</p:attrName>
+                                        </p:attrNameLst>
+                                      </p:cBhvr>
+                                      <p:tavLst>
+                                        <p:tav tm="0">
+                                          <p:val>
+                                            <p:fltVal val="0"/>
+                                          </p:val>
+                                        </p:tav>
+                                        <p:tav tm="100000">
+                                          <p:val>
+                                            <p:strVal val="#ppt_h"/>
+                                          </p:val>
+                                        </p:tav>
+                                      </p:tavLst>
+                                    </p:anim>
+                                    <p:animEffect transition="in" filter="fade">
+                                      <p:cBhvr>
+                                        <p:cTn id="44" dur="500"/>
+                                        <p:tgtEl>
+                                          <p:spTgt spid="10"/>
+                                        </p:tgtEl>
+                                      </p:cBhvr>
+                                    </p:animEffect>
+                                  </p:childTnLst>
+                                </p:cTn>
+                              </p:par>
+                            </p:childTnLst>
+                          </p:cTn>
+                        </p:par>
+                      </p:childTnLst>
+                    </p:cTn>
+                  </p:par>
+                  <p:par>
+                    <p:cTn id="45" fill="hold">
+                      <p:stCondLst>
+                        <p:cond delay="indefinite"/>
+                      </p:stCondLst>
+                      <p:childTnLst>
+                        <p:par>
+                          <p:cTn id="46" fill="hold">
+                            <p:stCondLst>
+                              <p:cond delay="0"/>
+                            </p:stCondLst>
+                            <p:childTnLst>
+                              <p:par>
+                                <p:cTn id="47" presetID="53" presetClass="entr" presetSubtype="16" fill="hold" grpId="0" nodeType="clickEffect">
+                                  <p:stCondLst>
+                                    <p:cond delay="0"/>
+                                  </p:stCondLst>
+                                  <p:childTnLst>
+                                    <p:set>
+                                      <p:cBhvr>
+                                        <p:cTn id="48" dur="1" fill="hold">
+                                          <p:stCondLst>
+                                            <p:cond delay="0"/>
+                                          </p:stCondLst>
+                                        </p:cTn>
+                                        <p:tgtEl>
+                                          <p:spTgt spid="11"/>
+                                        </p:tgtEl>
+                                        <p:attrNameLst>
+                                          <p:attrName>style.visibility</p:attrName>
+                                        </p:attrNameLst>
+                                      </p:cBhvr>
+                                      <p:to>
+                                        <p:strVal val="visible"/>
+                                      </p:to>
+                                    </p:set>
+                                    <p:anim calcmode="lin" valueType="num">
+                                      <p:cBhvr>
+                                        <p:cTn id="49" dur="500" fill="hold"/>
+                                        <p:tgtEl>
+                                          <p:spTgt spid="11"/>
+                                        </p:tgtEl>
+                                        <p:attrNameLst>
+                                          <p:attrName>ppt_w</p:attrName>
+                                        </p:attrNameLst>
+                                      </p:cBhvr>
+                                      <p:tavLst>
+                                        <p:tav tm="0">
+                                          <p:val>
+                                            <p:fltVal val="0"/>
+                                          </p:val>
+                                        </p:tav>
+                                        <p:tav tm="100000">
+                                          <p:val>
+                                            <p:strVal val="#ppt_w"/>
+                                          </p:val>
+                                        </p:tav>
+                                      </p:tavLst>
+                                    </p:anim>
+                                    <p:anim calcmode="lin" valueType="num">
+                                      <p:cBhvr>
+                                        <p:cTn id="50" dur="500" fill="hold"/>
+                                        <p:tgtEl>
+                                          <p:spTgt spid="11"/>
+                                        </p:tgtEl>
+                                        <p:attrNameLst>
+                                          <p:attrName>ppt_h</p:attrName>
+                                        </p:attrNameLst>
+                                      </p:cBhvr>
+                                      <p:tavLst>
+                                        <p:tav tm="0">
+                                          <p:val>
+                                            <p:fltVal val="0"/>
+                                          </p:val>
+                                        </p:tav>
+                                        <p:tav tm="100000">
+                                          <p:val>
+                                            <p:strVal val="#ppt_h"/>
+                                          </p:val>
+                                        </p:tav>
+                                      </p:tavLst>
+                                    </p:anim>
+                                    <p:animEffect transition="in" filter="fade">
+                                      <p:cBhvr>
+                                        <p:cTn id="51" dur="500"/>
+                                        <p:tgtEl>
+                                          <p:spTgt spid="11"/>
+                                        </p:tgtEl>
+                                      </p:cBhvr>
+                                    </p:animEffect>
+                                  </p:childTnLst>
+                                </p:cTn>
+                              </p:par>
+                            </p:childTnLst>
+                          </p:cTn>
+                        </p:par>
+                      </p:childTnLst>
+                    </p:cTn>
+                  </p:par>
+                  <p:par>
+                    <p:cTn id="52" fill="hold">
+                      <p:stCondLst>
+                        <p:cond delay="indefinite"/>
+                      </p:stCondLst>
+                      <p:childTnLst>
+                        <p:par>
+                          <p:cTn id="53" fill="hold">
+                            <p:stCondLst>
+                              <p:cond delay="0"/>
+                            </p:stCondLst>
+                            <p:childTnLst>
+                              <p:par>
+                                <p:cTn id="54" presetID="53" presetClass="entr" presetSubtype="16" fill="hold" grpId="0" nodeType="clickEffect">
+                                  <p:stCondLst>
+                                    <p:cond delay="0"/>
+                                  </p:stCondLst>
+                                  <p:childTnLst>
+                                    <p:set>
+                                      <p:cBhvr>
+                                        <p:cTn id="55" dur="1" fill="hold">
+                                          <p:stCondLst>
+                                            <p:cond delay="0"/>
+                                          </p:stCondLst>
+                                        </p:cTn>
+                                        <p:tgtEl>
+                                          <p:spTgt spid="12"/>
+                                        </p:tgtEl>
+                                        <p:attrNameLst>
+                                          <p:attrName>style.visibility</p:attrName>
+                                        </p:attrNameLst>
+                                      </p:cBhvr>
+                                      <p:to>
+                                        <p:strVal val="visible"/>
+                                      </p:to>
+                                    </p:set>
+                                    <p:anim calcmode="lin" valueType="num">
+                                      <p:cBhvr>
+                                        <p:cTn id="56" dur="500" fill="hold"/>
+                                        <p:tgtEl>
+                                          <p:spTgt spid="12"/>
+                                        </p:tgtEl>
+                                        <p:attrNameLst>
+                                          <p:attrName>ppt_w</p:attrName>
+                                        </p:attrNameLst>
+                                      </p:cBhvr>
+                                      <p:tavLst>
+                                        <p:tav tm="0">
+                                          <p:val>
+                                            <p:fltVal val="0"/>
+                                          </p:val>
+                                        </p:tav>
+                                        <p:tav tm="100000">
+                                          <p:val>
+                                            <p:strVal val="#ppt_w"/>
+                                          </p:val>
+                                        </p:tav>
+                                      </p:tavLst>
+                                    </p:anim>
+                                    <p:anim calcmode="lin" valueType="num">
+                                      <p:cBhvr>
+                                        <p:cTn id="57" dur="500" fill="hold"/>
+                                        <p:tgtEl>
+                                          <p:spTgt spid="12"/>
+                                        </p:tgtEl>
+                                        <p:attrNameLst>
+                                          <p:attrName>ppt_h</p:attrName>
+                                        </p:attrNameLst>
+                                      </p:cBhvr>
+                                      <p:tavLst>
+                                        <p:tav tm="0">
+                                          <p:val>
+                                            <p:fltVal val="0"/>
+                                          </p:val>
+                                        </p:tav>
+                                        <p:tav tm="100000">
+                                          <p:val>
+                                            <p:strVal val="#ppt_h"/>
+                                          </p:val>
+                                        </p:tav>
+                                      </p:tavLst>
+                                    </p:anim>
+                                    <p:animEffect transition="in" filter="fade">
+                                      <p:cBhvr>
+                                        <p:cTn id="58" dur="500"/>
+                                        <p:tgtEl>
+                                          <p:spTgt spid="12"/>
+                                        </p:tgtEl>
+                                      </p:cBhvr>
+                                    </p:animEffect>
+                                  </p:childTnLst>
+                                </p:cTn>
+                              </p:par>
+                            </p:childTnLst>
+                          </p:cTn>
+                        </p:par>
+                      </p:childTnLst>
+                    </p:cTn>
+                  </p:par>
+                  <p:par>
+                    <p:cTn id="59" fill="hold">
+                      <p:stCondLst>
+                        <p:cond delay="indefinite"/>
+                      </p:stCondLst>
+                      <p:childTnLst>
+                        <p:par>
+                          <p:cTn id="60" fill="hold">
+                            <p:stCondLst>
+                              <p:cond delay="0"/>
+                            </p:stCondLst>
+                            <p:childTnLst>
+                              <p:par>
+                                <p:cTn id="61" presetID="53" presetClass="entr" presetSubtype="16" fill="hold" nodeType="clickEffect">
+                                  <p:stCondLst>
+                                    <p:cond delay="0"/>
+                                  </p:stCondLst>
+                                  <p:childTnLst>
+                                    <p:set>
+                                      <p:cBhvr>
+                                        <p:cTn id="62" dur="1" fill="hold">
+                                          <p:stCondLst>
+                                            <p:cond delay="0"/>
+                                          </p:stCondLst>
+                                        </p:cTn>
+                                        <p:tgtEl>
+                                          <p:spTgt spid="14"/>
+                                        </p:tgtEl>
+                                        <p:attrNameLst>
+                                          <p:attrName>style.visibility</p:attrName>
+                                        </p:attrNameLst>
+                                      </p:cBhvr>
+                                      <p:to>
+                                        <p:strVal val="visible"/>
+                                      </p:to>
+                                    </p:set>
+                                    <p:anim calcmode="lin" valueType="num">
+                                      <p:cBhvr>
+                                        <p:cTn id="63" dur="500" fill="hold"/>
+                                        <p:tgtEl>
+                                          <p:spTgt spid="14"/>
+                                        </p:tgtEl>
+                                        <p:attrNameLst>
+                                          <p:attrName>ppt_w</p:attrName>
+                                        </p:attrNameLst>
+                                      </p:cBhvr>
+                                      <p:tavLst>
+                                        <p:tav tm="0">
+                                          <p:val>
+                                            <p:fltVal val="0"/>
+                                          </p:val>
+                                        </p:tav>
+                                        <p:tav tm="100000">
+                                          <p:val>
+                                            <p:strVal val="#ppt_w"/>
+                                          </p:val>
+                                        </p:tav>
+                                      </p:tavLst>
+                                    </p:anim>
+                                    <p:anim calcmode="lin" valueType="num">
+                                      <p:cBhvr>
+                                        <p:cTn id="64" dur="500" fill="hold"/>
+                                        <p:tgtEl>
+                                          <p:spTgt spid="14"/>
+                                        </p:tgtEl>
+                                        <p:attrNameLst>
+                                          <p:attrName>ppt_h</p:attrName>
+                                        </p:attrNameLst>
+                                      </p:cBhvr>
+                                      <p:tavLst>
+                                        <p:tav tm="0">
+                                          <p:val>
+                                            <p:fltVal val="0"/>
+                                          </p:val>
+                                        </p:tav>
+                                        <p:tav tm="100000">
+                                          <p:val>
+                                            <p:strVal val="#ppt_h"/>
+                                          </p:val>
+                                        </p:tav>
+                                      </p:tavLst>
+                                    </p:anim>
+                                    <p:animEffect transition="in" filter="fade">
+                                      <p:cBhvr>
+                                        <p:cTn id="65" dur="500"/>
+                                        <p:tgtEl>
+                                          <p:spTgt spid="14"/>
+                                        </p:tgtEl>
+                                      </p:cBhvr>
+                                    </p:animEffect>
+                                  </p:childTnLst>
+                                </p:cTn>
+                              </p:par>
+                            </p:childTnLst>
+                          </p:cTn>
+                        </p:par>
+                      </p:childTnLst>
+                    </p:cTn>
+                  </p:par>
+                  <p:par>
+                    <p:cTn id="66" fill="hold">
+                      <p:stCondLst>
+                        <p:cond delay="indefinite"/>
+                      </p:stCondLst>
+                      <p:childTnLst>
+                        <p:par>
+                          <p:cTn id="67" fill="hold">
+                            <p:stCondLst>
+                              <p:cond delay="0"/>
+                            </p:stCondLst>
+                            <p:childTnLst>
+                              <p:par>
+                                <p:cTn id="68" presetID="53" presetClass="entr" presetSubtype="16" fill="hold" nodeType="clickEffect">
+                                  <p:stCondLst>
+                                    <p:cond delay="0"/>
+                                  </p:stCondLst>
+                                  <p:childTnLst>
+                                    <p:set>
+                                      <p:cBhvr>
+                                        <p:cTn id="69" dur="1" fill="hold">
+                                          <p:stCondLst>
+                                            <p:cond delay="0"/>
+                                          </p:stCondLst>
+                                        </p:cTn>
+                                        <p:tgtEl>
+                                          <p:spTgt spid="16"/>
+                                        </p:tgtEl>
+                                        <p:attrNameLst>
+                                          <p:attrName>style.visibility</p:attrName>
+                                        </p:attrNameLst>
+                                      </p:cBhvr>
+                                      <p:to>
+                                        <p:strVal val="visible"/>
+                                      </p:to>
+                                    </p:set>
+                                    <p:anim calcmode="lin" valueType="num">
+                                      <p:cBhvr>
+                                        <p:cTn id="70" dur="500" fill="hold"/>
+                                        <p:tgtEl>
+                                          <p:spTgt spid="16"/>
+                                        </p:tgtEl>
+                                        <p:attrNameLst>
+                                          <p:attrName>ppt_w</p:attrName>
+                                        </p:attrNameLst>
+                                      </p:cBhvr>
+                                      <p:tavLst>
+                                        <p:tav tm="0">
+                                          <p:val>
+                                            <p:fltVal val="0"/>
+                                          </p:val>
+                                        </p:tav>
+                                        <p:tav tm="100000">
+                                          <p:val>
+                                            <p:strVal val="#ppt_w"/>
+                                          </p:val>
+                                        </p:tav>
+                                      </p:tavLst>
+                                    </p:anim>
+                                    <p:anim calcmode="lin" valueType="num">
+                                      <p:cBhvr>
+                                        <p:cTn id="71" dur="500" fill="hold"/>
+                                        <p:tgtEl>
+                                          <p:spTgt spid="16"/>
+                                        </p:tgtEl>
+                                        <p:attrNameLst>
+                                          <p:attrName>ppt_h</p:attrName>
+                                        </p:attrNameLst>
+                                      </p:cBhvr>
+                                      <p:tavLst>
+                                        <p:tav tm="0">
+                                          <p:val>
+                                            <p:fltVal val="0"/>
+                                          </p:val>
+                                        </p:tav>
+                                        <p:tav tm="100000">
+                                          <p:val>
+                                            <p:strVal val="#ppt_h"/>
+                                          </p:val>
+                                        </p:tav>
+                                      </p:tavLst>
+                                    </p:anim>
+                                    <p:animEffect transition="in" filter="fade">
+                                      <p:cBhvr>
+                                        <p:cTn id="72" dur="500"/>
+                                        <p:tgtEl>
+                                          <p:spTgt spid="16"/>
+                                        </p:tgtEl>
+                                      </p:cBhvr>
+                                    </p:animEffect>
+                                  </p:childTnLst>
+                                </p:cTn>
+                              </p:par>
+                            </p:childTnLst>
+                          </p:cTn>
+                        </p:par>
+                      </p:childTnLst>
+                    </p:cTn>
+                  </p:par>
+                  <p:par>
+                    <p:cTn id="73" fill="hold">
+                      <p:stCondLst>
+                        <p:cond delay="indefinite"/>
+                      </p:stCondLst>
+                      <p:childTnLst>
+                        <p:par>
+                          <p:cTn id="74" fill="hold">
+                            <p:stCondLst>
+                              <p:cond delay="0"/>
+                            </p:stCondLst>
+                            <p:childTnLst>
+                              <p:par>
+                                <p:cTn id="75" presetID="53" presetClass="entr" presetSubtype="16" fill="hold" nodeType="clickEffect">
+                                  <p:stCondLst>
+                                    <p:cond delay="0"/>
+                                  </p:stCondLst>
+                                  <p:childTnLst>
+                                    <p:set>
+                                      <p:cBhvr>
+                                        <p:cTn id="76" dur="1" fill="hold">
+                                          <p:stCondLst>
+                                            <p:cond delay="0"/>
+                                          </p:stCondLst>
+                                        </p:cTn>
+                                        <p:tgtEl>
+                                          <p:spTgt spid="17"/>
+                                        </p:tgtEl>
+                                        <p:attrNameLst>
+                                          <p:attrName>style.visibility</p:attrName>
+                                        </p:attrNameLst>
+                                      </p:cBhvr>
+                                      <p:to>
+                                        <p:strVal val="visible"/>
+                                      </p:to>
+                                    </p:set>
+                                    <p:anim calcmode="lin" valueType="num">
+                                      <p:cBhvr>
+                                        <p:cTn id="77" dur="500" fill="hold"/>
+                                        <p:tgtEl>
+                                          <p:spTgt spid="17"/>
+                                        </p:tgtEl>
+                                        <p:attrNameLst>
+                                          <p:attrName>ppt_w</p:attrName>
+                                        </p:attrNameLst>
+                                      </p:cBhvr>
+                                      <p:tavLst>
+                                        <p:tav tm="0">
+                                          <p:val>
+                                            <p:fltVal val="0"/>
+                                          </p:val>
+                                        </p:tav>
+                                        <p:tav tm="100000">
+                                          <p:val>
+                                            <p:strVal val="#ppt_w"/>
+                                          </p:val>
+                                        </p:tav>
+                                      </p:tavLst>
+                                    </p:anim>
+                                    <p:anim calcmode="lin" valueType="num">
+                                      <p:cBhvr>
+                                        <p:cTn id="78" dur="500" fill="hold"/>
+                                        <p:tgtEl>
+                                          <p:spTgt spid="17"/>
+                                        </p:tgtEl>
+                                        <p:attrNameLst>
+                                          <p:attrName>ppt_h</p:attrName>
+                                        </p:attrNameLst>
+                                      </p:cBhvr>
+                                      <p:tavLst>
+                                        <p:tav tm="0">
+                                          <p:val>
+                                            <p:fltVal val="0"/>
+                                          </p:val>
+                                        </p:tav>
+                                        <p:tav tm="100000">
+                                          <p:val>
+                                            <p:strVal val="#ppt_h"/>
+                                          </p:val>
+                                        </p:tav>
+                                      </p:tavLst>
+                                    </p:anim>
+                                    <p:animEffect transition="in" filter="fade">
+                                      <p:cBhvr>
+                                        <p:cTn id="79" dur="500"/>
+                                        <p:tgtEl>
+                                          <p:spTgt spid="17"/>
+                                        </p:tgtEl>
+                                      </p:cBhvr>
+                                    </p:animEffect>
+                                  </p:childTnLst>
+                                </p:cTn>
+                              </p:par>
+                            </p:childTnLst>
+                          </p:cTn>
+                        </p:par>
+                      </p:childTnLst>
+                    </p:cTn>
+                  </p:par>
+                  <p:par>
+                    <p:cTn id="80" fill="hold">
+                      <p:stCondLst>
+                        <p:cond delay="indefinite"/>
+                      </p:stCondLst>
+                      <p:childTnLst>
+                        <p:par>
+                          <p:cTn id="81" fill="hold">
+                            <p:stCondLst>
+                              <p:cond delay="0"/>
+                            </p:stCondLst>
+                            <p:childTnLst>
+                              <p:par>
+                                <p:cTn id="82" presetID="53" presetClass="entr" presetSubtype="16" fill="hold" nodeType="clickEffect">
+                                  <p:stCondLst>
+                                    <p:cond delay="0"/>
+                                  </p:stCondLst>
+                                  <p:childTnLst>
+                                    <p:set>
+                                      <p:cBhvr>
+                                        <p:cTn id="83" dur="1" fill="hold">
+                                          <p:stCondLst>
+                                            <p:cond delay="0"/>
+                                          </p:stCondLst>
+                                        </p:cTn>
+                                        <p:tgtEl>
+                                          <p:spTgt spid="18"/>
+                                        </p:tgtEl>
+                                        <p:attrNameLst>
+                                          <p:attrName>style.visibility</p:attrName>
+                                        </p:attrNameLst>
+                                      </p:cBhvr>
+                                      <p:to>
+                                        <p:strVal val="visible"/>
+                                      </p:to>
+                                    </p:set>
+                                    <p:anim calcmode="lin" valueType="num">
+                                      <p:cBhvr>
+                                        <p:cTn id="84" dur="500" fill="hold"/>
+                                        <p:tgtEl>
+                                          <p:spTgt spid="18"/>
+                                        </p:tgtEl>
+                                        <p:attrNameLst>
+                                          <p:attrName>ppt_w</p:attrName>
+                                        </p:attrNameLst>
+                                      </p:cBhvr>
+                                      <p:tavLst>
+                                        <p:tav tm="0">
+                                          <p:val>
+                                            <p:fltVal val="0"/>
+                                          </p:val>
+                                        </p:tav>
+                                        <p:tav tm="100000">
+                                          <p:val>
+                                            <p:strVal val="#ppt_w"/>
+                                          </p:val>
+                                        </p:tav>
+                                      </p:tavLst>
+                                    </p:anim>
+                                    <p:anim calcmode="lin" valueType="num">
+                                      <p:cBhvr>
+                                        <p:cTn id="85" dur="500" fill="hold"/>
+                                        <p:tgtEl>
+                                          <p:spTgt spid="18"/>
+                                        </p:tgtEl>
+                                        <p:attrNameLst>
+                                          <p:attrName>ppt_h</p:attrName>
+                                        </p:attrNameLst>
+                                      </p:cBhvr>
+                                      <p:tavLst>
+                                        <p:tav tm="0">
+                                          <p:val>
+                                            <p:fltVal val="0"/>
+                                          </p:val>
+                                        </p:tav>
+                                        <p:tav tm="100000">
+                                          <p:val>
+                                            <p:strVal val="#ppt_h"/>
+                                          </p:val>
+                                        </p:tav>
+                                      </p:tavLst>
+                                    </p:anim>
+                                    <p:animEffect transition="in" filter="fade">
+                                      <p:cBhvr>
+                                        <p:cTn id="86" dur="500"/>
+                                        <p:tgtEl>
+                                          <p:spTgt spid="18"/>
+                                        </p:tgtEl>
+                                      </p:cBhvr>
+                                    </p:animEffect>
+                                  </p:childTnLst>
+                                </p:cTn>
+                              </p:par>
+                            </p:childTnLst>
+                          </p:cTn>
+                        </p:par>
+                      </p:childTnLst>
+                    </p:cTn>
+                  </p:par>
+                  <p:par>
+                    <p:cTn id="87" fill="hold">
+                      <p:stCondLst>
+                        <p:cond delay="indefinite"/>
+                      </p:stCondLst>
+                      <p:childTnLst>
+                        <p:par>
+                          <p:cTn id="88" fill="hold">
+                            <p:stCondLst>
+                              <p:cond delay="0"/>
+                            </p:stCondLst>
+                            <p:childTnLst>
+                              <p:par>
+                                <p:cTn id="89" presetID="53" presetClass="entr" presetSubtype="16" fill="hold" nodeType="clickEffect">
+                                  <p:stCondLst>
+                                    <p:cond delay="0"/>
+                                  </p:stCondLst>
+                                  <p:childTnLst>
+                                    <p:set>
+                                      <p:cBhvr>
+                                        <p:cTn id="90" dur="1" fill="hold">
+                                          <p:stCondLst>
+                                            <p:cond delay="0"/>
+                                          </p:stCondLst>
+                                        </p:cTn>
+                                        <p:tgtEl>
+                                          <p:spTgt spid="19"/>
+                                        </p:tgtEl>
+                                        <p:attrNameLst>
+                                          <p:attrName>style.visibility</p:attrName>
+                                        </p:attrNameLst>
+                                      </p:cBhvr>
+                                      <p:to>
+                                        <p:strVal val="visible"/>
+                                      </p:to>
+                                    </p:set>
+                                    <p:anim calcmode="lin" valueType="num">
+                                      <p:cBhvr>
+                                        <p:cTn id="91" dur="500" fill="hold"/>
+                                        <p:tgtEl>
+                                          <p:spTgt spid="19"/>
+                                        </p:tgtEl>
+                                        <p:attrNameLst>
+                                          <p:attrName>ppt_w</p:attrName>
+                                        </p:attrNameLst>
+                                      </p:cBhvr>
+                                      <p:tavLst>
+                                        <p:tav tm="0">
+                                          <p:val>
+                                            <p:fltVal val="0"/>
+                                          </p:val>
+                                        </p:tav>
+                                        <p:tav tm="100000">
+                                          <p:val>
+                                            <p:strVal val="#ppt_w"/>
+                                          </p:val>
+                                        </p:tav>
+                                      </p:tavLst>
+                                    </p:anim>
+                                    <p:anim calcmode="lin" valueType="num">
+                                      <p:cBhvr>
+                                        <p:cTn id="92" dur="500" fill="hold"/>
+                                        <p:tgtEl>
+                                          <p:spTgt spid="19"/>
+                                        </p:tgtEl>
+                                        <p:attrNameLst>
+                                          <p:attrName>ppt_h</p:attrName>
+                                        </p:attrNameLst>
+                                      </p:cBhvr>
+                                      <p:tavLst>
+                                        <p:tav tm="0">
+                                          <p:val>
+                                            <p:fltVal val="0"/>
+                                          </p:val>
+                                        </p:tav>
+                                        <p:tav tm="100000">
+                                          <p:val>
+                                            <p:strVal val="#ppt_h"/>
+                                          </p:val>
+                                        </p:tav>
+                                      </p:tavLst>
+                                    </p:anim>
+                                    <p:animEffect transition="in" filter="fade">
+                                      <p:cBhvr>
+                                        <p:cTn id="93" dur="500"/>
+                                        <p:tgtEl>
+                                          <p:spTgt spid="19"/>
+                                        </p:tgtEl>
+                                      </p:cBhvr>
+                                    </p:animEffect>
+                                  </p:childTnLst>
+                                </p:cTn>
+                              </p:par>
+                            </p:childTnLst>
+                          </p:cTn>
+                        </p:par>
+                      </p:childTnLst>
+                    </p:cTn>
+                  </p:par>
+                  <p:par>
+                    <p:cTn id="94" fill="hold">
+                      <p:stCondLst>
+                        <p:cond delay="indefinite"/>
+                      </p:stCondLst>
+                      <p:childTnLst>
+                        <p:par>
+                          <p:cTn id="95" fill="hold">
+                            <p:stCondLst>
+                              <p:cond delay="0"/>
+                            </p:stCondLst>
+                            <p:childTnLst>
+                              <p:par>
+                                <p:cTn id="96" presetID="53" presetClass="entr" presetSubtype="16" fill="hold" nodeType="clickEffect">
+                                  <p:stCondLst>
+                                    <p:cond delay="0"/>
+                                  </p:stCondLst>
+                                  <p:childTnLst>
+                                    <p:set>
+                                      <p:cBhvr>
+                                        <p:cTn id="97" dur="1" fill="hold">
+                                          <p:stCondLst>
+                                            <p:cond delay="0"/>
+                                          </p:stCondLst>
+                                        </p:cTn>
+                                        <p:tgtEl>
+                                          <p:spTgt spid="20"/>
+                                        </p:tgtEl>
+                                        <p:attrNameLst>
+                                          <p:attrName>style.visibility</p:attrName>
+                                        </p:attrNameLst>
+                                      </p:cBhvr>
+                                      <p:to>
+                                        <p:strVal val="visible"/>
+                                      </p:to>
+                                    </p:set>
+                                    <p:anim calcmode="lin" valueType="num">
+                                      <p:cBhvr>
+                                        <p:cTn id="98" dur="500" fill="hold"/>
+                                        <p:tgtEl>
+                                          <p:spTgt spid="20"/>
+                                        </p:tgtEl>
+                                        <p:attrNameLst>
+                                          <p:attrName>ppt_w</p:attrName>
+                                        </p:attrNameLst>
+                                      </p:cBhvr>
+                                      <p:tavLst>
+                                        <p:tav tm="0">
+                                          <p:val>
+                                            <p:fltVal val="0"/>
+                                          </p:val>
+                                        </p:tav>
+                                        <p:tav tm="100000">
+                                          <p:val>
+                                            <p:strVal val="#ppt_w"/>
+                                          </p:val>
+                                        </p:tav>
+                                      </p:tavLst>
+                                    </p:anim>
+                                    <p:anim calcmode="lin" valueType="num">
+                                      <p:cBhvr>
+                                        <p:cTn id="99" dur="500" fill="hold"/>
+                                        <p:tgtEl>
+                                          <p:spTgt spid="20"/>
+                                        </p:tgtEl>
+                                        <p:attrNameLst>
+                                          <p:attrName>ppt_h</p:attrName>
+                                        </p:attrNameLst>
+                                      </p:cBhvr>
+                                      <p:tavLst>
+                                        <p:tav tm="0">
+                                          <p:val>
+                                            <p:fltVal val="0"/>
+                                          </p:val>
+                                        </p:tav>
+                                        <p:tav tm="100000">
+                                          <p:val>
+                                            <p:strVal val="#ppt_h"/>
+                                          </p:val>
+                                        </p:tav>
+                                      </p:tavLst>
+                                    </p:anim>
+                                    <p:animEffect transition="in" filter="fade">
+                                      <p:cBhvr>
+                                        <p:cTn id="100" dur="500"/>
+                                        <p:tgtEl>
+                                          <p:spTgt spid="20"/>
+                                        </p:tgtEl>
+                                      </p:cBhvr>
+                                    </p:animEffect>
+                                  </p:childTnLst>
+                                </p:cTn>
+                              </p:par>
+                            </p:childTnLst>
+                          </p:cTn>
+                        </p:par>
+                      </p:childTnLst>
+                    </p:cTn>
+                  </p:par>
+                  <p:par>
+                    <p:cTn id="101" fill="hold">
+                      <p:stCondLst>
+                        <p:cond delay="indefinite"/>
+                      </p:stCondLst>
+                      <p:childTnLst>
+                        <p:par>
+                          <p:cTn id="102" fill="hold">
+                            <p:stCondLst>
+                              <p:cond delay="0"/>
+                            </p:stCondLst>
+                            <p:childTnLst>
+                              <p:par>
+                                <p:cTn id="103" presetID="53" presetClass="entr" presetSubtype="16" fill="hold" nodeType="clickEffect">
+                                  <p:stCondLst>
+                                    <p:cond delay="0"/>
+                                  </p:stCondLst>
+                                  <p:childTnLst>
+                                    <p:set>
+                                      <p:cBhvr>
+                                        <p:cTn id="104" dur="1" fill="hold">
+                                          <p:stCondLst>
+                                            <p:cond delay="0"/>
+                                          </p:stCondLst>
+                                        </p:cTn>
+                                        <p:tgtEl>
+                                          <p:spTgt spid="21"/>
+                                        </p:tgtEl>
+                                        <p:attrNameLst>
+                                          <p:attrName>style.visibility</p:attrName>
+                                        </p:attrNameLst>
+                                      </p:cBhvr>
+                                      <p:to>
+                                        <p:strVal val="visible"/>
+                                      </p:to>
+                                    </p:set>
+                                    <p:anim calcmode="lin" valueType="num">
+                                      <p:cBhvr>
+                                        <p:cTn id="105" dur="500" fill="hold"/>
+                                        <p:tgtEl>
+                                          <p:spTgt spid="21"/>
+                                        </p:tgtEl>
+                                        <p:attrNameLst>
+                                          <p:attrName>ppt_w</p:attrName>
+                                        </p:attrNameLst>
+                                      </p:cBhvr>
+                                      <p:tavLst>
+                                        <p:tav tm="0">
+                                          <p:val>
+                                            <p:fltVal val="0"/>
+                                          </p:val>
+                                        </p:tav>
+                                        <p:tav tm="100000">
+                                          <p:val>
+                                            <p:strVal val="#ppt_w"/>
+                                          </p:val>
+                                        </p:tav>
+                                      </p:tavLst>
+                                    </p:anim>
+                                    <p:anim calcmode="lin" valueType="num">
+                                      <p:cBhvr>
+                                        <p:cTn id="106" dur="500" fill="hold"/>
+                                        <p:tgtEl>
+                                          <p:spTgt spid="21"/>
+                                        </p:tgtEl>
+                                        <p:attrNameLst>
+                                          <p:attrName>ppt_h</p:attrName>
+                                        </p:attrNameLst>
+                                      </p:cBhvr>
+                                      <p:tavLst>
+                                        <p:tav tm="0">
+                                          <p:val>
+                                            <p:fltVal val="0"/>
+                                          </p:val>
+                                        </p:tav>
+                                        <p:tav tm="100000">
+                                          <p:val>
+                                            <p:strVal val="#ppt_h"/>
+                                          </p:val>
+                                        </p:tav>
+                                      </p:tavLst>
+                                    </p:anim>
+                                    <p:animEffect transition="in" filter="fade">
+                                      <p:cBhvr>
+                                        <p:cTn id="107" dur="500"/>
+                                        <p:tgtEl>
+                                          <p:spTgt spid="21"/>
+                                        </p:tgtEl>
+                                      </p:cBhvr>
+                                    </p:animEffect>
+                                  </p:childTnLst>
+                                </p:cTn>
+                              </p:par>
+                            </p:childTnLst>
+                          </p:cTn>
+                        </p:par>
+                      </p:childTnLst>
+                    </p:cTn>
+                  </p:par>
+                  <p:par>
+                    <p:cTn id="108" fill="hold">
+                      <p:stCondLst>
+                        <p:cond delay="indefinite"/>
+                      </p:stCondLst>
+                      <p:childTnLst>
+                        <p:par>
+                          <p:cTn id="109" fill="hold">
+                            <p:stCondLst>
+                              <p:cond delay="0"/>
+                            </p:stCondLst>
+                            <p:childTnLst>
+                              <p:par>
+                                <p:cTn id="110" presetID="53" presetClass="entr" presetSubtype="16" fill="hold" nodeType="clickEffect">
+                                  <p:stCondLst>
+                                    <p:cond delay="0"/>
+                                  </p:stCondLst>
+                                  <p:childTnLst>
+                                    <p:set>
+                                      <p:cBhvr>
+                                        <p:cTn id="111" dur="1" fill="hold">
+                                          <p:stCondLst>
+                                            <p:cond delay="0"/>
+                                          </p:stCondLst>
+                                        </p:cTn>
+                                        <p:tgtEl>
+                                          <p:spTgt spid="22"/>
+                                        </p:tgtEl>
+                                        <p:attrNameLst>
+                                          <p:attrName>style.visibility</p:attrName>
+                                        </p:attrNameLst>
+                                      </p:cBhvr>
+                                      <p:to>
+                                        <p:strVal val="visible"/>
+                                      </p:to>
+                                    </p:set>
+                                    <p:anim calcmode="lin" valueType="num">
+                                      <p:cBhvr>
+                                        <p:cTn id="112" dur="500" fill="hold"/>
+                                        <p:tgtEl>
+                                          <p:spTgt spid="22"/>
+                                        </p:tgtEl>
+                                        <p:attrNameLst>
+                                          <p:attrName>ppt_w</p:attrName>
+                                        </p:attrNameLst>
+                                      </p:cBhvr>
+                                      <p:tavLst>
+                                        <p:tav tm="0">
+                                          <p:val>
+                                            <p:fltVal val="0"/>
+                                          </p:val>
+                                        </p:tav>
+                                        <p:tav tm="100000">
+                                          <p:val>
+                                            <p:strVal val="#ppt_w"/>
+                                          </p:val>
+                                        </p:tav>
+                                      </p:tavLst>
+                                    </p:anim>
+                                    <p:anim calcmode="lin" valueType="num">
+                                      <p:cBhvr>
+                                        <p:cTn id="113" dur="500" fill="hold"/>
+                                        <p:tgtEl>
+                                          <p:spTgt spid="22"/>
+                                        </p:tgtEl>
+                                        <p:attrNameLst>
+                                          <p:attrName>ppt_h</p:attrName>
+                                        </p:attrNameLst>
+                                      </p:cBhvr>
+                                      <p:tavLst>
+                                        <p:tav tm="0">
+                                          <p:val>
+                                            <p:fltVal val="0"/>
+                                          </p:val>
+                                        </p:tav>
+                                        <p:tav tm="100000">
+                                          <p:val>
+                                            <p:strVal val="#ppt_h"/>
+                                          </p:val>
+                                        </p:tav>
+                                      </p:tavLst>
+                                    </p:anim>
+                                    <p:animEffect transition="in" filter="fade">
+                                      <p:cBhvr>
+                                        <p:cTn id="114" dur="500"/>
+                                        <p:tgtEl>
+                                          <p:spTgt spid="22"/>
+                                        </p:tgtEl>
+                                      </p:cBhvr>
+                                    </p:animEffect>
+                                  </p:childTnLst>
+                                </p:cTn>
+                              </p:par>
+                            </p:childTnLst>
+                          </p:cTn>
+                        </p:par>
+                      </p:childTnLst>
+                    </p:cTn>
+                  </p:par>
+                </p:childTnLst>
+              </p:cTn>
+              <p:prevCondLst>
+                <p:cond evt="onPrev" delay="0">
+                  <p:tgtEl>
+                    <p:sldTgt/>
+                  </p:tgtEl>
+                </p:cond>
+              </p:prevCondLst>
+              <p:nextCondLst>
+                <p:cond evt="onNext" delay="0">
+                  <p:tgtEl>
+                    <p:sldTgt/>
+                  </p:tgtEl>
+                </p:cond>
+              </p:nextCondLst>
+            </p:seq>
+          </p:childTnLst>
+        </p:cTn>
+      </p:par>
+    </p:tnLst>
+    <p:bldLst>
+      <p:bldP spid="5" grpId="0" animBg="1"/>
+      <p:bldP spid="6" grpId="0" animBg="1"/>
+      <p:bldP spid="7" grpId="0" animBg="1"/>
+      <p:bldP spid="8" grpId="0" animBg="1"/>
+      <p:bldP spid="9" grpId="0" animBg="1"/>
+      <p:bldP spid="10" grpId="0" animBg="1"/>
+      <p:bldP spid="11" grpId="0" animBg="1"/>
+      <p:bldP spid="12" grpId="0" animBg="1"/>
+    </p:bldLst>
+  </p:timing>
+</p:sld>
+</file>
+
+<file path=ppt/slides/slide6.xml><?xml version="1.0" encoding="utf-8"?>
+<p:sld xmlns:a="http://schemas.openxmlformats.org/drawingml/2006/main" xmlns:r="http://schemas.openxmlformats.org/officeDocument/2006/relationships" xmlns:p="http://schemas.openxmlformats.org/presentationml/2006/main">
+  <p:cSld>
+    <p:spTree>
+      <p:nvGrpSpPr>
+        <p:cNvPr id="1" name=""/>
+        <p:cNvGrpSpPr/>
+        <p:nvPr/>
+      </p:nvGrpSpPr>
+      <p:grpSpPr>
+        <a:xfrm>
+          <a:off x="0" y="0"/>
+          <a:ext cx="0" cy="0"/>
+          <a:chOff x="0" y="0"/>
+          <a:chExt cx="0" cy="0"/>
+        </a:xfrm>
+      </p:grpSpPr>
+      <p:sp>
+        <p:nvSpPr>
+          <p:cNvPr id="2" name="Title 1"/>
+          <p:cNvSpPr>
+            <a:spLocks noGrp="1"/>
+          </p:cNvSpPr>
+          <p:nvPr>
+            <p:ph type="title"/>
+          </p:nvPr>
+        </p:nvSpPr>
+        <p:spPr>
+          <a:xfrm>
+            <a:off x="729018" y="2675731"/>
+            <a:ext cx="2764809" cy="2251111"/>
+          </a:xfrm>
+        </p:spPr>
+        <p:txBody>
+          <a:bodyPr>
+            <a:noAutofit/>
+          </a:bodyPr>
+          <a:lstStyle/>
+          <a:p>
+            <a:r>
+              <a:rPr lang="en-US" sz="2400" dirty="0" smtClean="0"/>
+              <a:t>Draw the Network of the airlines problem</a:t>
+            </a:r>
+            <a:br>
+              <a:rPr lang="en-US" sz="2400" dirty="0" smtClean="0"/>
+            </a:br>
+            <a:r>
+              <a:rPr lang="en-US" sz="2400" dirty="0" smtClean="0"/>
+              <a:t/>
+            </a:r>
+            <a:br>
+              <a:rPr lang="en-US" sz="2400" dirty="0" smtClean="0"/>
+            </a:br>
+            <a:r>
+              <a:rPr lang="en-US" sz="2400" dirty="0" smtClean="0"/>
+              <a:t>Find the Shortest path from JAX to DFW</a:t>
+            </a:r>
+            <a:endParaRPr lang="en-US" sz="2400" dirty="0"/>
+          </a:p>
+        </p:txBody>
+      </p:sp>
+      <p:sp>
+        <p:nvSpPr>
+          <p:cNvPr id="4" name="Footer Placeholder 3"/>
+          <p:cNvSpPr>
+            <a:spLocks noGrp="1"/>
+          </p:cNvSpPr>
+          <p:nvPr>
+            <p:ph type="ftr" sz="quarter" idx="11"/>
+          </p:nvPr>
+        </p:nvSpPr>
+        <p:spPr/>
+        <p:txBody>
+          <a:bodyPr/>
+          <a:lstStyle/>
+          <a:p>
+            <a:pPr marL="171450" indent="-171450">
+              <a:buFont typeface="Arial" panose="020B0604020202020204" pitchFamily="34" charset="0"/>
+              <a:buChar char="•"/>
+            </a:pPr>
+            <a:r>
+              <a:rPr lang="en-US" smtClean="0"/>
+              <a:t>Python Projects on Optimization;By Tanmoy Das (Industrial Engineer &amp; Jr. Data Scientist)</a:t>
+            </a:r>
+            <a:endParaRPr lang="en-US"/>
+          </a:p>
+        </p:txBody>
+      </p:sp>
+      <p:pic>
+        <p:nvPicPr>
+          <p:cNvPr id="5" name="Picture 4"/>
+          <p:cNvPicPr>
+            <a:picLocks noChangeAspect="1"/>
+          </p:cNvPicPr>
+          <p:nvPr/>
+        </p:nvPicPr>
+        <p:blipFill>
+          <a:blip r:embed="rId2"/>
+          <a:stretch>
+            <a:fillRect/>
+          </a:stretch>
+        </p:blipFill>
+        <p:spPr>
+          <a:xfrm>
+            <a:off x="3766782" y="867383"/>
+            <a:ext cx="7532427" cy="4867106"/>
+          </a:xfrm>
+          <a:prstGeom prst="rect">
+            <a:avLst/>
+          </a:prstGeom>
+        </p:spPr>
+      </p:pic>
+      <p:sp>
+        <p:nvSpPr>
+          <p:cNvPr id="6" name="Oval 5"/>
+          <p:cNvSpPr/>
+          <p:nvPr/>
+        </p:nvSpPr>
+        <p:spPr>
+          <a:xfrm>
+            <a:off x="9580728" y="1323833"/>
+            <a:ext cx="791571" cy="777922"/>
+          </a:xfrm>
+          <a:prstGeom prst="ellipse">
+            <a:avLst/>
+          </a:prstGeom>
+          <a:solidFill>
+            <a:srgbClr val="FF0000"/>
+          </a:solidFill>
+        </p:spPr>
+        <p:style>
+          <a:lnRef idx="2">
+            <a:schemeClr val="accent1">
+              <a:shade val="50000"/>
+            </a:schemeClr>
+          </a:lnRef>
+          <a:fillRef idx="1">
+            <a:schemeClr val="accent1"/>
+          </a:fillRef>
+          <a:effectRef idx="0">
+            <a:schemeClr val="accent1"/>
+          </a:effectRef>
+          <a:fontRef idx="minor">
+            <a:schemeClr val="lt1"/>
+          </a:fontRef>
+        </p:style>
+        <p:txBody>
+          <a:bodyPr rtlCol="0" anchor="ctr"/>
+          <a:lstStyle/>
+          <a:p>
+            <a:pPr algn="ctr"/>
+            <a:r>
+              <a:rPr lang="en-US" dirty="0" smtClean="0"/>
+              <a:t>JAX</a:t>
+            </a:r>
+            <a:endParaRPr lang="en-US" dirty="0"/>
+          </a:p>
+        </p:txBody>
+      </p:sp>
+      <p:sp>
+        <p:nvSpPr>
+          <p:cNvPr id="7" name="Oval 6"/>
+          <p:cNvSpPr/>
+          <p:nvPr/>
+        </p:nvSpPr>
+        <p:spPr>
+          <a:xfrm>
+            <a:off x="5486400" y="1053151"/>
+            <a:ext cx="1023582" cy="830239"/>
+          </a:xfrm>
+          <a:prstGeom prst="ellipse">
+            <a:avLst/>
+          </a:prstGeom>
+          <a:solidFill>
+            <a:srgbClr val="FFFF00"/>
+          </a:solidFill>
+        </p:spPr>
+        <p:style>
+          <a:lnRef idx="2">
+            <a:schemeClr val="accent1">
+              <a:shade val="50000"/>
+            </a:schemeClr>
+          </a:lnRef>
+          <a:fillRef idx="1">
+            <a:schemeClr val="accent1"/>
+          </a:fillRef>
+          <a:effectRef idx="0">
+            <a:schemeClr val="accent1"/>
+          </a:effectRef>
+          <a:fontRef idx="minor">
+            <a:schemeClr val="lt1"/>
+          </a:fontRef>
+        </p:style>
+        <p:txBody>
+          <a:bodyPr rtlCol="0" anchor="ctr"/>
+          <a:lstStyle/>
+          <a:p>
+            <a:pPr algn="ctr"/>
+            <a:r>
+              <a:rPr lang="en-US" b="1" dirty="0" smtClean="0">
+                <a:solidFill>
+                  <a:schemeClr val="tx1">
+                    <a:lumMod val="95000"/>
+                    <a:lumOff val="5000"/>
+                  </a:schemeClr>
+                </a:solidFill>
+              </a:rPr>
+              <a:t>DFW</a:t>
+            </a:r>
+            <a:endParaRPr lang="en-US" b="1" dirty="0">
+              <a:solidFill>
+                <a:schemeClr val="tx1">
+                  <a:lumMod val="95000"/>
+                  <a:lumOff val="5000"/>
+                </a:schemeClr>
+              </a:solidFill>
+            </a:endParaRPr>
+          </a:p>
+        </p:txBody>
+      </p:sp>
+      <p:cxnSp>
+        <p:nvCxnSpPr>
+          <p:cNvPr id="9" name="Curved Connector 8"/>
+          <p:cNvCxnSpPr>
+            <a:stCxn id="6" idx="3"/>
+          </p:cNvCxnSpPr>
+          <p:nvPr/>
+        </p:nvCxnSpPr>
+        <p:spPr>
+          <a:xfrm rot="5400000" flipH="1">
+            <a:off x="7844106" y="135287"/>
+            <a:ext cx="104439" cy="3600651"/>
+          </a:xfrm>
+          <a:prstGeom prst="curvedConnector4">
+            <a:avLst>
+              <a:gd name="adj1" fmla="val -885336"/>
+              <a:gd name="adj2" fmla="val 73973"/>
+            </a:avLst>
+          </a:prstGeom>
+          <a:ln w="76200">
+            <a:solidFill>
+              <a:srgbClr val="002060"/>
+            </a:solidFill>
+            <a:tailEnd type="triangle"/>
+          </a:ln>
+        </p:spPr>
+        <p:style>
+          <a:lnRef idx="1">
+            <a:schemeClr val="accent1"/>
+          </a:lnRef>
+          <a:fillRef idx="0">
+            <a:schemeClr val="accent1"/>
+          </a:fillRef>
+          <a:effectRef idx="0">
+            <a:schemeClr val="accent1"/>
+          </a:effectRef>
+          <a:fontRef idx="minor">
+            <a:schemeClr val="tx1"/>
+          </a:fontRef>
+        </p:style>
+      </p:cxnSp>
+      <p:sp>
+        <p:nvSpPr>
+          <p:cNvPr id="14" name="Rectangle 13"/>
+          <p:cNvSpPr/>
+          <p:nvPr/>
+        </p:nvSpPr>
+        <p:spPr>
+          <a:xfrm>
+            <a:off x="891653" y="5892581"/>
+            <a:ext cx="7597253" cy="369332"/>
+          </a:xfrm>
+          <a:prstGeom prst="rect">
+            <a:avLst/>
+          </a:prstGeom>
+        </p:spPr>
+        <p:txBody>
+          <a:bodyPr wrap="square">
+            <a:spAutoFit/>
+          </a:bodyPr>
+          <a:lstStyle/>
+          <a:p>
+            <a:r>
+              <a:rPr lang="en-US" dirty="0" smtClean="0"/>
+              <a:t>https://www.kaggle.com/tanmoyie/traveling-salesman-problem</a:t>
+            </a:r>
+            <a:endParaRPr lang="en-US" dirty="0"/>
+          </a:p>
+        </p:txBody>
+      </p:sp>
+    </p:spTree>
+    <p:extLst>
+      <p:ext uri="{BB962C8B-B14F-4D97-AF65-F5344CB8AC3E}">
+        <p14:creationId xmlns:p14="http://schemas.microsoft.com/office/powerpoint/2010/main" val="599764558"/>
+      </p:ext>
+    </p:extLst>
+  </p:cSld>
+  <p:clrMapOvr>
+    <a:masterClrMapping/>
+  </p:clrMapOvr>
+  <p:timing>
+    <p:tnLst>
+      <p:par>
+        <p:cTn id="1" dur="indefinite" restart="never" nodeType="tmRoot">
+          <p:childTnLst>
+            <p:seq concurrent="1" nextAc="seek">
+              <p:cTn id="2" dur="indefinite" nodeType="mainSeq">
+                <p:childTnLst>
+                  <p:par>
+                    <p:cTn id="3" fill="hold">
+                      <p:stCondLst>
+                        <p:cond delay="indefinite"/>
+                      </p:stCondLst>
+                      <p:childTnLst>
+                        <p:par>
+                          <p:cTn id="4" fill="hold">
+                            <p:stCondLst>
+                              <p:cond delay="0"/>
+                            </p:stCondLst>
+                            <p:childTnLst>
+                              <p:par>
+                                <p:cTn id="5" presetID="10" presetClass="entr" presetSubtype="0" fill="hold" grpId="0" nodeType="clickEffect">
+                                  <p:stCondLst>
+                                    <p:cond delay="0"/>
+                                  </p:stCondLst>
+                                  <p:childTnLst>
+                                    <p:set>
+                                      <p:cBhvr>
+                                        <p:cTn id="6" dur="1" fill="hold">
+                                          <p:stCondLst>
+                                            <p:cond delay="0"/>
+                                          </p:stCondLst>
+                                        </p:cTn>
+                                        <p:tgtEl>
+                                          <p:spTgt spid="6"/>
+                                        </p:tgtEl>
+                                        <p:attrNameLst>
+                                          <p:attrName>style.visibility</p:attrName>
+                                        </p:attrNameLst>
+                                      </p:cBhvr>
+                                      <p:to>
+                                        <p:strVal val="visible"/>
+                                      </p:to>
+                                    </p:set>
+                                    <p:animEffect transition="in" filter="fade">
+                                      <p:cBhvr>
+                                        <p:cTn id="7" dur="500"/>
+                                        <p:tgtEl>
+                                          <p:spTgt spid="6"/>
+                                        </p:tgtEl>
+                                      </p:cBhvr>
+                                    </p:animEffect>
+                                  </p:childTnLst>
+                                </p:cTn>
+                              </p:par>
+                            </p:childTnLst>
+                          </p:cTn>
+                        </p:par>
+                      </p:childTnLst>
+                    </p:cTn>
+                  </p:par>
+                  <p:par>
+                    <p:cTn id="8" fill="hold">
+                      <p:stCondLst>
+                        <p:cond delay="indefinite"/>
+                      </p:stCondLst>
+                      <p:childTnLst>
+                        <p:par>
+                          <p:cTn id="9" fill="hold">
+                            <p:stCondLst>
+                              <p:cond delay="0"/>
+                            </p:stCondLst>
+                            <p:childTnLst>
+                              <p:par>
+                                <p:cTn id="10" presetID="10" presetClass="entr" presetSubtype="0" fill="hold" grpId="0" nodeType="clickEffect">
+                                  <p:stCondLst>
+                                    <p:cond delay="0"/>
+                                  </p:stCondLst>
+                                  <p:childTnLst>
+                                    <p:set>
+                                      <p:cBhvr>
+                                        <p:cTn id="11" dur="1" fill="hold">
+                                          <p:stCondLst>
+                                            <p:cond delay="0"/>
+                                          </p:stCondLst>
+                                        </p:cTn>
+                                        <p:tgtEl>
+                                          <p:spTgt spid="7"/>
+                                        </p:tgtEl>
+                                        <p:attrNameLst>
+                                          <p:attrName>style.visibility</p:attrName>
+                                        </p:attrNameLst>
+                                      </p:cBhvr>
+                                      <p:to>
+                                        <p:strVal val="visible"/>
+                                      </p:to>
+                                    </p:set>
+                                    <p:animEffect transition="in" filter="fade">
+                                      <p:cBhvr>
+                                        <p:cTn id="12" dur="500"/>
+                                        <p:tgtEl>
+                                          <p:spTgt spid="7"/>
+                                        </p:tgtEl>
+                                      </p:cBhvr>
+                                    </p:animEffect>
+                                  </p:childTnLst>
+                                </p:cTn>
+                              </p:par>
+                            </p:childTnLst>
+                          </p:cTn>
+                        </p:par>
+                      </p:childTnLst>
+                    </p:cTn>
+                  </p:par>
+                  <p:par>
+                    <p:cTn id="13" fill="hold">
+                      <p:stCondLst>
+                        <p:cond delay="indefinite"/>
+                      </p:stCondLst>
+                      <p:childTnLst>
+                        <p:par>
+                          <p:cTn id="14" fill="hold">
+                            <p:stCondLst>
+                              <p:cond delay="0"/>
+                            </p:stCondLst>
+                            <p:childTnLst>
+                              <p:par>
+                                <p:cTn id="15" presetID="16" presetClass="entr" presetSubtype="21" fill="hold" nodeType="clickEffect">
+                                  <p:stCondLst>
+                                    <p:cond delay="0"/>
+                                  </p:stCondLst>
+                                  <p:childTnLst>
+                                    <p:set>
+                                      <p:cBhvr>
+                                        <p:cTn id="16" dur="1" fill="hold">
+                                          <p:stCondLst>
+                                            <p:cond delay="0"/>
+                                          </p:stCondLst>
+                                        </p:cTn>
+                                        <p:tgtEl>
+                                          <p:spTgt spid="9"/>
+                                        </p:tgtEl>
+                                        <p:attrNameLst>
+                                          <p:attrName>style.visibility</p:attrName>
+                                        </p:attrNameLst>
+                                      </p:cBhvr>
+                                      <p:to>
+                                        <p:strVal val="visible"/>
+                                      </p:to>
+                                    </p:set>
+                                    <p:animEffect transition="in" filter="barn(inVertical)">
+                                      <p:cBhvr>
+                                        <p:cTn id="17" dur="500"/>
+                                        <p:tgtEl>
+                                          <p:spTgt spid="9"/>
+                                        </p:tgtEl>
+                                      </p:cBhvr>
+                                    </p:animEffect>
+                                  </p:childTnLst>
+                                </p:cTn>
+                              </p:par>
+                            </p:childTnLst>
+                          </p:cTn>
+                        </p:par>
+                      </p:childTnLst>
+                    </p:cTn>
+                  </p:par>
+                </p:childTnLst>
+              </p:cTn>
+              <p:prevCondLst>
+                <p:cond evt="onPrev" delay="0">
+                  <p:tgtEl>
+                    <p:sldTgt/>
+                  </p:tgtEl>
+                </p:cond>
+              </p:prevCondLst>
+              <p:nextCondLst>
+                <p:cond evt="onNext" delay="0">
+                  <p:tgtEl>
+                    <p:sldTgt/>
+                  </p:tgtEl>
+                </p:cond>
+              </p:nextCondLst>
+            </p:seq>
+          </p:childTnLst>
+        </p:cTn>
+      </p:par>
+    </p:tnLst>
+    <p:bldLst>
+      <p:bldP spid="6" grpId="0" animBg="1"/>
+      <p:bldP spid="7" grpId="0" animBg="1"/>
+    </p:bldLst>
+  </p:timing>
+</p:sld>
+</file>
+
+<file path=ppt/slides/slide7.xml><?xml version="1.0" encoding="utf-8"?>
 <p:sld xmlns:a="http://schemas.openxmlformats.org/drawingml/2006/main" xmlns:r="http://schemas.openxmlformats.org/officeDocument/2006/relationships" xmlns:p="http://schemas.openxmlformats.org/presentationml/2006/main">
   <p:cSld>
     <p:bg>
@@ -3286,20 +8853,51 @@
             <p:ph type="title"/>
           </p:nvPr>
         </p:nvSpPr>
-        <p:spPr/>
+        <p:spPr>
+          <a:xfrm>
+            <a:off x="838200" y="365125"/>
+            <a:ext cx="10515600" cy="1325563"/>
+          </a:xfrm>
+        </p:spPr>
+        <p:style>
+          <a:lnRef idx="0">
+            <a:schemeClr val="accent5"/>
+          </a:lnRef>
+          <a:fillRef idx="3">
+            <a:schemeClr val="accent5"/>
+          </a:fillRef>
+          <a:effectRef idx="3">
+            <a:schemeClr val="accent5"/>
+          </a:effectRef>
+          <a:fontRef idx="minor">
+            <a:schemeClr val="lt1"/>
+          </a:fontRef>
+        </p:style>
         <p:txBody>
           <a:bodyPr/>
           <a:lstStyle/>
           <a:p>
+            <a:pPr algn="ctr"/>
             <a:r>
               <a:rPr lang="en-US" dirty="0" smtClean="0"/>
-              <a:t>Network Optimization: Airlines Optimizatio</a:t>
-            </a:r>
-            <a:r>
-              <a:rPr lang="en-US" dirty="0" smtClean="0"/>
+              <a:t>Network Optimization: </a:t>
+            </a:r>
+            <a:r>
+              <a:rPr lang="en-US" b="1" dirty="0" smtClean="0"/>
+              <a:t/>
+            </a:r>
+            <a:br>
+              <a:rPr lang="en-US" b="1" dirty="0" smtClean="0"/>
+            </a:br>
+            <a:r>
+              <a:rPr lang="en-US" b="1" dirty="0" smtClean="0"/>
+              <a:t>Airlines Optimizatio</a:t>
+            </a:r>
+            <a:r>
+              <a:rPr lang="en-US" b="1" dirty="0" smtClean="0"/>
               <a:t>n Problem</a:t>
             </a:r>
-            <a:endParaRPr lang="en-US" dirty="0"/>
+            <a:endParaRPr lang="en-US" b="1" dirty="0"/>
           </a:p>
         </p:txBody>
       </p:sp>
@@ -3313,62 +8911,120 @@
             <p:ph idx="1"/>
           </p:nvPr>
         </p:nvSpPr>
-        <p:spPr/>
+        <p:spPr>
+          <a:xfrm>
+            <a:off x="838200" y="1893865"/>
+            <a:ext cx="10515600" cy="4351338"/>
+          </a:xfrm>
+        </p:spPr>
+        <p:txBody>
+          <a:bodyPr>
+            <a:normAutofit/>
+          </a:bodyPr>
+          <a:lstStyle/>
+          <a:p>
+            <a:r>
+              <a:rPr lang="en-US" b="1" dirty="0" smtClean="0"/>
+              <a:t>Import the libraries</a:t>
+            </a:r>
+          </a:p>
+          <a:p>
+            <a:r>
+              <a:rPr lang="en-US" b="1" dirty="0" smtClean="0"/>
+              <a:t>Import the dataset</a:t>
+            </a:r>
+          </a:p>
+          <a:p>
+            <a:r>
+              <a:rPr lang="en-US" b="1" dirty="0" smtClean="0">
+                <a:solidFill>
+                  <a:srgbClr val="00B050"/>
+                </a:solidFill>
+              </a:rPr>
+              <a:t>Data processing (e.g. date, time)</a:t>
+            </a:r>
+          </a:p>
+          <a:p>
+            <a:r>
+              <a:rPr lang="en-US" b="1" dirty="0" err="1" smtClean="0"/>
+              <a:t>from_pandas_edgelist</a:t>
+            </a:r>
+            <a:r>
+              <a:rPr lang="en-US" b="1" dirty="0" smtClean="0"/>
+              <a:t>(data, source='origin', target='</a:t>
+            </a:r>
+            <a:r>
+              <a:rPr lang="en-US" b="1" dirty="0" err="1" smtClean="0"/>
+              <a:t>dest</a:t>
+            </a:r>
+            <a:r>
+              <a:rPr lang="en-US" b="1" dirty="0" smtClean="0"/>
+              <a:t>', </a:t>
+            </a:r>
+            <a:r>
+              <a:rPr lang="en-US" b="1" dirty="0" err="1" smtClean="0"/>
+              <a:t>edge_attr</a:t>
+            </a:r>
+            <a:r>
+              <a:rPr lang="en-US" b="1" dirty="0" smtClean="0"/>
+              <a:t>=True,)</a:t>
+            </a:r>
+          </a:p>
+          <a:p>
+            <a:r>
+              <a:rPr lang="en-US" b="1" dirty="0" smtClean="0">
+                <a:solidFill>
+                  <a:srgbClr val="FF0000"/>
+                </a:solidFill>
+              </a:rPr>
+              <a:t>Add node, edge &amp; draw the network</a:t>
+            </a:r>
+          </a:p>
+          <a:p>
+            <a:r>
+              <a:rPr lang="en-US" b="1" dirty="0" smtClean="0"/>
+              <a:t>Determine the unique sources</a:t>
+            </a:r>
+            <a:endParaRPr lang="en-US" sz="2400" b="1" dirty="0" smtClean="0"/>
+          </a:p>
+          <a:p>
+            <a:r>
+              <a:rPr lang="en-US" sz="2400" b="1" dirty="0" smtClean="0"/>
+              <a:t>Find shorted path between Jacksonville International Airport to Dallas/Fort Worth International Airport</a:t>
+            </a:r>
+            <a:endParaRPr lang="en-US" sz="2400" b="1" dirty="0"/>
+          </a:p>
+        </p:txBody>
+      </p:sp>
+      <p:sp>
+        <p:nvSpPr>
+          <p:cNvPr id="4" name="Footer Placeholder 3"/>
+          <p:cNvSpPr>
+            <a:spLocks noGrp="1"/>
+          </p:cNvSpPr>
+          <p:nvPr>
+            <p:ph type="ftr" sz="quarter" idx="11"/>
+          </p:nvPr>
+        </p:nvSpPr>
+        <p:spPr>
+          <a:xfrm>
+            <a:off x="4038600" y="6118727"/>
+            <a:ext cx="4114800" cy="365125"/>
+          </a:xfrm>
+        </p:spPr>
         <p:txBody>
           <a:bodyPr/>
           <a:lstStyle/>
           <a:p>
             <a:r>
               <a:rPr lang="en-US" dirty="0" smtClean="0"/>
-              <a:t>Import the libraries</a:t>
+              <a:t>Python Projects on Optimization;</a:t>
             </a:r>
           </a:p>
           <a:p>
             <a:r>
               <a:rPr lang="en-US" dirty="0" smtClean="0"/>
-              <a:t>Import the dataset</a:t>
-            </a:r>
-          </a:p>
-          <a:p>
-            <a:r>
-              <a:rPr lang="en-US" dirty="0" smtClean="0"/>
-              <a:t>Data processing (e.g. date, time)</a:t>
-            </a:r>
-          </a:p>
-          <a:p>
-            <a:r>
-              <a:rPr lang="en-US" dirty="0" err="1" smtClean="0"/>
-              <a:t>from_pandas_edgelist</a:t>
-            </a:r>
-            <a:r>
-              <a:rPr lang="en-US" dirty="0" smtClean="0"/>
-              <a:t>(data, source='origin', target='</a:t>
-            </a:r>
-            <a:r>
-              <a:rPr lang="en-US" dirty="0" err="1" smtClean="0"/>
-              <a:t>dest</a:t>
-            </a:r>
-            <a:r>
-              <a:rPr lang="en-US" dirty="0" smtClean="0"/>
-              <a:t>', </a:t>
-            </a:r>
-            <a:r>
-              <a:rPr lang="en-US" dirty="0" err="1" smtClean="0"/>
-              <a:t>edge_attr</a:t>
-            </a:r>
-            <a:r>
-              <a:rPr lang="en-US" dirty="0" smtClean="0"/>
-              <a:t>=True,)</a:t>
-            </a:r>
-          </a:p>
-          <a:p>
-            <a:r>
-              <a:rPr lang="en-US" dirty="0" smtClean="0"/>
-              <a:t>Add node, edge &amp; draw </a:t>
-            </a:r>
-            <a:r>
-              <a:rPr lang="en-US" smtClean="0"/>
-              <a:t>the network</a:t>
+              <a:t>By Tanmoy Das (Industrial Engineer &amp; Jr. Data Scientist)</a:t>
             </a:r>
             <a:endParaRPr lang="en-US" dirty="0"/>
           </a:p>
@@ -3387,9 +9043,1560 @@
   <p:timing>
     <p:tnLst>
       <p:par>
+        <p:cTn id="1" dur="indefinite" restart="never" nodeType="tmRoot">
+          <p:childTnLst>
+            <p:seq concurrent="1" nextAc="seek">
+              <p:cTn id="2" dur="indefinite" nodeType="mainSeq">
+                <p:childTnLst>
+                  <p:par>
+                    <p:cTn id="3" fill="hold">
+                      <p:stCondLst>
+                        <p:cond delay="indefinite"/>
+                      </p:stCondLst>
+                      <p:childTnLst>
+                        <p:par>
+                          <p:cTn id="4" fill="hold">
+                            <p:stCondLst>
+                              <p:cond delay="0"/>
+                            </p:stCondLst>
+                            <p:childTnLst>
+                              <p:par>
+                                <p:cTn id="5" presetID="10" presetClass="entr" presetSubtype="0" fill="hold" nodeType="clickEffect">
+                                  <p:stCondLst>
+                                    <p:cond delay="0"/>
+                                  </p:stCondLst>
+                                  <p:childTnLst>
+                                    <p:set>
+                                      <p:cBhvr>
+                                        <p:cTn id="6" dur="1" fill="hold">
+                                          <p:stCondLst>
+                                            <p:cond delay="0"/>
+                                          </p:stCondLst>
+                                        </p:cTn>
+                                        <p:tgtEl>
+                                          <p:spTgt spid="3">
+                                            <p:txEl>
+                                              <p:pRg st="0" end="0"/>
+                                            </p:txEl>
+                                          </p:spTgt>
+                                        </p:tgtEl>
+                                        <p:attrNameLst>
+                                          <p:attrName>style.visibility</p:attrName>
+                                        </p:attrNameLst>
+                                      </p:cBhvr>
+                                      <p:to>
+                                        <p:strVal val="visible"/>
+                                      </p:to>
+                                    </p:set>
+                                    <p:animEffect transition="in" filter="fade">
+                                      <p:cBhvr>
+                                        <p:cTn id="7" dur="500"/>
+                                        <p:tgtEl>
+                                          <p:spTgt spid="3">
+                                            <p:txEl>
+                                              <p:pRg st="0" end="0"/>
+                                            </p:txEl>
+                                          </p:spTgt>
+                                        </p:tgtEl>
+                                      </p:cBhvr>
+                                    </p:animEffect>
+                                  </p:childTnLst>
+                                </p:cTn>
+                              </p:par>
+                            </p:childTnLst>
+                          </p:cTn>
+                        </p:par>
+                      </p:childTnLst>
+                    </p:cTn>
+                  </p:par>
+                  <p:par>
+                    <p:cTn id="8" fill="hold">
+                      <p:stCondLst>
+                        <p:cond delay="indefinite"/>
+                      </p:stCondLst>
+                      <p:childTnLst>
+                        <p:par>
+                          <p:cTn id="9" fill="hold">
+                            <p:stCondLst>
+                              <p:cond delay="0"/>
+                            </p:stCondLst>
+                            <p:childTnLst>
+                              <p:par>
+                                <p:cTn id="10" presetID="10" presetClass="entr" presetSubtype="0" fill="hold" nodeType="clickEffect">
+                                  <p:stCondLst>
+                                    <p:cond delay="0"/>
+                                  </p:stCondLst>
+                                  <p:childTnLst>
+                                    <p:set>
+                                      <p:cBhvr>
+                                        <p:cTn id="11" dur="1" fill="hold">
+                                          <p:stCondLst>
+                                            <p:cond delay="0"/>
+                                          </p:stCondLst>
+                                        </p:cTn>
+                                        <p:tgtEl>
+                                          <p:spTgt spid="3">
+                                            <p:txEl>
+                                              <p:pRg st="1" end="1"/>
+                                            </p:txEl>
+                                          </p:spTgt>
+                                        </p:tgtEl>
+                                        <p:attrNameLst>
+                                          <p:attrName>style.visibility</p:attrName>
+                                        </p:attrNameLst>
+                                      </p:cBhvr>
+                                      <p:to>
+                                        <p:strVal val="visible"/>
+                                      </p:to>
+                                    </p:set>
+                                    <p:animEffect transition="in" filter="fade">
+                                      <p:cBhvr>
+                                        <p:cTn id="12" dur="500"/>
+                                        <p:tgtEl>
+                                          <p:spTgt spid="3">
+                                            <p:txEl>
+                                              <p:pRg st="1" end="1"/>
+                                            </p:txEl>
+                                          </p:spTgt>
+                                        </p:tgtEl>
+                                      </p:cBhvr>
+                                    </p:animEffect>
+                                  </p:childTnLst>
+                                </p:cTn>
+                              </p:par>
+                            </p:childTnLst>
+                          </p:cTn>
+                        </p:par>
+                      </p:childTnLst>
+                    </p:cTn>
+                  </p:par>
+                  <p:par>
+                    <p:cTn id="13" fill="hold">
+                      <p:stCondLst>
+                        <p:cond delay="indefinite"/>
+                      </p:stCondLst>
+                      <p:childTnLst>
+                        <p:par>
+                          <p:cTn id="14" fill="hold">
+                            <p:stCondLst>
+                              <p:cond delay="0"/>
+                            </p:stCondLst>
+                            <p:childTnLst>
+                              <p:par>
+                                <p:cTn id="15" presetID="10" presetClass="entr" presetSubtype="0" fill="hold" nodeType="clickEffect">
+                                  <p:stCondLst>
+                                    <p:cond delay="0"/>
+                                  </p:stCondLst>
+                                  <p:childTnLst>
+                                    <p:set>
+                                      <p:cBhvr>
+                                        <p:cTn id="16" dur="1" fill="hold">
+                                          <p:stCondLst>
+                                            <p:cond delay="0"/>
+                                          </p:stCondLst>
+                                        </p:cTn>
+                                        <p:tgtEl>
+                                          <p:spTgt spid="3">
+                                            <p:txEl>
+                                              <p:pRg st="2" end="2"/>
+                                            </p:txEl>
+                                          </p:spTgt>
+                                        </p:tgtEl>
+                                        <p:attrNameLst>
+                                          <p:attrName>style.visibility</p:attrName>
+                                        </p:attrNameLst>
+                                      </p:cBhvr>
+                                      <p:to>
+                                        <p:strVal val="visible"/>
+                                      </p:to>
+                                    </p:set>
+                                    <p:animEffect transition="in" filter="fade">
+                                      <p:cBhvr>
+                                        <p:cTn id="17" dur="500"/>
+                                        <p:tgtEl>
+                                          <p:spTgt spid="3">
+                                            <p:txEl>
+                                              <p:pRg st="2" end="2"/>
+                                            </p:txEl>
+                                          </p:spTgt>
+                                        </p:tgtEl>
+                                      </p:cBhvr>
+                                    </p:animEffect>
+                                  </p:childTnLst>
+                                </p:cTn>
+                              </p:par>
+                            </p:childTnLst>
+                          </p:cTn>
+                        </p:par>
+                      </p:childTnLst>
+                    </p:cTn>
+                  </p:par>
+                  <p:par>
+                    <p:cTn id="18" fill="hold">
+                      <p:stCondLst>
+                        <p:cond delay="indefinite"/>
+                      </p:stCondLst>
+                      <p:childTnLst>
+                        <p:par>
+                          <p:cTn id="19" fill="hold">
+                            <p:stCondLst>
+                              <p:cond delay="0"/>
+                            </p:stCondLst>
+                            <p:childTnLst>
+                              <p:par>
+                                <p:cTn id="20" presetID="10" presetClass="entr" presetSubtype="0" fill="hold" nodeType="clickEffect">
+                                  <p:stCondLst>
+                                    <p:cond delay="0"/>
+                                  </p:stCondLst>
+                                  <p:childTnLst>
+                                    <p:set>
+                                      <p:cBhvr>
+                                        <p:cTn id="21" dur="1" fill="hold">
+                                          <p:stCondLst>
+                                            <p:cond delay="0"/>
+                                          </p:stCondLst>
+                                        </p:cTn>
+                                        <p:tgtEl>
+                                          <p:spTgt spid="3">
+                                            <p:txEl>
+                                              <p:pRg st="3" end="3"/>
+                                            </p:txEl>
+                                          </p:spTgt>
+                                        </p:tgtEl>
+                                        <p:attrNameLst>
+                                          <p:attrName>style.visibility</p:attrName>
+                                        </p:attrNameLst>
+                                      </p:cBhvr>
+                                      <p:to>
+                                        <p:strVal val="visible"/>
+                                      </p:to>
+                                    </p:set>
+                                    <p:animEffect transition="in" filter="fade">
+                                      <p:cBhvr>
+                                        <p:cTn id="22" dur="500"/>
+                                        <p:tgtEl>
+                                          <p:spTgt spid="3">
+                                            <p:txEl>
+                                              <p:pRg st="3" end="3"/>
+                                            </p:txEl>
+                                          </p:spTgt>
+                                        </p:tgtEl>
+                                      </p:cBhvr>
+                                    </p:animEffect>
+                                  </p:childTnLst>
+                                </p:cTn>
+                              </p:par>
+                            </p:childTnLst>
+                          </p:cTn>
+                        </p:par>
+                      </p:childTnLst>
+                    </p:cTn>
+                  </p:par>
+                  <p:par>
+                    <p:cTn id="23" fill="hold">
+                      <p:stCondLst>
+                        <p:cond delay="indefinite"/>
+                      </p:stCondLst>
+                      <p:childTnLst>
+                        <p:par>
+                          <p:cTn id="24" fill="hold">
+                            <p:stCondLst>
+                              <p:cond delay="0"/>
+                            </p:stCondLst>
+                            <p:childTnLst>
+                              <p:par>
+                                <p:cTn id="25" presetID="10" presetClass="entr" presetSubtype="0" fill="hold" nodeType="clickEffect">
+                                  <p:stCondLst>
+                                    <p:cond delay="0"/>
+                                  </p:stCondLst>
+                                  <p:childTnLst>
+                                    <p:set>
+                                      <p:cBhvr>
+                                        <p:cTn id="26" dur="1" fill="hold">
+                                          <p:stCondLst>
+                                            <p:cond delay="0"/>
+                                          </p:stCondLst>
+                                        </p:cTn>
+                                        <p:tgtEl>
+                                          <p:spTgt spid="3">
+                                            <p:txEl>
+                                              <p:pRg st="4" end="4"/>
+                                            </p:txEl>
+                                          </p:spTgt>
+                                        </p:tgtEl>
+                                        <p:attrNameLst>
+                                          <p:attrName>style.visibility</p:attrName>
+                                        </p:attrNameLst>
+                                      </p:cBhvr>
+                                      <p:to>
+                                        <p:strVal val="visible"/>
+                                      </p:to>
+                                    </p:set>
+                                    <p:animEffect transition="in" filter="fade">
+                                      <p:cBhvr>
+                                        <p:cTn id="27" dur="500"/>
+                                        <p:tgtEl>
+                                          <p:spTgt spid="3">
+                                            <p:txEl>
+                                              <p:pRg st="4" end="4"/>
+                                            </p:txEl>
+                                          </p:spTgt>
+                                        </p:tgtEl>
+                                      </p:cBhvr>
+                                    </p:animEffect>
+                                  </p:childTnLst>
+                                </p:cTn>
+                              </p:par>
+                            </p:childTnLst>
+                          </p:cTn>
+                        </p:par>
+                      </p:childTnLst>
+                    </p:cTn>
+                  </p:par>
+                  <p:par>
+                    <p:cTn id="28" fill="hold">
+                      <p:stCondLst>
+                        <p:cond delay="indefinite"/>
+                      </p:stCondLst>
+                      <p:childTnLst>
+                        <p:par>
+                          <p:cTn id="29" fill="hold">
+                            <p:stCondLst>
+                              <p:cond delay="0"/>
+                            </p:stCondLst>
+                            <p:childTnLst>
+                              <p:par>
+                                <p:cTn id="30" presetID="10" presetClass="entr" presetSubtype="0" fill="hold" nodeType="clickEffect">
+                                  <p:stCondLst>
+                                    <p:cond delay="0"/>
+                                  </p:stCondLst>
+                                  <p:childTnLst>
+                                    <p:set>
+                                      <p:cBhvr>
+                                        <p:cTn id="31" dur="1" fill="hold">
+                                          <p:stCondLst>
+                                            <p:cond delay="0"/>
+                                          </p:stCondLst>
+                                        </p:cTn>
+                                        <p:tgtEl>
+                                          <p:spTgt spid="3">
+                                            <p:txEl>
+                                              <p:pRg st="5" end="5"/>
+                                            </p:txEl>
+                                          </p:spTgt>
+                                        </p:tgtEl>
+                                        <p:attrNameLst>
+                                          <p:attrName>style.visibility</p:attrName>
+                                        </p:attrNameLst>
+                                      </p:cBhvr>
+                                      <p:to>
+                                        <p:strVal val="visible"/>
+                                      </p:to>
+                                    </p:set>
+                                    <p:animEffect transition="in" filter="fade">
+                                      <p:cBhvr>
+                                        <p:cTn id="32" dur="500"/>
+                                        <p:tgtEl>
+                                          <p:spTgt spid="3">
+                                            <p:txEl>
+                                              <p:pRg st="5" end="5"/>
+                                            </p:txEl>
+                                          </p:spTgt>
+                                        </p:tgtEl>
+                                      </p:cBhvr>
+                                    </p:animEffect>
+                                  </p:childTnLst>
+                                </p:cTn>
+                              </p:par>
+                            </p:childTnLst>
+                          </p:cTn>
+                        </p:par>
+                      </p:childTnLst>
+                    </p:cTn>
+                  </p:par>
+                  <p:par>
+                    <p:cTn id="33" fill="hold">
+                      <p:stCondLst>
+                        <p:cond delay="indefinite"/>
+                      </p:stCondLst>
+                      <p:childTnLst>
+                        <p:par>
+                          <p:cTn id="34" fill="hold">
+                            <p:stCondLst>
+                              <p:cond delay="0"/>
+                            </p:stCondLst>
+                            <p:childTnLst>
+                              <p:par>
+                                <p:cTn id="35" presetID="10" presetClass="entr" presetSubtype="0" fill="hold" nodeType="clickEffect">
+                                  <p:stCondLst>
+                                    <p:cond delay="0"/>
+                                  </p:stCondLst>
+                                  <p:childTnLst>
+                                    <p:set>
+                                      <p:cBhvr>
+                                        <p:cTn id="36" dur="1" fill="hold">
+                                          <p:stCondLst>
+                                            <p:cond delay="0"/>
+                                          </p:stCondLst>
+                                        </p:cTn>
+                                        <p:tgtEl>
+                                          <p:spTgt spid="3">
+                                            <p:txEl>
+                                              <p:pRg st="6" end="6"/>
+                                            </p:txEl>
+                                          </p:spTgt>
+                                        </p:tgtEl>
+                                        <p:attrNameLst>
+                                          <p:attrName>style.visibility</p:attrName>
+                                        </p:attrNameLst>
+                                      </p:cBhvr>
+                                      <p:to>
+                                        <p:strVal val="visible"/>
+                                      </p:to>
+                                    </p:set>
+                                    <p:animEffect transition="in" filter="fade">
+                                      <p:cBhvr>
+                                        <p:cTn id="37" dur="500"/>
+                                        <p:tgtEl>
+                                          <p:spTgt spid="3">
+                                            <p:txEl>
+                                              <p:pRg st="6" end="6"/>
+                                            </p:txEl>
+                                          </p:spTgt>
+                                        </p:tgtEl>
+                                      </p:cBhvr>
+                                    </p:animEffect>
+                                  </p:childTnLst>
+                                </p:cTn>
+                              </p:par>
+                            </p:childTnLst>
+                          </p:cTn>
+                        </p:par>
+                      </p:childTnLst>
+                    </p:cTn>
+                  </p:par>
+                </p:childTnLst>
+              </p:cTn>
+              <p:prevCondLst>
+                <p:cond evt="onPrev" delay="0">
+                  <p:tgtEl>
+                    <p:sldTgt/>
+                  </p:tgtEl>
+                </p:cond>
+              </p:prevCondLst>
+              <p:nextCondLst>
+                <p:cond evt="onNext" delay="0">
+                  <p:tgtEl>
+                    <p:sldTgt/>
+                  </p:tgtEl>
+                </p:cond>
+              </p:nextCondLst>
+            </p:seq>
+          </p:childTnLst>
+        </p:cTn>
+      </p:par>
+    </p:tnLst>
+  </p:timing>
+</p:sld>
+</file>
+
+<file path=ppt/slides/slide8.xml><?xml version="1.0" encoding="utf-8"?>
+<p:sld xmlns:a="http://schemas.openxmlformats.org/drawingml/2006/main" xmlns:r="http://schemas.openxmlformats.org/officeDocument/2006/relationships" xmlns:p="http://schemas.openxmlformats.org/presentationml/2006/main">
+  <p:cSld>
+    <p:spTree>
+      <p:nvGrpSpPr>
+        <p:cNvPr id="1" name=""/>
+        <p:cNvGrpSpPr/>
+        <p:nvPr/>
+      </p:nvGrpSpPr>
+      <p:grpSpPr>
+        <a:xfrm>
+          <a:off x="0" y="0"/>
+          <a:ext cx="0" cy="0"/>
+          <a:chOff x="0" y="0"/>
+          <a:chExt cx="0" cy="0"/>
+        </a:xfrm>
+      </p:grpSpPr>
+      <p:sp>
+        <p:nvSpPr>
+          <p:cNvPr id="2" name="Title 1"/>
+          <p:cNvSpPr>
+            <a:spLocks noGrp="1"/>
+          </p:cNvSpPr>
+          <p:nvPr>
+            <p:ph type="title"/>
+          </p:nvPr>
+        </p:nvSpPr>
+        <p:spPr/>
+        <p:txBody>
+          <a:bodyPr/>
+          <a:lstStyle/>
+          <a:p>
+            <a:endParaRPr lang="en-US"/>
+          </a:p>
+        </p:txBody>
+      </p:sp>
+      <p:sp>
+        <p:nvSpPr>
+          <p:cNvPr id="3" name="Content Placeholder 2"/>
+          <p:cNvSpPr>
+            <a:spLocks noGrp="1"/>
+          </p:cNvSpPr>
+          <p:nvPr>
+            <p:ph idx="1"/>
+          </p:nvPr>
+        </p:nvSpPr>
+        <p:spPr/>
+        <p:txBody>
+          <a:bodyPr/>
+          <a:lstStyle/>
+          <a:p>
+            <a:endParaRPr lang="en-US" dirty="0"/>
+          </a:p>
+        </p:txBody>
+      </p:sp>
+      <p:pic>
+        <p:nvPicPr>
+          <p:cNvPr id="6" name="Picture 5"/>
+          <p:cNvPicPr>
+            <a:picLocks noChangeAspect="1"/>
+          </p:cNvPicPr>
+          <p:nvPr/>
+        </p:nvPicPr>
+        <p:blipFill>
+          <a:blip r:embed="rId2"/>
+          <a:stretch>
+            <a:fillRect/>
+          </a:stretch>
+        </p:blipFill>
+        <p:spPr>
+          <a:xfrm>
+            <a:off x="838200" y="365125"/>
+            <a:ext cx="10515600" cy="5829300"/>
+          </a:xfrm>
+          <a:prstGeom prst="rect">
+            <a:avLst/>
+          </a:prstGeom>
+        </p:spPr>
+      </p:pic>
+    </p:spTree>
+    <p:extLst>
+      <p:ext uri="{BB962C8B-B14F-4D97-AF65-F5344CB8AC3E}">
+        <p14:creationId xmlns:p14="http://schemas.microsoft.com/office/powerpoint/2010/main" val="1816152499"/>
+      </p:ext>
+    </p:extLst>
+  </p:cSld>
+  <p:clrMapOvr>
+    <a:masterClrMapping/>
+  </p:clrMapOvr>
+  <p:timing>
+    <p:tnLst>
+      <p:par>
         <p:cTn id="1" dur="indefinite" restart="never" nodeType="tmRoot"/>
       </p:par>
     </p:tnLst>
+  </p:timing>
+</p:sld>
+</file>
+
+<file path=ppt/slides/slide9.xml><?xml version="1.0" encoding="utf-8"?>
+<p:sld xmlns:a="http://schemas.openxmlformats.org/drawingml/2006/main" xmlns:r="http://schemas.openxmlformats.org/officeDocument/2006/relationships" xmlns:p="http://schemas.openxmlformats.org/presentationml/2006/main">
+  <p:cSld>
+    <p:spTree>
+      <p:nvGrpSpPr>
+        <p:cNvPr id="1" name=""/>
+        <p:cNvGrpSpPr/>
+        <p:nvPr/>
+      </p:nvGrpSpPr>
+      <p:grpSpPr>
+        <a:xfrm>
+          <a:off x="0" y="0"/>
+          <a:ext cx="0" cy="0"/>
+          <a:chOff x="0" y="0"/>
+          <a:chExt cx="0" cy="0"/>
+        </a:xfrm>
+      </p:grpSpPr>
+      <p:sp>
+        <p:nvSpPr>
+          <p:cNvPr id="2" name="Title 1"/>
+          <p:cNvSpPr>
+            <a:spLocks noGrp="1"/>
+          </p:cNvSpPr>
+          <p:nvPr>
+            <p:ph type="title"/>
+          </p:nvPr>
+        </p:nvSpPr>
+        <p:spPr>
+          <a:xfrm>
+            <a:off x="838200" y="1"/>
+            <a:ext cx="10515600" cy="1220714"/>
+          </a:xfrm>
+        </p:spPr>
+        <p:style>
+          <a:lnRef idx="0">
+            <a:schemeClr val="accent5"/>
+          </a:lnRef>
+          <a:fillRef idx="3">
+            <a:schemeClr val="accent5"/>
+          </a:fillRef>
+          <a:effectRef idx="3">
+            <a:schemeClr val="accent5"/>
+          </a:effectRef>
+          <a:fontRef idx="minor">
+            <a:schemeClr val="lt1"/>
+          </a:fontRef>
+        </p:style>
+        <p:txBody>
+          <a:bodyPr>
+            <a:normAutofit/>
+          </a:bodyPr>
+          <a:lstStyle/>
+          <a:p>
+            <a:pPr algn="ctr"/>
+            <a:r>
+              <a:rPr lang="en-US" sz="4000" dirty="0" smtClean="0"/>
+              <a:t>Network Optimization: </a:t>
+            </a:r>
+            <a:br>
+              <a:rPr lang="en-US" sz="4000" dirty="0" smtClean="0"/>
+            </a:br>
+            <a:r>
+              <a:rPr lang="en-US" sz="4000" b="1" dirty="0" smtClean="0"/>
+              <a:t>Draw a Simple Network</a:t>
+            </a:r>
+            <a:endParaRPr lang="en-US" sz="4000" b="1" dirty="0"/>
+          </a:p>
+        </p:txBody>
+      </p:sp>
+      <p:sp>
+        <p:nvSpPr>
+          <p:cNvPr id="3" name="Content Placeholder 2"/>
+          <p:cNvSpPr>
+            <a:spLocks noGrp="1"/>
+          </p:cNvSpPr>
+          <p:nvPr>
+            <p:ph idx="1"/>
+          </p:nvPr>
+        </p:nvSpPr>
+        <p:spPr>
+          <a:xfrm>
+            <a:off x="838200" y="1411786"/>
+            <a:ext cx="10515600" cy="4351338"/>
+          </a:xfrm>
+        </p:spPr>
+        <p:txBody>
+          <a:bodyPr>
+            <a:noAutofit/>
+          </a:bodyPr>
+          <a:lstStyle/>
+          <a:p>
+            <a:r>
+              <a:rPr lang="en-US" b="1" dirty="0" smtClean="0"/>
+              <a:t>Import </a:t>
+            </a:r>
+            <a:r>
+              <a:rPr lang="en-US" b="1" dirty="0" err="1" smtClean="0"/>
+              <a:t>networkx</a:t>
+            </a:r>
+            <a:r>
+              <a:rPr lang="en-US" b="1" dirty="0" smtClean="0"/>
+              <a:t> package</a:t>
+            </a:r>
+          </a:p>
+          <a:p>
+            <a:r>
+              <a:rPr lang="en-US" b="1" dirty="0" smtClean="0">
+                <a:solidFill>
+                  <a:srgbClr val="00B050"/>
+                </a:solidFill>
+              </a:rPr>
+              <a:t>Explore the Network Optimization algorithms in </a:t>
+            </a:r>
+            <a:r>
+              <a:rPr lang="en-US" b="1" dirty="0" err="1" smtClean="0">
+                <a:solidFill>
+                  <a:srgbClr val="00B050"/>
+                </a:solidFill>
+              </a:rPr>
+              <a:t>NetworkX</a:t>
+            </a:r>
+            <a:r>
+              <a:rPr lang="en-US" b="1" dirty="0" smtClean="0">
+                <a:solidFill>
+                  <a:srgbClr val="00B050"/>
+                </a:solidFill>
+              </a:rPr>
+              <a:t> (e.g. </a:t>
+            </a:r>
+            <a:r>
+              <a:rPr lang="en-US" b="1" dirty="0" err="1" smtClean="0">
+                <a:solidFill>
+                  <a:srgbClr val="00B050"/>
+                </a:solidFill>
+              </a:rPr>
+              <a:t>Dijsktra</a:t>
+            </a:r>
+            <a:r>
+              <a:rPr lang="en-US" b="1" dirty="0" smtClean="0">
+                <a:solidFill>
+                  <a:srgbClr val="00B050"/>
+                </a:solidFill>
+              </a:rPr>
+              <a:t>, Min Cost Flow, MST)</a:t>
+            </a:r>
+          </a:p>
+          <a:p>
+            <a:r>
+              <a:rPr lang="en-US" b="1" dirty="0" smtClean="0"/>
+              <a:t>Draw an empty graph</a:t>
+            </a:r>
+          </a:p>
+          <a:p>
+            <a:r>
+              <a:rPr lang="en-US" b="1" dirty="0" smtClean="0"/>
+              <a:t>Add the edges &amp; their properties</a:t>
+            </a:r>
+          </a:p>
+          <a:p>
+            <a:r>
+              <a:rPr lang="en-US" b="1" dirty="0" smtClean="0"/>
+              <a:t>Color &amp; display stuffs</a:t>
+            </a:r>
+          </a:p>
+          <a:p>
+            <a:r>
+              <a:rPr lang="en-US" b="1" dirty="0" smtClean="0">
+                <a:solidFill>
+                  <a:srgbClr val="FF0000"/>
+                </a:solidFill>
+              </a:rPr>
+              <a:t>Draw the Network</a:t>
+            </a:r>
+            <a:endParaRPr lang="en-US" sz="2400" dirty="0">
+              <a:solidFill>
+                <a:srgbClr val="FF0000"/>
+              </a:solidFill>
+            </a:endParaRPr>
+          </a:p>
+          <a:p>
+            <a:r>
+              <a:rPr lang="en-US" sz="2400" dirty="0" smtClean="0">
+                <a:solidFill>
+                  <a:srgbClr val="7030A0"/>
+                </a:solidFill>
+              </a:rPr>
+              <a:t>This explanation is ran on Spider IDE in Anaconda distribution</a:t>
+            </a:r>
+            <a:endParaRPr lang="en-US" sz="2400" dirty="0" smtClean="0">
+              <a:solidFill>
+                <a:srgbClr val="7030A0"/>
+              </a:solidFill>
+            </a:endParaRPr>
+          </a:p>
+          <a:p>
+            <a:r>
+              <a:rPr lang="en-US" sz="2400" dirty="0" smtClean="0">
+                <a:solidFill>
+                  <a:srgbClr val="7030A0"/>
+                </a:solidFill>
+              </a:rPr>
+              <a:t>IF you don’t see the expected variables in the variable explorer tab, click option in the variable explorer tab, &amp; click “exclude unsupported data type” or others.</a:t>
+            </a:r>
+            <a:endParaRPr lang="en-US" sz="2400" dirty="0">
+              <a:solidFill>
+                <a:srgbClr val="7030A0"/>
+              </a:solidFill>
+            </a:endParaRPr>
+          </a:p>
+        </p:txBody>
+      </p:sp>
+      <p:sp>
+        <p:nvSpPr>
+          <p:cNvPr id="4" name="Footer Placeholder 3"/>
+          <p:cNvSpPr>
+            <a:spLocks noGrp="1"/>
+          </p:cNvSpPr>
+          <p:nvPr>
+            <p:ph type="ftr" sz="quarter" idx="11"/>
+          </p:nvPr>
+        </p:nvSpPr>
+        <p:spPr>
+          <a:xfrm>
+            <a:off x="4038600" y="6059908"/>
+            <a:ext cx="4114800" cy="365125"/>
+          </a:xfrm>
+        </p:spPr>
+        <p:txBody>
+          <a:bodyPr/>
+          <a:lstStyle/>
+          <a:p>
+            <a:r>
+              <a:rPr lang="en-US" dirty="0" smtClean="0"/>
+              <a:t>Python Projects on Optimization;</a:t>
+            </a:r>
+          </a:p>
+          <a:p>
+            <a:r>
+              <a:rPr lang="en-US" dirty="0" smtClean="0"/>
+              <a:t>By Tanmoy Das (Industrial Engineer &amp; Jr. Data Scientist)</a:t>
+            </a:r>
+            <a:endParaRPr lang="en-US" dirty="0"/>
+          </a:p>
+        </p:txBody>
+      </p:sp>
+      <p:sp>
+        <p:nvSpPr>
+          <p:cNvPr id="5" name="Rectangle 4"/>
+          <p:cNvSpPr/>
+          <p:nvPr/>
+        </p:nvSpPr>
+        <p:spPr>
+          <a:xfrm>
+            <a:off x="7893147" y="2689186"/>
+            <a:ext cx="3460653" cy="1384995"/>
+          </a:xfrm>
+          <a:prstGeom prst="rect">
+            <a:avLst/>
+          </a:prstGeom>
+        </p:spPr>
+        <p:txBody>
+          <a:bodyPr wrap="square">
+            <a:spAutoFit/>
+          </a:bodyPr>
+          <a:lstStyle/>
+          <a:p>
+            <a:r>
+              <a:rPr lang="en-US" sz="2800" b="1" dirty="0" smtClean="0"/>
+              <a:t>https://github.com/tanmoyie/Operations-Research</a:t>
+            </a:r>
+            <a:endParaRPr lang="en-US" sz="2800" b="1" dirty="0"/>
+          </a:p>
+        </p:txBody>
+      </p:sp>
+    </p:spTree>
+    <p:extLst>
+      <p:ext uri="{BB962C8B-B14F-4D97-AF65-F5344CB8AC3E}">
+        <p14:creationId xmlns:p14="http://schemas.microsoft.com/office/powerpoint/2010/main" val="34152566"/>
+      </p:ext>
+    </p:extLst>
+  </p:cSld>
+  <p:clrMapOvr>
+    <a:masterClrMapping/>
+  </p:clrMapOvr>
+  <p:timing>
+    <p:tnLst>
+      <p:par>
+        <p:cTn id="1" dur="indefinite" restart="never" nodeType="tmRoot">
+          <p:childTnLst>
+            <p:seq concurrent="1" nextAc="seek">
+              <p:cTn id="2" dur="indefinite" nodeType="mainSeq">
+                <p:childTnLst>
+                  <p:par>
+                    <p:cTn id="3" fill="hold">
+                      <p:stCondLst>
+                        <p:cond delay="indefinite"/>
+                      </p:stCondLst>
+                      <p:childTnLst>
+                        <p:par>
+                          <p:cTn id="4" fill="hold">
+                            <p:stCondLst>
+                              <p:cond delay="0"/>
+                            </p:stCondLst>
+                            <p:childTnLst>
+                              <p:par>
+                                <p:cTn id="5" presetID="45" presetClass="exit" presetSubtype="0" fill="hold" grpId="0" nodeType="clickEffect">
+                                  <p:stCondLst>
+                                    <p:cond delay="0"/>
+                                  </p:stCondLst>
+                                  <p:childTnLst>
+                                    <p:animEffect transition="out" filter="fade">
+                                      <p:cBhvr>
+                                        <p:cTn id="6" dur="2000"/>
+                                        <p:tgtEl>
+                                          <p:spTgt spid="5"/>
+                                        </p:tgtEl>
+                                      </p:cBhvr>
+                                    </p:animEffect>
+                                    <p:anim calcmode="lin" valueType="num">
+                                      <p:cBhvr>
+                                        <p:cTn id="7" dur="2000"/>
+                                        <p:tgtEl>
+                                          <p:spTgt spid="5"/>
+                                        </p:tgtEl>
+                                        <p:attrNameLst>
+                                          <p:attrName>ppt_w</p:attrName>
+                                        </p:attrNameLst>
+                                      </p:cBhvr>
+                                      <p:tavLst>
+                                        <p:tav tm="0">
+                                          <p:val>
+                                            <p:strVal val="ppt_w"/>
+                                          </p:val>
+                                        </p:tav>
+                                        <p:tav tm="5000">
+                                          <p:val>
+                                            <p:strVal val="0.92*ppt_w"/>
+                                          </p:val>
+                                        </p:tav>
+                                        <p:tav tm="10000">
+                                          <p:val>
+                                            <p:strVal val="0.71*ppt_w"/>
+                                          </p:val>
+                                        </p:tav>
+                                        <p:tav tm="15000">
+                                          <p:val>
+                                            <p:strVal val="0.38*ppt_w"/>
+                                          </p:val>
+                                        </p:tav>
+                                        <p:tav tm="20000">
+                                          <p:val>
+                                            <p:fltVal val="0"/>
+                                          </p:val>
+                                        </p:tav>
+                                        <p:tav tm="25000">
+                                          <p:val>
+                                            <p:strVal val="-0.38*ppt_w"/>
+                                          </p:val>
+                                        </p:tav>
+                                        <p:tav tm="30000">
+                                          <p:val>
+                                            <p:strVal val="-0.71*ppt_w"/>
+                                          </p:val>
+                                        </p:tav>
+                                        <p:tav tm="35000">
+                                          <p:val>
+                                            <p:strVal val="-0.92*ppt_w"/>
+                                          </p:val>
+                                        </p:tav>
+                                        <p:tav tm="40000">
+                                          <p:val>
+                                            <p:strVal val="-ppt_w"/>
+                                          </p:val>
+                                        </p:tav>
+                                        <p:tav tm="45000">
+                                          <p:val>
+                                            <p:strVal val="-0.92*ppt_w"/>
+                                          </p:val>
+                                        </p:tav>
+                                        <p:tav tm="50000">
+                                          <p:val>
+                                            <p:strVal val="-0.71*ppt_w"/>
+                                          </p:val>
+                                        </p:tav>
+                                        <p:tav tm="55000">
+                                          <p:val>
+                                            <p:strVal val="-0.38*ppt_w"/>
+                                          </p:val>
+                                        </p:tav>
+                                        <p:tav tm="60000">
+                                          <p:val>
+                                            <p:fltVal val="0"/>
+                                          </p:val>
+                                        </p:tav>
+                                        <p:tav tm="65000">
+                                          <p:val>
+                                            <p:strVal val="0.38*ppt_w"/>
+                                          </p:val>
+                                        </p:tav>
+                                        <p:tav tm="70000">
+                                          <p:val>
+                                            <p:strVal val="0.71*ppt_w"/>
+                                          </p:val>
+                                        </p:tav>
+                                        <p:tav tm="75000">
+                                          <p:val>
+                                            <p:strVal val="0.92*ppt_w"/>
+                                          </p:val>
+                                        </p:tav>
+                                        <p:tav tm="80000">
+                                          <p:val>
+                                            <p:strVal val="ppt_w"/>
+                                          </p:val>
+                                        </p:tav>
+                                        <p:tav tm="85000">
+                                          <p:val>
+                                            <p:strVal val="0.92*ppt_w"/>
+                                          </p:val>
+                                        </p:tav>
+                                        <p:tav tm="90000">
+                                          <p:val>
+                                            <p:strVal val="0.71*ppt_w"/>
+                                          </p:val>
+                                        </p:tav>
+                                        <p:tav tm="95000">
+                                          <p:val>
+                                            <p:strVal val="0.38*ppt_w"/>
+                                          </p:val>
+                                        </p:tav>
+                                        <p:tav tm="100000">
+                                          <p:val>
+                                            <p:fltVal val="0"/>
+                                          </p:val>
+                                        </p:tav>
+                                      </p:tavLst>
+                                    </p:anim>
+                                    <p:anim calcmode="lin" valueType="num">
+                                      <p:cBhvr>
+                                        <p:cTn id="8" dur="2000"/>
+                                        <p:tgtEl>
+                                          <p:spTgt spid="5"/>
+                                        </p:tgtEl>
+                                        <p:attrNameLst>
+                                          <p:attrName>ppt_h</p:attrName>
+                                        </p:attrNameLst>
+                                      </p:cBhvr>
+                                      <p:tavLst>
+                                        <p:tav tm="0">
+                                          <p:val>
+                                            <p:strVal val="ppt_h"/>
+                                          </p:val>
+                                        </p:tav>
+                                        <p:tav tm="100000">
+                                          <p:val>
+                                            <p:strVal val="ppt_h"/>
+                                          </p:val>
+                                        </p:tav>
+                                      </p:tavLst>
+                                    </p:anim>
+                                    <p:set>
+                                      <p:cBhvr>
+                                        <p:cTn id="9" dur="1" fill="hold">
+                                          <p:stCondLst>
+                                            <p:cond delay="1999"/>
+                                          </p:stCondLst>
+                                        </p:cTn>
+                                        <p:tgtEl>
+                                          <p:spTgt spid="5"/>
+                                        </p:tgtEl>
+                                        <p:attrNameLst>
+                                          <p:attrName>style.visibility</p:attrName>
+                                        </p:attrNameLst>
+                                      </p:cBhvr>
+                                      <p:to>
+                                        <p:strVal val="hidden"/>
+                                      </p:to>
+                                    </p:set>
+                                  </p:childTnLst>
+                                </p:cTn>
+                              </p:par>
+                            </p:childTnLst>
+                          </p:cTn>
+                        </p:par>
+                      </p:childTnLst>
+                    </p:cTn>
+                  </p:par>
+                  <p:par>
+                    <p:cTn id="10" fill="hold">
+                      <p:stCondLst>
+                        <p:cond delay="indefinite"/>
+                      </p:stCondLst>
+                      <p:childTnLst>
+                        <p:par>
+                          <p:cTn id="11" fill="hold">
+                            <p:stCondLst>
+                              <p:cond delay="0"/>
+                            </p:stCondLst>
+                            <p:childTnLst>
+                              <p:par>
+                                <p:cTn id="12" presetID="10" presetClass="entr" presetSubtype="0" fill="hold" nodeType="clickEffect">
+                                  <p:stCondLst>
+                                    <p:cond delay="0"/>
+                                  </p:stCondLst>
+                                  <p:childTnLst>
+                                    <p:set>
+                                      <p:cBhvr>
+                                        <p:cTn id="13" dur="1" fill="hold">
+                                          <p:stCondLst>
+                                            <p:cond delay="0"/>
+                                          </p:stCondLst>
+                                        </p:cTn>
+                                        <p:tgtEl>
+                                          <p:spTgt spid="3">
+                                            <p:txEl>
+                                              <p:pRg st="6" end="6"/>
+                                            </p:txEl>
+                                          </p:spTgt>
+                                        </p:tgtEl>
+                                        <p:attrNameLst>
+                                          <p:attrName>style.visibility</p:attrName>
+                                        </p:attrNameLst>
+                                      </p:cBhvr>
+                                      <p:to>
+                                        <p:strVal val="visible"/>
+                                      </p:to>
+                                    </p:set>
+                                    <p:animEffect transition="in" filter="fade">
+                                      <p:cBhvr>
+                                        <p:cTn id="14" dur="500"/>
+                                        <p:tgtEl>
+                                          <p:spTgt spid="3">
+                                            <p:txEl>
+                                              <p:pRg st="6" end="6"/>
+                                            </p:txEl>
+                                          </p:spTgt>
+                                        </p:tgtEl>
+                                      </p:cBhvr>
+                                    </p:animEffect>
+                                  </p:childTnLst>
+                                </p:cTn>
+                              </p:par>
+                            </p:childTnLst>
+                          </p:cTn>
+                        </p:par>
+                      </p:childTnLst>
+                    </p:cTn>
+                  </p:par>
+                  <p:par>
+                    <p:cTn id="15" fill="hold">
+                      <p:stCondLst>
+                        <p:cond delay="indefinite"/>
+                      </p:stCondLst>
+                      <p:childTnLst>
+                        <p:par>
+                          <p:cTn id="16" fill="hold">
+                            <p:stCondLst>
+                              <p:cond delay="0"/>
+                            </p:stCondLst>
+                            <p:childTnLst>
+                              <p:par>
+                                <p:cTn id="17" presetID="10" presetClass="entr" presetSubtype="0" fill="hold" nodeType="clickEffect">
+                                  <p:stCondLst>
+                                    <p:cond delay="0"/>
+                                  </p:stCondLst>
+                                  <p:childTnLst>
+                                    <p:set>
+                                      <p:cBhvr>
+                                        <p:cTn id="18" dur="1" fill="hold">
+                                          <p:stCondLst>
+                                            <p:cond delay="0"/>
+                                          </p:stCondLst>
+                                        </p:cTn>
+                                        <p:tgtEl>
+                                          <p:spTgt spid="3">
+                                            <p:txEl>
+                                              <p:pRg st="7" end="7"/>
+                                            </p:txEl>
+                                          </p:spTgt>
+                                        </p:tgtEl>
+                                        <p:attrNameLst>
+                                          <p:attrName>style.visibility</p:attrName>
+                                        </p:attrNameLst>
+                                      </p:cBhvr>
+                                      <p:to>
+                                        <p:strVal val="visible"/>
+                                      </p:to>
+                                    </p:set>
+                                    <p:animEffect transition="in" filter="fade">
+                                      <p:cBhvr>
+                                        <p:cTn id="19" dur="500"/>
+                                        <p:tgtEl>
+                                          <p:spTgt spid="3">
+                                            <p:txEl>
+                                              <p:pRg st="7" end="7"/>
+                                            </p:txEl>
+                                          </p:spTgt>
+                                        </p:tgtEl>
+                                      </p:cBhvr>
+                                    </p:animEffect>
+                                  </p:childTnLst>
+                                </p:cTn>
+                              </p:par>
+                            </p:childTnLst>
+                          </p:cTn>
+                        </p:par>
+                      </p:childTnLst>
+                    </p:cTn>
+                  </p:par>
+                  <p:par>
+                    <p:cTn id="20" fill="hold">
+                      <p:stCondLst>
+                        <p:cond delay="indefinite"/>
+                      </p:stCondLst>
+                      <p:childTnLst>
+                        <p:par>
+                          <p:cTn id="21" fill="hold">
+                            <p:stCondLst>
+                              <p:cond delay="0"/>
+                            </p:stCondLst>
+                            <p:childTnLst>
+                              <p:par>
+                                <p:cTn id="22" presetID="10" presetClass="entr" presetSubtype="0" fill="hold" nodeType="clickEffect">
+                                  <p:stCondLst>
+                                    <p:cond delay="0"/>
+                                  </p:stCondLst>
+                                  <p:childTnLst>
+                                    <p:set>
+                                      <p:cBhvr>
+                                        <p:cTn id="23" dur="1" fill="hold">
+                                          <p:stCondLst>
+                                            <p:cond delay="0"/>
+                                          </p:stCondLst>
+                                        </p:cTn>
+                                        <p:tgtEl>
+                                          <p:spTgt spid="3">
+                                            <p:txEl>
+                                              <p:pRg st="0" end="0"/>
+                                            </p:txEl>
+                                          </p:spTgt>
+                                        </p:tgtEl>
+                                        <p:attrNameLst>
+                                          <p:attrName>style.visibility</p:attrName>
+                                        </p:attrNameLst>
+                                      </p:cBhvr>
+                                      <p:to>
+                                        <p:strVal val="visible"/>
+                                      </p:to>
+                                    </p:set>
+                                    <p:animEffect transition="in" filter="fade">
+                                      <p:cBhvr>
+                                        <p:cTn id="24" dur="500"/>
+                                        <p:tgtEl>
+                                          <p:spTgt spid="3">
+                                            <p:txEl>
+                                              <p:pRg st="0" end="0"/>
+                                            </p:txEl>
+                                          </p:spTgt>
+                                        </p:tgtEl>
+                                      </p:cBhvr>
+                                    </p:animEffect>
+                                  </p:childTnLst>
+                                </p:cTn>
+                              </p:par>
+                            </p:childTnLst>
+                          </p:cTn>
+                        </p:par>
+                      </p:childTnLst>
+                    </p:cTn>
+                  </p:par>
+                  <p:par>
+                    <p:cTn id="25" fill="hold">
+                      <p:stCondLst>
+                        <p:cond delay="indefinite"/>
+                      </p:stCondLst>
+                      <p:childTnLst>
+                        <p:par>
+                          <p:cTn id="26" fill="hold">
+                            <p:stCondLst>
+                              <p:cond delay="0"/>
+                            </p:stCondLst>
+                            <p:childTnLst>
+                              <p:par>
+                                <p:cTn id="27" presetID="10" presetClass="entr" presetSubtype="0" fill="hold" nodeType="clickEffect">
+                                  <p:stCondLst>
+                                    <p:cond delay="0"/>
+                                  </p:stCondLst>
+                                  <p:childTnLst>
+                                    <p:set>
+                                      <p:cBhvr>
+                                        <p:cTn id="28" dur="1" fill="hold">
+                                          <p:stCondLst>
+                                            <p:cond delay="0"/>
+                                          </p:stCondLst>
+                                        </p:cTn>
+                                        <p:tgtEl>
+                                          <p:spTgt spid="3">
+                                            <p:txEl>
+                                              <p:pRg st="1" end="1"/>
+                                            </p:txEl>
+                                          </p:spTgt>
+                                        </p:tgtEl>
+                                        <p:attrNameLst>
+                                          <p:attrName>style.visibility</p:attrName>
+                                        </p:attrNameLst>
+                                      </p:cBhvr>
+                                      <p:to>
+                                        <p:strVal val="visible"/>
+                                      </p:to>
+                                    </p:set>
+                                    <p:animEffect transition="in" filter="fade">
+                                      <p:cBhvr>
+                                        <p:cTn id="29" dur="500"/>
+                                        <p:tgtEl>
+                                          <p:spTgt spid="3">
+                                            <p:txEl>
+                                              <p:pRg st="1" end="1"/>
+                                            </p:txEl>
+                                          </p:spTgt>
+                                        </p:tgtEl>
+                                      </p:cBhvr>
+                                    </p:animEffect>
+                                  </p:childTnLst>
+                                </p:cTn>
+                              </p:par>
+                            </p:childTnLst>
+                          </p:cTn>
+                        </p:par>
+                      </p:childTnLst>
+                    </p:cTn>
+                  </p:par>
+                  <p:par>
+                    <p:cTn id="30" fill="hold">
+                      <p:stCondLst>
+                        <p:cond delay="indefinite"/>
+                      </p:stCondLst>
+                      <p:childTnLst>
+                        <p:par>
+                          <p:cTn id="31" fill="hold">
+                            <p:stCondLst>
+                              <p:cond delay="0"/>
+                            </p:stCondLst>
+                            <p:childTnLst>
+                              <p:par>
+                                <p:cTn id="32" presetID="10" presetClass="entr" presetSubtype="0" fill="hold" nodeType="clickEffect">
+                                  <p:stCondLst>
+                                    <p:cond delay="0"/>
+                                  </p:stCondLst>
+                                  <p:childTnLst>
+                                    <p:set>
+                                      <p:cBhvr>
+                                        <p:cTn id="33" dur="1" fill="hold">
+                                          <p:stCondLst>
+                                            <p:cond delay="0"/>
+                                          </p:stCondLst>
+                                        </p:cTn>
+                                        <p:tgtEl>
+                                          <p:spTgt spid="3">
+                                            <p:txEl>
+                                              <p:pRg st="2" end="2"/>
+                                            </p:txEl>
+                                          </p:spTgt>
+                                        </p:tgtEl>
+                                        <p:attrNameLst>
+                                          <p:attrName>style.visibility</p:attrName>
+                                        </p:attrNameLst>
+                                      </p:cBhvr>
+                                      <p:to>
+                                        <p:strVal val="visible"/>
+                                      </p:to>
+                                    </p:set>
+                                    <p:animEffect transition="in" filter="fade">
+                                      <p:cBhvr>
+                                        <p:cTn id="34" dur="500"/>
+                                        <p:tgtEl>
+                                          <p:spTgt spid="3">
+                                            <p:txEl>
+                                              <p:pRg st="2" end="2"/>
+                                            </p:txEl>
+                                          </p:spTgt>
+                                        </p:tgtEl>
+                                      </p:cBhvr>
+                                    </p:animEffect>
+                                  </p:childTnLst>
+                                </p:cTn>
+                              </p:par>
+                            </p:childTnLst>
+                          </p:cTn>
+                        </p:par>
+                      </p:childTnLst>
+                    </p:cTn>
+                  </p:par>
+                  <p:par>
+                    <p:cTn id="35" fill="hold">
+                      <p:stCondLst>
+                        <p:cond delay="indefinite"/>
+                      </p:stCondLst>
+                      <p:childTnLst>
+                        <p:par>
+                          <p:cTn id="36" fill="hold">
+                            <p:stCondLst>
+                              <p:cond delay="0"/>
+                            </p:stCondLst>
+                            <p:childTnLst>
+                              <p:par>
+                                <p:cTn id="37" presetID="10" presetClass="entr" presetSubtype="0" fill="hold" nodeType="clickEffect">
+                                  <p:stCondLst>
+                                    <p:cond delay="0"/>
+                                  </p:stCondLst>
+                                  <p:childTnLst>
+                                    <p:set>
+                                      <p:cBhvr>
+                                        <p:cTn id="38" dur="1" fill="hold">
+                                          <p:stCondLst>
+                                            <p:cond delay="0"/>
+                                          </p:stCondLst>
+                                        </p:cTn>
+                                        <p:tgtEl>
+                                          <p:spTgt spid="3">
+                                            <p:txEl>
+                                              <p:pRg st="3" end="3"/>
+                                            </p:txEl>
+                                          </p:spTgt>
+                                        </p:tgtEl>
+                                        <p:attrNameLst>
+                                          <p:attrName>style.visibility</p:attrName>
+                                        </p:attrNameLst>
+                                      </p:cBhvr>
+                                      <p:to>
+                                        <p:strVal val="visible"/>
+                                      </p:to>
+                                    </p:set>
+                                    <p:animEffect transition="in" filter="fade">
+                                      <p:cBhvr>
+                                        <p:cTn id="39" dur="500"/>
+                                        <p:tgtEl>
+                                          <p:spTgt spid="3">
+                                            <p:txEl>
+                                              <p:pRg st="3" end="3"/>
+                                            </p:txEl>
+                                          </p:spTgt>
+                                        </p:tgtEl>
+                                      </p:cBhvr>
+                                    </p:animEffect>
+                                  </p:childTnLst>
+                                </p:cTn>
+                              </p:par>
+                            </p:childTnLst>
+                          </p:cTn>
+                        </p:par>
+                      </p:childTnLst>
+                    </p:cTn>
+                  </p:par>
+                  <p:par>
+                    <p:cTn id="40" fill="hold">
+                      <p:stCondLst>
+                        <p:cond delay="indefinite"/>
+                      </p:stCondLst>
+                      <p:childTnLst>
+                        <p:par>
+                          <p:cTn id="41" fill="hold">
+                            <p:stCondLst>
+                              <p:cond delay="0"/>
+                            </p:stCondLst>
+                            <p:childTnLst>
+                              <p:par>
+                                <p:cTn id="42" presetID="10" presetClass="entr" presetSubtype="0" fill="hold" nodeType="clickEffect">
+                                  <p:stCondLst>
+                                    <p:cond delay="0"/>
+                                  </p:stCondLst>
+                                  <p:childTnLst>
+                                    <p:set>
+                                      <p:cBhvr>
+                                        <p:cTn id="43" dur="1" fill="hold">
+                                          <p:stCondLst>
+                                            <p:cond delay="0"/>
+                                          </p:stCondLst>
+                                        </p:cTn>
+                                        <p:tgtEl>
+                                          <p:spTgt spid="3">
+                                            <p:txEl>
+                                              <p:pRg st="4" end="4"/>
+                                            </p:txEl>
+                                          </p:spTgt>
+                                        </p:tgtEl>
+                                        <p:attrNameLst>
+                                          <p:attrName>style.visibility</p:attrName>
+                                        </p:attrNameLst>
+                                      </p:cBhvr>
+                                      <p:to>
+                                        <p:strVal val="visible"/>
+                                      </p:to>
+                                    </p:set>
+                                    <p:animEffect transition="in" filter="fade">
+                                      <p:cBhvr>
+                                        <p:cTn id="44" dur="500"/>
+                                        <p:tgtEl>
+                                          <p:spTgt spid="3">
+                                            <p:txEl>
+                                              <p:pRg st="4" end="4"/>
+                                            </p:txEl>
+                                          </p:spTgt>
+                                        </p:tgtEl>
+                                      </p:cBhvr>
+                                    </p:animEffect>
+                                  </p:childTnLst>
+                                </p:cTn>
+                              </p:par>
+                            </p:childTnLst>
+                          </p:cTn>
+                        </p:par>
+                      </p:childTnLst>
+                    </p:cTn>
+                  </p:par>
+                  <p:par>
+                    <p:cTn id="45" fill="hold">
+                      <p:stCondLst>
+                        <p:cond delay="indefinite"/>
+                      </p:stCondLst>
+                      <p:childTnLst>
+                        <p:par>
+                          <p:cTn id="46" fill="hold">
+                            <p:stCondLst>
+                              <p:cond delay="0"/>
+                            </p:stCondLst>
+                            <p:childTnLst>
+                              <p:par>
+                                <p:cTn id="47" presetID="10" presetClass="entr" presetSubtype="0" fill="hold" nodeType="clickEffect">
+                                  <p:stCondLst>
+                                    <p:cond delay="0"/>
+                                  </p:stCondLst>
+                                  <p:childTnLst>
+                                    <p:set>
+                                      <p:cBhvr>
+                                        <p:cTn id="48" dur="1" fill="hold">
+                                          <p:stCondLst>
+                                            <p:cond delay="0"/>
+                                          </p:stCondLst>
+                                        </p:cTn>
+                                        <p:tgtEl>
+                                          <p:spTgt spid="3">
+                                            <p:txEl>
+                                              <p:pRg st="5" end="5"/>
+                                            </p:txEl>
+                                          </p:spTgt>
+                                        </p:tgtEl>
+                                        <p:attrNameLst>
+                                          <p:attrName>style.visibility</p:attrName>
+                                        </p:attrNameLst>
+                                      </p:cBhvr>
+                                      <p:to>
+                                        <p:strVal val="visible"/>
+                                      </p:to>
+                                    </p:set>
+                                    <p:animEffect transition="in" filter="fade">
+                                      <p:cBhvr>
+                                        <p:cTn id="49" dur="500"/>
+                                        <p:tgtEl>
+                                          <p:spTgt spid="3">
+                                            <p:txEl>
+                                              <p:pRg st="5" end="5"/>
+                                            </p:txEl>
+                                          </p:spTgt>
+                                        </p:tgtEl>
+                                      </p:cBhvr>
+                                    </p:animEffect>
+                                  </p:childTnLst>
+                                </p:cTn>
+                              </p:par>
+                            </p:childTnLst>
+                          </p:cTn>
+                        </p:par>
+                      </p:childTnLst>
+                    </p:cTn>
+                  </p:par>
+                </p:childTnLst>
+              </p:cTn>
+              <p:prevCondLst>
+                <p:cond evt="onPrev" delay="0">
+                  <p:tgtEl>
+                    <p:sldTgt/>
+                  </p:tgtEl>
+                </p:cond>
+              </p:prevCondLst>
+              <p:nextCondLst>
+                <p:cond evt="onNext" delay="0">
+                  <p:tgtEl>
+                    <p:sldTgt/>
+                  </p:tgtEl>
+                </p:cond>
+              </p:nextCondLst>
+            </p:seq>
+          </p:childTnLst>
+        </p:cTn>
+      </p:par>
+    </p:tnLst>
+    <p:bldLst>
+      <p:bldP spid="5" grpId="0"/>
+    </p:bldLst>
   </p:timing>
 </p:sld>
 </file>
@@ -3676,4 +10883,265 @@
     </a:ext>
   </a:extLst>
 </a:theme>
+</file>
+
+<file path=ppt/theme/theme2.xml><?xml version="1.0" encoding="utf-8"?>
+<a:theme xmlns:a="http://schemas.openxmlformats.org/drawingml/2006/main" name="Office Theme">
+  <a:themeElements>
+    <a:clrScheme name="Office">
+      <a:dk1>
+        <a:sysClr val="windowText" lastClr="000000"/>
+      </a:dk1>
+      <a:lt1>
+        <a:sysClr val="window" lastClr="FFFFFF"/>
+      </a:lt1>
+      <a:dk2>
+        <a:srgbClr val="44546A"/>
+      </a:dk2>
+      <a:lt2>
+        <a:srgbClr val="E7E6E6"/>
+      </a:lt2>
+      <a:accent1>
+        <a:srgbClr val="5B9BD5"/>
+      </a:accent1>
+      <a:accent2>
+        <a:srgbClr val="ED7D31"/>
+      </a:accent2>
+      <a:accent3>
+        <a:srgbClr val="A5A5A5"/>
+      </a:accent3>
+      <a:accent4>
+        <a:srgbClr val="FFC000"/>
+      </a:accent4>
+      <a:accent5>
+        <a:srgbClr val="4472C4"/>
+      </a:accent5>
+      <a:accent6>
+        <a:srgbClr val="70AD47"/>
+      </a:accent6>
+      <a:hlink>
+        <a:srgbClr val="0563C1"/>
+      </a:hlink>
+      <a:folHlink>
+        <a:srgbClr val="954F72"/>
+      </a:folHlink>
+    </a:clrScheme>
+    <a:fontScheme name="Office">
+      <a:majorFont>
+        <a:latin typeface="Calibri Light" panose="020F0302020204030204"/>
+        <a:ea typeface=""/>
+        <a:cs typeface=""/>
+        <a:font script="Jpan" typeface="ＭＳ Ｐゴシック"/>
+        <a:font script="Hang" typeface="맑은 고딕"/>
+        <a:font script="Hans" typeface="宋体"/>
+        <a:font script="Hant" typeface="新細明體"/>
+        <a:font script="Arab" typeface="Times New Roman"/>
+        <a:font script="Hebr" typeface="Times New Roman"/>
+        <a:font script="Thai" typeface="Angsana New"/>
+        <a:font script="Ethi" typeface="Nyala"/>
+        <a:font script="Beng" typeface="Vrinda"/>
+        <a:font script="Gujr" typeface="Shruti"/>
+        <a:font script="Khmr" typeface="MoolBoran"/>
+        <a:font script="Knda" typeface="Tunga"/>
+        <a:font script="Guru" typeface="Raavi"/>
+        <a:font script="Cans" typeface="Euphemia"/>
+        <a:font script="Cher" typeface="Plantagenet Cherokee"/>
+        <a:font script="Yiii" typeface="Microsoft Yi Baiti"/>
+        <a:font script="Tibt" typeface="Microsoft Himalaya"/>
+        <a:font script="Thaa" typeface="MV Boli"/>
+        <a:font script="Deva" typeface="Mangal"/>
+        <a:font script="Telu" typeface="Gautami"/>
+        <a:font script="Taml" typeface="Latha"/>
+        <a:font script="Syrc" typeface="Estrangelo Edessa"/>
+        <a:font script="Orya" typeface="Kalinga"/>
+        <a:font script="Mlym" typeface="Kartika"/>
+        <a:font script="Laoo" typeface="DokChampa"/>
+        <a:font script="Sinh" typeface="Iskoola Pota"/>
+        <a:font script="Mong" typeface="Mongolian Baiti"/>
+        <a:font script="Viet" typeface="Times New Roman"/>
+        <a:font script="Uigh" typeface="Microsoft Uighur"/>
+        <a:font script="Geor" typeface="Sylfaen"/>
+      </a:majorFont>
+      <a:minorFont>
+        <a:latin typeface="Calibri" panose="020F0502020204030204"/>
+        <a:ea typeface=""/>
+        <a:cs typeface=""/>
+        <a:font script="Jpan" typeface="ＭＳ Ｐゴシック"/>
+        <a:font script="Hang" typeface="맑은 고딕"/>
+        <a:font script="Hans" typeface="宋体"/>
+        <a:font script="Hant" typeface="新細明體"/>
+        <a:font script="Arab" typeface="Arial"/>
+        <a:font script="Hebr" typeface="Arial"/>
+        <a:font script="Thai" typeface="Cordia New"/>
+        <a:font script="Ethi" typeface="Nyala"/>
+        <a:font script="Beng" typeface="Vrinda"/>
+        <a:font script="Gujr" typeface="Shruti"/>
+        <a:font script="Khmr" typeface="DaunPenh"/>
+        <a:font script="Knda" typeface="Tunga"/>
+        <a:font script="Guru" typeface="Raavi"/>
+        <a:font script="Cans" typeface="Euphemia"/>
+        <a:font script="Cher" typeface="Plantagenet Cherokee"/>
+        <a:font script="Yiii" typeface="Microsoft Yi Baiti"/>
+        <a:font script="Tibt" typeface="Microsoft Himalaya"/>
+        <a:font script="Thaa" typeface="MV Boli"/>
+        <a:font script="Deva" typeface="Mangal"/>
+        <a:font script="Telu" typeface="Gautami"/>
+        <a:font script="Taml" typeface="Latha"/>
+        <a:font script="Syrc" typeface="Estrangelo Edessa"/>
+        <a:font script="Orya" typeface="Kalinga"/>
+        <a:font script="Mlym" typeface="Kartika"/>
+        <a:font script="Laoo" typeface="DokChampa"/>
+        <a:font script="Sinh" typeface="Iskoola Pota"/>
+        <a:font script="Mong" typeface="Mongolian Baiti"/>
+        <a:font script="Viet" typeface="Arial"/>
+        <a:font script="Uigh" typeface="Microsoft Uighur"/>
+        <a:font script="Geor" typeface="Sylfaen"/>
+      </a:minorFont>
+    </a:fontScheme>
+    <a:fmtScheme name="Office">
+      <a:fillStyleLst>
+        <a:solidFill>
+          <a:schemeClr val="phClr"/>
+        </a:solidFill>
+        <a:gradFill rotWithShape="1">
+          <a:gsLst>
+            <a:gs pos="0">
+              <a:schemeClr val="phClr">
+                <a:lumMod val="110000"/>
+                <a:satMod val="105000"/>
+                <a:tint val="67000"/>
+              </a:schemeClr>
+            </a:gs>
+            <a:gs pos="50000">
+              <a:schemeClr val="phClr">
+                <a:lumMod val="105000"/>
+                <a:satMod val="103000"/>
+                <a:tint val="73000"/>
+              </a:schemeClr>
+            </a:gs>
+            <a:gs pos="100000">
+              <a:schemeClr val="phClr">
+                <a:lumMod val="105000"/>
+                <a:satMod val="109000"/>
+                <a:tint val="81000"/>
+              </a:schemeClr>
+            </a:gs>
+          </a:gsLst>
+          <a:lin ang="5400000" scaled="0"/>
+        </a:gradFill>
+        <a:gradFill rotWithShape="1">
+          <a:gsLst>
+            <a:gs pos="0">
+              <a:schemeClr val="phClr">
+                <a:satMod val="103000"/>
+                <a:lumMod val="102000"/>
+                <a:tint val="94000"/>
+              </a:schemeClr>
+            </a:gs>
+            <a:gs pos="50000">
+              <a:schemeClr val="phClr">
+                <a:satMod val="110000"/>
+                <a:lumMod val="100000"/>
+                <a:shade val="100000"/>
+              </a:schemeClr>
+            </a:gs>
+            <a:gs pos="100000">
+              <a:schemeClr val="phClr">
+                <a:lumMod val="99000"/>
+                <a:satMod val="120000"/>
+                <a:shade val="78000"/>
+              </a:schemeClr>
+            </a:gs>
+          </a:gsLst>
+          <a:lin ang="5400000" scaled="0"/>
+        </a:gradFill>
+      </a:fillStyleLst>
+      <a:lnStyleLst>
+        <a:ln w="6350" cap="flat" cmpd="sng" algn="ctr">
+          <a:solidFill>
+            <a:schemeClr val="phClr"/>
+          </a:solidFill>
+          <a:prstDash val="solid"/>
+          <a:miter lim="800000"/>
+        </a:ln>
+        <a:ln w="12700" cap="flat" cmpd="sng" algn="ctr">
+          <a:solidFill>
+            <a:schemeClr val="phClr"/>
+          </a:solidFill>
+          <a:prstDash val="solid"/>
+          <a:miter lim="800000"/>
+        </a:ln>
+        <a:ln w="19050" cap="flat" cmpd="sng" algn="ctr">
+          <a:solidFill>
+            <a:schemeClr val="phClr"/>
+          </a:solidFill>
+          <a:prstDash val="solid"/>
+          <a:miter lim="800000"/>
+        </a:ln>
+      </a:lnStyleLst>
+      <a:effectStyleLst>
+        <a:effectStyle>
+          <a:effectLst/>
+        </a:effectStyle>
+        <a:effectStyle>
+          <a:effectLst/>
+        </a:effectStyle>
+        <a:effectStyle>
+          <a:effectLst>
+            <a:outerShdw blurRad="57150" dist="19050" dir="5400000" algn="ctr" rotWithShape="0">
+              <a:srgbClr val="000000">
+                <a:alpha val="63000"/>
+              </a:srgbClr>
+            </a:outerShdw>
+          </a:effectLst>
+        </a:effectStyle>
+      </a:effectStyleLst>
+      <a:bgFillStyleLst>
+        <a:solidFill>
+          <a:schemeClr val="phClr"/>
+        </a:solidFill>
+        <a:solidFill>
+          <a:schemeClr val="phClr">
+            <a:tint val="95000"/>
+            <a:satMod val="170000"/>
+          </a:schemeClr>
+        </a:solidFill>
+        <a:gradFill rotWithShape="1">
+          <a:gsLst>
+            <a:gs pos="0">
+              <a:schemeClr val="phClr">
+                <a:tint val="93000"/>
+                <a:satMod val="150000"/>
+                <a:shade val="98000"/>
+                <a:lumMod val="102000"/>
+              </a:schemeClr>
+            </a:gs>
+            <a:gs pos="50000">
+              <a:schemeClr val="phClr">
+                <a:tint val="98000"/>
+                <a:satMod val="130000"/>
+                <a:shade val="90000"/>
+                <a:lumMod val="103000"/>
+              </a:schemeClr>
+            </a:gs>
+            <a:gs pos="100000">
+              <a:schemeClr val="phClr">
+                <a:shade val="63000"/>
+                <a:satMod val="120000"/>
+              </a:schemeClr>
+            </a:gs>
+          </a:gsLst>
+          <a:lin ang="5400000" scaled="0"/>
+        </a:gradFill>
+      </a:bgFillStyleLst>
+    </a:fmtScheme>
+  </a:themeElements>
+  <a:objectDefaults/>
+  <a:extraClrSchemeLst/>
+  <a:extLst>
+    <a:ext uri="{05A4C25C-085E-4340-85A3-A5531E510DB2}">
+      <thm15:themeFamily xmlns:thm15="http://schemas.microsoft.com/office/thememl/2012/main" name="Office Theme" id="{62F939B6-93AF-4DB8-9C6B-D6C7DFDC589F}" vid="{4A3C46E8-61CC-4603-A589-7422A47A8E4A}"/>
+    </a:ext>
+  </a:extLst>
+</a:theme>
 </file>